--- a/cceug6 econimp.pptx
+++ b/cceug6 econimp.pptx
@@ -5,36 +5,58 @@
     <p:sldMasterId id="2147483648" r:id="rId1"/>
   </p:sldMasterIdLst>
   <p:notesMasterIdLst>
-    <p:notesMasterId r:id="rId26"/>
+    <p:notesMasterId r:id="rId48"/>
   </p:notesMasterIdLst>
   <p:handoutMasterIdLst>
-    <p:handoutMasterId r:id="rId27"/>
+    <p:handoutMasterId r:id="rId49"/>
   </p:handoutMasterIdLst>
   <p:sldIdLst>
     <p:sldId id="257" r:id="rId2"/>
-    <p:sldId id="279" r:id="rId3"/>
-    <p:sldId id="316" r:id="rId4"/>
-    <p:sldId id="348" r:id="rId5"/>
-    <p:sldId id="320" r:id="rId6"/>
-    <p:sldId id="357" r:id="rId7"/>
-    <p:sldId id="358" r:id="rId8"/>
-    <p:sldId id="359" r:id="rId9"/>
-    <p:sldId id="360" r:id="rId10"/>
-    <p:sldId id="361" r:id="rId11"/>
-    <p:sldId id="362" r:id="rId12"/>
-    <p:sldId id="363" r:id="rId13"/>
-    <p:sldId id="364" r:id="rId14"/>
-    <p:sldId id="355" r:id="rId15"/>
-    <p:sldId id="351" r:id="rId16"/>
-    <p:sldId id="356" r:id="rId17"/>
-    <p:sldId id="365" r:id="rId18"/>
-    <p:sldId id="366" r:id="rId19"/>
-    <p:sldId id="367" r:id="rId20"/>
-    <p:sldId id="324" r:id="rId21"/>
-    <p:sldId id="371" r:id="rId22"/>
-    <p:sldId id="368" r:id="rId23"/>
-    <p:sldId id="370" r:id="rId24"/>
-    <p:sldId id="331" r:id="rId25"/>
+    <p:sldId id="372" r:id="rId3"/>
+    <p:sldId id="383" r:id="rId4"/>
+    <p:sldId id="316" r:id="rId5"/>
+    <p:sldId id="348" r:id="rId6"/>
+    <p:sldId id="320" r:id="rId7"/>
+    <p:sldId id="357" r:id="rId8"/>
+    <p:sldId id="358" r:id="rId9"/>
+    <p:sldId id="359" r:id="rId10"/>
+    <p:sldId id="360" r:id="rId11"/>
+    <p:sldId id="382" r:id="rId12"/>
+    <p:sldId id="361" r:id="rId13"/>
+    <p:sldId id="362" r:id="rId14"/>
+    <p:sldId id="363" r:id="rId15"/>
+    <p:sldId id="384" r:id="rId16"/>
+    <p:sldId id="385" r:id="rId17"/>
+    <p:sldId id="364" r:id="rId18"/>
+    <p:sldId id="386" r:id="rId19"/>
+    <p:sldId id="355" r:id="rId20"/>
+    <p:sldId id="351" r:id="rId21"/>
+    <p:sldId id="356" r:id="rId22"/>
+    <p:sldId id="387" r:id="rId23"/>
+    <p:sldId id="365" r:id="rId24"/>
+    <p:sldId id="366" r:id="rId25"/>
+    <p:sldId id="367" r:id="rId26"/>
+    <p:sldId id="388" r:id="rId27"/>
+    <p:sldId id="324" r:id="rId28"/>
+    <p:sldId id="371" r:id="rId29"/>
+    <p:sldId id="380" r:id="rId30"/>
+    <p:sldId id="381" r:id="rId31"/>
+    <p:sldId id="368" r:id="rId32"/>
+    <p:sldId id="370" r:id="rId33"/>
+    <p:sldId id="331" r:id="rId34"/>
+    <p:sldId id="389" r:id="rId35"/>
+    <p:sldId id="373" r:id="rId36"/>
+    <p:sldId id="350" r:id="rId37"/>
+    <p:sldId id="376" r:id="rId38"/>
+    <p:sldId id="377" r:id="rId39"/>
+    <p:sldId id="378" r:id="rId40"/>
+    <p:sldId id="456" r:id="rId41"/>
+    <p:sldId id="461" r:id="rId42"/>
+    <p:sldId id="460" r:id="rId43"/>
+    <p:sldId id="457" r:id="rId44"/>
+    <p:sldId id="459" r:id="rId45"/>
+    <p:sldId id="462" r:id="rId46"/>
+    <p:sldId id="379" r:id="rId47"/>
   </p:sldIdLst>
   <p:sldSz cx="9144000" cy="6858000" type="screen4x3"/>
   <p:notesSz cx="6797675" cy="9874250"/>
@@ -970,7 +992,7 @@
       </p:grpSpPr>
       <p:sp>
         <p:nvSpPr>
-          <p:cNvPr id="37890" name="Rectangle 7"/>
+          <p:cNvPr id="25602" name="Rectangle 7"/>
           <p:cNvSpPr>
             <a:spLocks noGrp="1" noChangeArrowheads="1"/>
           </p:cNvSpPr>
@@ -985,10 +1007,10 @@
           <a:bodyPr/>
           <a:lstStyle/>
           <a:p>
-            <a:fld id="{597E1EB9-60CD-4839-8E8B-F6635CD1F92A}" type="slidenum">
+            <a:fld id="{AAE8AFE3-17D1-45EA-BE56-0864919F65F7}" type="slidenum">
               <a:rPr lang="en-GB"/>
               <a:pPr/>
-              <a:t>18</a:t>
+              <a:t>15</a:t>
             </a:fld>
             <a:endParaRPr lang="en-GB"/>
           </a:p>
@@ -996,7 +1018,7 @@
       </p:sp>
       <p:sp>
         <p:nvSpPr>
-          <p:cNvPr id="37891" name="Rectangle 2"/>
+          <p:cNvPr id="25603" name="Rectangle 2"/>
           <p:cNvSpPr>
             <a:spLocks noGrp="1" noRot="1" noChangeAspect="1" noChangeArrowheads="1" noTextEdit="1"/>
           </p:cNvSpPr>
@@ -1005,16 +1027,12 @@
           </p:nvPr>
         </p:nvSpPr>
         <p:spPr>
-          <a:xfrm>
-            <a:off x="931863" y="741363"/>
-            <a:ext cx="4935537" cy="3702050"/>
-          </a:xfrm>
           <a:ln/>
         </p:spPr>
       </p:sp>
       <p:sp>
         <p:nvSpPr>
-          <p:cNvPr id="37892" name="Rectangle 3"/>
+          <p:cNvPr id="25604" name="Rectangle 3"/>
           <p:cNvSpPr>
             <a:spLocks noGrp="1" noChangeArrowheads="1"/>
           </p:cNvSpPr>
@@ -1023,10 +1041,6 @@
           </p:nvPr>
         </p:nvSpPr>
         <p:spPr>
-          <a:xfrm>
-            <a:off x="906463" y="4691063"/>
-            <a:ext cx="4984750" cy="4443412"/>
-          </a:xfrm>
           <a:noFill/>
           <a:ln/>
         </p:spPr>
@@ -1042,7 +1056,7 @@
     </p:spTree>
     <p:extLst>
       <p:ext uri="{BB962C8B-B14F-4D97-AF65-F5344CB8AC3E}">
-        <p14:creationId xmlns:p14="http://schemas.microsoft.com/office/powerpoint/2010/main" val="2431097882"/>
+        <p14:creationId xmlns:p14="http://schemas.microsoft.com/office/powerpoint/2010/main" val="4122156276"/>
       </p:ext>
     </p:extLst>
   </p:cSld>
@@ -1071,7 +1085,7 @@
       </p:grpSpPr>
       <p:sp>
         <p:nvSpPr>
-          <p:cNvPr id="37890" name="Rectangle 7"/>
+          <p:cNvPr id="25602" name="Rectangle 7"/>
           <p:cNvSpPr>
             <a:spLocks noGrp="1" noChangeArrowheads="1"/>
           </p:cNvSpPr>
@@ -1086,10 +1100,10 @@
           <a:bodyPr/>
           <a:lstStyle/>
           <a:p>
-            <a:fld id="{597E1EB9-60CD-4839-8E8B-F6635CD1F92A}" type="slidenum">
+            <a:fld id="{AAE8AFE3-17D1-45EA-BE56-0864919F65F7}" type="slidenum">
               <a:rPr lang="en-GB"/>
               <a:pPr/>
-              <a:t>19</a:t>
+              <a:t>16</a:t>
             </a:fld>
             <a:endParaRPr lang="en-GB"/>
           </a:p>
@@ -1097,7 +1111,7 @@
       </p:sp>
       <p:sp>
         <p:nvSpPr>
-          <p:cNvPr id="37891" name="Rectangle 2"/>
+          <p:cNvPr id="25603" name="Rectangle 2"/>
           <p:cNvSpPr>
             <a:spLocks noGrp="1" noRot="1" noChangeAspect="1" noChangeArrowheads="1" noTextEdit="1"/>
           </p:cNvSpPr>
@@ -1106,16 +1120,12 @@
           </p:nvPr>
         </p:nvSpPr>
         <p:spPr>
-          <a:xfrm>
-            <a:off x="931863" y="741363"/>
-            <a:ext cx="4935537" cy="3702050"/>
-          </a:xfrm>
           <a:ln/>
         </p:spPr>
       </p:sp>
       <p:sp>
         <p:nvSpPr>
-          <p:cNvPr id="37892" name="Rectangle 3"/>
+          <p:cNvPr id="25604" name="Rectangle 3"/>
           <p:cNvSpPr>
             <a:spLocks noGrp="1" noChangeArrowheads="1"/>
           </p:cNvSpPr>
@@ -1124,10 +1134,6 @@
           </p:nvPr>
         </p:nvSpPr>
         <p:spPr>
-          <a:xfrm>
-            <a:off x="906463" y="4691063"/>
-            <a:ext cx="4984750" cy="4443412"/>
-          </a:xfrm>
           <a:noFill/>
           <a:ln/>
         </p:spPr>
@@ -1143,7 +1149,7 @@
     </p:spTree>
     <p:extLst>
       <p:ext uri="{BB962C8B-B14F-4D97-AF65-F5344CB8AC3E}">
-        <p14:creationId xmlns:p14="http://schemas.microsoft.com/office/powerpoint/2010/main" val="1652291467"/>
+        <p14:creationId xmlns:p14="http://schemas.microsoft.com/office/powerpoint/2010/main" val="3979130043"/>
       </p:ext>
     </p:extLst>
   </p:cSld>
@@ -1172,7 +1178,7 @@
       </p:grpSpPr>
       <p:sp>
         <p:nvSpPr>
-          <p:cNvPr id="37890" name="Rectangle 7"/>
+          <p:cNvPr id="32770" name="Rectangle 7"/>
           <p:cNvSpPr>
             <a:spLocks noGrp="1" noChangeArrowheads="1"/>
           </p:cNvSpPr>
@@ -1187,10 +1193,10 @@
           <a:bodyPr/>
           <a:lstStyle/>
           <a:p>
-            <a:fld id="{597E1EB9-60CD-4839-8E8B-F6635CD1F92A}" type="slidenum">
+            <a:fld id="{45B667DC-6F9A-49B3-A8A3-1AF3CCE0D4AA}" type="slidenum">
               <a:rPr lang="en-GB"/>
               <a:pPr/>
-              <a:t>20</a:t>
+              <a:t>17</a:t>
             </a:fld>
             <a:endParaRPr lang="en-GB"/>
           </a:p>
@@ -1198,7 +1204,7 @@
       </p:sp>
       <p:sp>
         <p:nvSpPr>
-          <p:cNvPr id="37891" name="Rectangle 2"/>
+          <p:cNvPr id="32771" name="Rectangle 2"/>
           <p:cNvSpPr>
             <a:spLocks noGrp="1" noRot="1" noChangeAspect="1" noChangeArrowheads="1" noTextEdit="1"/>
           </p:cNvSpPr>
@@ -1216,7 +1222,7 @@
       </p:sp>
       <p:sp>
         <p:nvSpPr>
-          <p:cNvPr id="37892" name="Rectangle 3"/>
+          <p:cNvPr id="32772" name="Rectangle 3"/>
           <p:cNvSpPr>
             <a:spLocks noGrp="1" noChangeArrowheads="1"/>
           </p:cNvSpPr>
@@ -1244,7 +1250,7 @@
     </p:spTree>
     <p:extLst>
       <p:ext uri="{BB962C8B-B14F-4D97-AF65-F5344CB8AC3E}">
-        <p14:creationId xmlns:p14="http://schemas.microsoft.com/office/powerpoint/2010/main" val="3696485747"/>
+        <p14:creationId xmlns:p14="http://schemas.microsoft.com/office/powerpoint/2010/main" val="1640412788"/>
       </p:ext>
     </p:extLst>
   </p:cSld>
@@ -1273,7 +1279,7 @@
       </p:grpSpPr>
       <p:sp>
         <p:nvSpPr>
-          <p:cNvPr id="37890" name="Rectangle 7"/>
+          <p:cNvPr id="25602" name="Rectangle 7"/>
           <p:cNvSpPr>
             <a:spLocks noGrp="1" noChangeArrowheads="1"/>
           </p:cNvSpPr>
@@ -1288,10 +1294,10 @@
           <a:bodyPr/>
           <a:lstStyle/>
           <a:p>
-            <a:fld id="{597E1EB9-60CD-4839-8E8B-F6635CD1F92A}" type="slidenum">
+            <a:fld id="{AAE8AFE3-17D1-45EA-BE56-0864919F65F7}" type="slidenum">
               <a:rPr lang="en-GB"/>
               <a:pPr/>
-              <a:t>21</a:t>
+              <a:t>18</a:t>
             </a:fld>
             <a:endParaRPr lang="en-GB"/>
           </a:p>
@@ -1299,7 +1305,7 @@
       </p:sp>
       <p:sp>
         <p:nvSpPr>
-          <p:cNvPr id="37891" name="Rectangle 2"/>
+          <p:cNvPr id="25603" name="Rectangle 2"/>
           <p:cNvSpPr>
             <a:spLocks noGrp="1" noRot="1" noChangeAspect="1" noChangeArrowheads="1" noTextEdit="1"/>
           </p:cNvSpPr>
@@ -1308,16 +1314,12 @@
           </p:nvPr>
         </p:nvSpPr>
         <p:spPr>
-          <a:xfrm>
-            <a:off x="931863" y="741363"/>
-            <a:ext cx="4935537" cy="3702050"/>
-          </a:xfrm>
           <a:ln/>
         </p:spPr>
       </p:sp>
       <p:sp>
         <p:nvSpPr>
-          <p:cNvPr id="37892" name="Rectangle 3"/>
+          <p:cNvPr id="25604" name="Rectangle 3"/>
           <p:cNvSpPr>
             <a:spLocks noGrp="1" noChangeArrowheads="1"/>
           </p:cNvSpPr>
@@ -1326,10 +1328,6 @@
           </p:nvPr>
         </p:nvSpPr>
         <p:spPr>
-          <a:xfrm>
-            <a:off x="906463" y="4691063"/>
-            <a:ext cx="4984750" cy="4443412"/>
-          </a:xfrm>
           <a:noFill/>
           <a:ln/>
         </p:spPr>
@@ -1345,7 +1343,7 @@
     </p:spTree>
     <p:extLst>
       <p:ext uri="{BB962C8B-B14F-4D97-AF65-F5344CB8AC3E}">
-        <p14:creationId xmlns:p14="http://schemas.microsoft.com/office/powerpoint/2010/main" val="2077570529"/>
+        <p14:creationId xmlns:p14="http://schemas.microsoft.com/office/powerpoint/2010/main" val="850527670"/>
       </p:ext>
     </p:extLst>
   </p:cSld>
@@ -1374,7 +1372,33 @@
       </p:grpSpPr>
       <p:sp>
         <p:nvSpPr>
-          <p:cNvPr id="65538" name="Rectangle 2"/>
+          <p:cNvPr id="32770" name="Rectangle 7"/>
+          <p:cNvSpPr>
+            <a:spLocks noGrp="1" noChangeArrowheads="1"/>
+          </p:cNvSpPr>
+          <p:nvPr>
+            <p:ph type="sldNum" sz="quarter" idx="5"/>
+          </p:nvPr>
+        </p:nvSpPr>
+        <p:spPr>
+          <a:noFill/>
+        </p:spPr>
+        <p:txBody>
+          <a:bodyPr/>
+          <a:lstStyle/>
+          <a:p>
+            <a:fld id="{45B667DC-6F9A-49B3-A8A3-1AF3CCE0D4AA}" type="slidenum">
+              <a:rPr lang="en-GB"/>
+              <a:pPr/>
+              <a:t>20</a:t>
+            </a:fld>
+            <a:endParaRPr lang="en-GB"/>
+          </a:p>
+        </p:txBody>
+      </p:sp>
+      <p:sp>
+        <p:nvSpPr>
+          <p:cNvPr id="32771" name="Rectangle 2"/>
           <p:cNvSpPr>
             <a:spLocks noGrp="1" noRot="1" noChangeAspect="1" noChangeArrowheads="1" noTextEdit="1"/>
           </p:cNvSpPr>
@@ -1392,7 +1416,7 @@
       </p:sp>
       <p:sp>
         <p:nvSpPr>
-          <p:cNvPr id="65539" name="Rectangle 3"/>
+          <p:cNvPr id="32772" name="Rectangle 3"/>
           <p:cNvSpPr>
             <a:spLocks noGrp="1" noChangeArrowheads="1"/>
           </p:cNvSpPr>
@@ -1402,8 +1426,8 @@
         </p:nvSpPr>
         <p:spPr>
           <a:xfrm>
-            <a:off x="679450" y="4691063"/>
-            <a:ext cx="5438775" cy="4443412"/>
+            <a:off x="906463" y="4691063"/>
+            <a:ext cx="4984750" cy="4443412"/>
           </a:xfrm>
           <a:noFill/>
           <a:ln/>
@@ -1412,6 +1436,7 @@
           <a:bodyPr/>
           <a:lstStyle/>
           <a:p>
+            <a:pPr eaLnBrk="1" hangingPunct="1"/>
             <a:endParaRPr lang="en-US"/>
           </a:p>
         </p:txBody>
@@ -1419,7 +1444,7 @@
     </p:spTree>
     <p:extLst>
       <p:ext uri="{BB962C8B-B14F-4D97-AF65-F5344CB8AC3E}">
-        <p14:creationId xmlns:p14="http://schemas.microsoft.com/office/powerpoint/2010/main" val="1553040545"/>
+        <p14:creationId xmlns:p14="http://schemas.microsoft.com/office/powerpoint/2010/main" val="1636925360"/>
       </p:ext>
     </p:extLst>
   </p:cSld>
@@ -1448,7 +1473,7 @@
       </p:grpSpPr>
       <p:sp>
         <p:nvSpPr>
-          <p:cNvPr id="47106" name="Rectangle 7"/>
+          <p:cNvPr id="25602" name="Rectangle 7"/>
           <p:cNvSpPr>
             <a:spLocks noGrp="1" noChangeArrowheads="1"/>
           </p:cNvSpPr>
@@ -1463,7 +1488,100 @@
           <a:bodyPr/>
           <a:lstStyle/>
           <a:p>
-            <a:fld id="{B5320D47-5187-45BC-BE0B-F6E7A7513EC6}" type="slidenum">
+            <a:fld id="{AAE8AFE3-17D1-45EA-BE56-0864919F65F7}" type="slidenum">
+              <a:rPr lang="en-GB"/>
+              <a:pPr/>
+              <a:t>22</a:t>
+            </a:fld>
+            <a:endParaRPr lang="en-GB"/>
+          </a:p>
+        </p:txBody>
+      </p:sp>
+      <p:sp>
+        <p:nvSpPr>
+          <p:cNvPr id="25603" name="Rectangle 2"/>
+          <p:cNvSpPr>
+            <a:spLocks noGrp="1" noRot="1" noChangeAspect="1" noChangeArrowheads="1" noTextEdit="1"/>
+          </p:cNvSpPr>
+          <p:nvPr>
+            <p:ph type="sldImg"/>
+          </p:nvPr>
+        </p:nvSpPr>
+        <p:spPr>
+          <a:ln/>
+        </p:spPr>
+      </p:sp>
+      <p:sp>
+        <p:nvSpPr>
+          <p:cNvPr id="25604" name="Rectangle 3"/>
+          <p:cNvSpPr>
+            <a:spLocks noGrp="1" noChangeArrowheads="1"/>
+          </p:cNvSpPr>
+          <p:nvPr>
+            <p:ph type="body" idx="1"/>
+          </p:nvPr>
+        </p:nvSpPr>
+        <p:spPr>
+          <a:noFill/>
+          <a:ln/>
+        </p:spPr>
+        <p:txBody>
+          <a:bodyPr/>
+          <a:lstStyle/>
+          <a:p>
+            <a:pPr eaLnBrk="1" hangingPunct="1"/>
+            <a:endParaRPr lang="en-US"/>
+          </a:p>
+        </p:txBody>
+      </p:sp>
+    </p:spTree>
+    <p:extLst>
+      <p:ext uri="{BB962C8B-B14F-4D97-AF65-F5344CB8AC3E}">
+        <p14:creationId xmlns:p14="http://schemas.microsoft.com/office/powerpoint/2010/main" val="1514492266"/>
+      </p:ext>
+    </p:extLst>
+  </p:cSld>
+  <p:clrMapOvr>
+    <a:masterClrMapping/>
+  </p:clrMapOvr>
+</p:notes>
+</file>
+
+<file path=ppt/notesSlides/notesSlide16.xml><?xml version="1.0" encoding="utf-8"?>
+<p:notes xmlns:a="http://schemas.openxmlformats.org/drawingml/2006/main" xmlns:r="http://schemas.openxmlformats.org/officeDocument/2006/relationships" xmlns:p="http://schemas.openxmlformats.org/presentationml/2006/main">
+  <p:cSld>
+    <p:spTree>
+      <p:nvGrpSpPr>
+        <p:cNvPr id="1" name=""/>
+        <p:cNvGrpSpPr/>
+        <p:nvPr/>
+      </p:nvGrpSpPr>
+      <p:grpSpPr>
+        <a:xfrm>
+          <a:off x="0" y="0"/>
+          <a:ext cx="0" cy="0"/>
+          <a:chOff x="0" y="0"/>
+          <a:chExt cx="0" cy="0"/>
+        </a:xfrm>
+      </p:grpSpPr>
+      <p:sp>
+        <p:nvSpPr>
+          <p:cNvPr id="37890" name="Rectangle 7"/>
+          <p:cNvSpPr>
+            <a:spLocks noGrp="1" noChangeArrowheads="1"/>
+          </p:cNvSpPr>
+          <p:nvPr>
+            <p:ph type="sldNum" sz="quarter" idx="5"/>
+          </p:nvPr>
+        </p:nvSpPr>
+        <p:spPr>
+          <a:noFill/>
+        </p:spPr>
+        <p:txBody>
+          <a:bodyPr/>
+          <a:lstStyle/>
+          <a:p>
+            <a:fld id="{597E1EB9-60CD-4839-8E8B-F6635CD1F92A}" type="slidenum">
               <a:rPr lang="en-GB"/>
               <a:pPr/>
               <a:t>24</a:t>
@@ -1474,7 +1592,7 @@
       </p:sp>
       <p:sp>
         <p:nvSpPr>
-          <p:cNvPr id="47107" name="Rectangle 2"/>
+          <p:cNvPr id="37891" name="Rectangle 2"/>
           <p:cNvSpPr>
             <a:spLocks noGrp="1" noRot="1" noChangeAspect="1" noChangeArrowheads="1" noTextEdit="1"/>
           </p:cNvSpPr>
@@ -1492,7 +1610,7 @@
       </p:sp>
       <p:sp>
         <p:nvSpPr>
-          <p:cNvPr id="47108" name="Rectangle 3"/>
+          <p:cNvPr id="37892" name="Rectangle 3"/>
           <p:cNvSpPr>
             <a:spLocks noGrp="1" noChangeArrowheads="1"/>
           </p:cNvSpPr>
@@ -1520,7 +1638,302 @@
     </p:spTree>
     <p:extLst>
       <p:ext uri="{BB962C8B-B14F-4D97-AF65-F5344CB8AC3E}">
-        <p14:creationId xmlns:p14="http://schemas.microsoft.com/office/powerpoint/2010/main" val="987771186"/>
+        <p14:creationId xmlns:p14="http://schemas.microsoft.com/office/powerpoint/2010/main" val="2431097882"/>
+      </p:ext>
+    </p:extLst>
+  </p:cSld>
+  <p:clrMapOvr>
+    <a:masterClrMapping/>
+  </p:clrMapOvr>
+</p:notes>
+</file>
+
+<file path=ppt/notesSlides/notesSlide17.xml><?xml version="1.0" encoding="utf-8"?>
+<p:notes xmlns:a="http://schemas.openxmlformats.org/drawingml/2006/main" xmlns:r="http://schemas.openxmlformats.org/officeDocument/2006/relationships" xmlns:p="http://schemas.openxmlformats.org/presentationml/2006/main">
+  <p:cSld>
+    <p:spTree>
+      <p:nvGrpSpPr>
+        <p:cNvPr id="1" name=""/>
+        <p:cNvGrpSpPr/>
+        <p:nvPr/>
+      </p:nvGrpSpPr>
+      <p:grpSpPr>
+        <a:xfrm>
+          <a:off x="0" y="0"/>
+          <a:ext cx="0" cy="0"/>
+          <a:chOff x="0" y="0"/>
+          <a:chExt cx="0" cy="0"/>
+        </a:xfrm>
+      </p:grpSpPr>
+      <p:sp>
+        <p:nvSpPr>
+          <p:cNvPr id="37890" name="Rectangle 7"/>
+          <p:cNvSpPr>
+            <a:spLocks noGrp="1" noChangeArrowheads="1"/>
+          </p:cNvSpPr>
+          <p:nvPr>
+            <p:ph type="sldNum" sz="quarter" idx="5"/>
+          </p:nvPr>
+        </p:nvSpPr>
+        <p:spPr>
+          <a:noFill/>
+        </p:spPr>
+        <p:txBody>
+          <a:bodyPr/>
+          <a:lstStyle/>
+          <a:p>
+            <a:fld id="{597E1EB9-60CD-4839-8E8B-F6635CD1F92A}" type="slidenum">
+              <a:rPr lang="en-GB"/>
+              <a:pPr/>
+              <a:t>25</a:t>
+            </a:fld>
+            <a:endParaRPr lang="en-GB"/>
+          </a:p>
+        </p:txBody>
+      </p:sp>
+      <p:sp>
+        <p:nvSpPr>
+          <p:cNvPr id="37891" name="Rectangle 2"/>
+          <p:cNvSpPr>
+            <a:spLocks noGrp="1" noRot="1" noChangeAspect="1" noChangeArrowheads="1" noTextEdit="1"/>
+          </p:cNvSpPr>
+          <p:nvPr>
+            <p:ph type="sldImg"/>
+          </p:nvPr>
+        </p:nvSpPr>
+        <p:spPr>
+          <a:xfrm>
+            <a:off x="931863" y="741363"/>
+            <a:ext cx="4935537" cy="3702050"/>
+          </a:xfrm>
+          <a:ln/>
+        </p:spPr>
+      </p:sp>
+      <p:sp>
+        <p:nvSpPr>
+          <p:cNvPr id="37892" name="Rectangle 3"/>
+          <p:cNvSpPr>
+            <a:spLocks noGrp="1" noChangeArrowheads="1"/>
+          </p:cNvSpPr>
+          <p:nvPr>
+            <p:ph type="body" idx="1"/>
+          </p:nvPr>
+        </p:nvSpPr>
+        <p:spPr>
+          <a:xfrm>
+            <a:off x="906463" y="4691063"/>
+            <a:ext cx="4984750" cy="4443412"/>
+          </a:xfrm>
+          <a:noFill/>
+          <a:ln/>
+        </p:spPr>
+        <p:txBody>
+          <a:bodyPr/>
+          <a:lstStyle/>
+          <a:p>
+            <a:pPr eaLnBrk="1" hangingPunct="1"/>
+            <a:endParaRPr lang="en-US"/>
+          </a:p>
+        </p:txBody>
+      </p:sp>
+    </p:spTree>
+    <p:extLst>
+      <p:ext uri="{BB962C8B-B14F-4D97-AF65-F5344CB8AC3E}">
+        <p14:creationId xmlns:p14="http://schemas.microsoft.com/office/powerpoint/2010/main" val="1652291467"/>
+      </p:ext>
+    </p:extLst>
+  </p:cSld>
+  <p:clrMapOvr>
+    <a:masterClrMapping/>
+  </p:clrMapOvr>
+</p:notes>
+</file>
+
+<file path=ppt/notesSlides/notesSlide18.xml><?xml version="1.0" encoding="utf-8"?>
+<p:notes xmlns:a="http://schemas.openxmlformats.org/drawingml/2006/main" xmlns:r="http://schemas.openxmlformats.org/officeDocument/2006/relationships" xmlns:p="http://schemas.openxmlformats.org/presentationml/2006/main">
+  <p:cSld>
+    <p:spTree>
+      <p:nvGrpSpPr>
+        <p:cNvPr id="1" name=""/>
+        <p:cNvGrpSpPr/>
+        <p:nvPr/>
+      </p:nvGrpSpPr>
+      <p:grpSpPr>
+        <a:xfrm>
+          <a:off x="0" y="0"/>
+          <a:ext cx="0" cy="0"/>
+          <a:chOff x="0" y="0"/>
+          <a:chExt cx="0" cy="0"/>
+        </a:xfrm>
+      </p:grpSpPr>
+      <p:sp>
+        <p:nvSpPr>
+          <p:cNvPr id="25602" name="Rectangle 7"/>
+          <p:cNvSpPr>
+            <a:spLocks noGrp="1" noChangeArrowheads="1"/>
+          </p:cNvSpPr>
+          <p:nvPr>
+            <p:ph type="sldNum" sz="quarter" idx="5"/>
+          </p:nvPr>
+        </p:nvSpPr>
+        <p:spPr>
+          <a:noFill/>
+        </p:spPr>
+        <p:txBody>
+          <a:bodyPr/>
+          <a:lstStyle/>
+          <a:p>
+            <a:fld id="{AAE8AFE3-17D1-45EA-BE56-0864919F65F7}" type="slidenum">
+              <a:rPr lang="en-GB"/>
+              <a:pPr/>
+              <a:t>26</a:t>
+            </a:fld>
+            <a:endParaRPr lang="en-GB"/>
+          </a:p>
+        </p:txBody>
+      </p:sp>
+      <p:sp>
+        <p:nvSpPr>
+          <p:cNvPr id="25603" name="Rectangle 2"/>
+          <p:cNvSpPr>
+            <a:spLocks noGrp="1" noRot="1" noChangeAspect="1" noChangeArrowheads="1" noTextEdit="1"/>
+          </p:cNvSpPr>
+          <p:nvPr>
+            <p:ph type="sldImg"/>
+          </p:nvPr>
+        </p:nvSpPr>
+        <p:spPr>
+          <a:ln/>
+        </p:spPr>
+      </p:sp>
+      <p:sp>
+        <p:nvSpPr>
+          <p:cNvPr id="25604" name="Rectangle 3"/>
+          <p:cNvSpPr>
+            <a:spLocks noGrp="1" noChangeArrowheads="1"/>
+          </p:cNvSpPr>
+          <p:nvPr>
+            <p:ph type="body" idx="1"/>
+          </p:nvPr>
+        </p:nvSpPr>
+        <p:spPr>
+          <a:noFill/>
+          <a:ln/>
+        </p:spPr>
+        <p:txBody>
+          <a:bodyPr/>
+          <a:lstStyle/>
+          <a:p>
+            <a:pPr eaLnBrk="1" hangingPunct="1"/>
+            <a:endParaRPr lang="en-US"/>
+          </a:p>
+        </p:txBody>
+      </p:sp>
+    </p:spTree>
+    <p:extLst>
+      <p:ext uri="{BB962C8B-B14F-4D97-AF65-F5344CB8AC3E}">
+        <p14:creationId xmlns:p14="http://schemas.microsoft.com/office/powerpoint/2010/main" val="1813756633"/>
+      </p:ext>
+    </p:extLst>
+  </p:cSld>
+  <p:clrMapOvr>
+    <a:masterClrMapping/>
+  </p:clrMapOvr>
+</p:notes>
+</file>
+
+<file path=ppt/notesSlides/notesSlide19.xml><?xml version="1.0" encoding="utf-8"?>
+<p:notes xmlns:a="http://schemas.openxmlformats.org/drawingml/2006/main" xmlns:r="http://schemas.openxmlformats.org/officeDocument/2006/relationships" xmlns:p="http://schemas.openxmlformats.org/presentationml/2006/main">
+  <p:cSld>
+    <p:spTree>
+      <p:nvGrpSpPr>
+        <p:cNvPr id="1" name=""/>
+        <p:cNvGrpSpPr/>
+        <p:nvPr/>
+      </p:nvGrpSpPr>
+      <p:grpSpPr>
+        <a:xfrm>
+          <a:off x="0" y="0"/>
+          <a:ext cx="0" cy="0"/>
+          <a:chOff x="0" y="0"/>
+          <a:chExt cx="0" cy="0"/>
+        </a:xfrm>
+      </p:grpSpPr>
+      <p:sp>
+        <p:nvSpPr>
+          <p:cNvPr id="37890" name="Rectangle 7"/>
+          <p:cNvSpPr>
+            <a:spLocks noGrp="1" noChangeArrowheads="1"/>
+          </p:cNvSpPr>
+          <p:nvPr>
+            <p:ph type="sldNum" sz="quarter" idx="5"/>
+          </p:nvPr>
+        </p:nvSpPr>
+        <p:spPr>
+          <a:noFill/>
+        </p:spPr>
+        <p:txBody>
+          <a:bodyPr/>
+          <a:lstStyle/>
+          <a:p>
+            <a:fld id="{597E1EB9-60CD-4839-8E8B-F6635CD1F92A}" type="slidenum">
+              <a:rPr lang="en-GB"/>
+              <a:pPr/>
+              <a:t>27</a:t>
+            </a:fld>
+            <a:endParaRPr lang="en-GB"/>
+          </a:p>
+        </p:txBody>
+      </p:sp>
+      <p:sp>
+        <p:nvSpPr>
+          <p:cNvPr id="37891" name="Rectangle 2"/>
+          <p:cNvSpPr>
+            <a:spLocks noGrp="1" noRot="1" noChangeAspect="1" noChangeArrowheads="1" noTextEdit="1"/>
+          </p:cNvSpPr>
+          <p:nvPr>
+            <p:ph type="sldImg"/>
+          </p:nvPr>
+        </p:nvSpPr>
+        <p:spPr>
+          <a:xfrm>
+            <a:off x="931863" y="741363"/>
+            <a:ext cx="4935537" cy="3702050"/>
+          </a:xfrm>
+          <a:ln/>
+        </p:spPr>
+      </p:sp>
+      <p:sp>
+        <p:nvSpPr>
+          <p:cNvPr id="37892" name="Rectangle 3"/>
+          <p:cNvSpPr>
+            <a:spLocks noGrp="1" noChangeArrowheads="1"/>
+          </p:cNvSpPr>
+          <p:nvPr>
+            <p:ph type="body" idx="1"/>
+          </p:nvPr>
+        </p:nvSpPr>
+        <p:spPr>
+          <a:xfrm>
+            <a:off x="906463" y="4691063"/>
+            <a:ext cx="4984750" cy="4443412"/>
+          </a:xfrm>
+          <a:noFill/>
+          <a:ln/>
+        </p:spPr>
+        <p:txBody>
+          <a:bodyPr/>
+          <a:lstStyle/>
+          <a:p>
+            <a:pPr eaLnBrk="1" hangingPunct="1"/>
+            <a:endParaRPr lang="en-US"/>
+          </a:p>
+        </p:txBody>
+      </p:sp>
+    </p:spTree>
+    <p:extLst>
+      <p:ext uri="{BB962C8B-B14F-4D97-AF65-F5344CB8AC3E}">
+        <p14:creationId xmlns:p14="http://schemas.microsoft.com/office/powerpoint/2010/main" val="3696485747"/>
       </p:ext>
     </p:extLst>
   </p:cSld>
@@ -1619,6 +2032,952 @@
 </p:notes>
 </file>
 
+<file path=ppt/notesSlides/notesSlide20.xml><?xml version="1.0" encoding="utf-8"?>
+<p:notes xmlns:a="http://schemas.openxmlformats.org/drawingml/2006/main" xmlns:r="http://schemas.openxmlformats.org/officeDocument/2006/relationships" xmlns:p="http://schemas.openxmlformats.org/presentationml/2006/main">
+  <p:cSld>
+    <p:spTree>
+      <p:nvGrpSpPr>
+        <p:cNvPr id="1" name=""/>
+        <p:cNvGrpSpPr/>
+        <p:nvPr/>
+      </p:nvGrpSpPr>
+      <p:grpSpPr>
+        <a:xfrm>
+          <a:off x="0" y="0"/>
+          <a:ext cx="0" cy="0"/>
+          <a:chOff x="0" y="0"/>
+          <a:chExt cx="0" cy="0"/>
+        </a:xfrm>
+      </p:grpSpPr>
+      <p:sp>
+        <p:nvSpPr>
+          <p:cNvPr id="37890" name="Rectangle 7"/>
+          <p:cNvSpPr>
+            <a:spLocks noGrp="1" noChangeArrowheads="1"/>
+          </p:cNvSpPr>
+          <p:nvPr>
+            <p:ph type="sldNum" sz="quarter" idx="5"/>
+          </p:nvPr>
+        </p:nvSpPr>
+        <p:spPr>
+          <a:noFill/>
+        </p:spPr>
+        <p:txBody>
+          <a:bodyPr/>
+          <a:lstStyle/>
+          <a:p>
+            <a:fld id="{597E1EB9-60CD-4839-8E8B-F6635CD1F92A}" type="slidenum">
+              <a:rPr lang="en-GB"/>
+              <a:pPr/>
+              <a:t>28</a:t>
+            </a:fld>
+            <a:endParaRPr lang="en-GB"/>
+          </a:p>
+        </p:txBody>
+      </p:sp>
+      <p:sp>
+        <p:nvSpPr>
+          <p:cNvPr id="37891" name="Rectangle 2"/>
+          <p:cNvSpPr>
+            <a:spLocks noGrp="1" noRot="1" noChangeAspect="1" noChangeArrowheads="1" noTextEdit="1"/>
+          </p:cNvSpPr>
+          <p:nvPr>
+            <p:ph type="sldImg"/>
+          </p:nvPr>
+        </p:nvSpPr>
+        <p:spPr>
+          <a:xfrm>
+            <a:off x="931863" y="741363"/>
+            <a:ext cx="4935537" cy="3702050"/>
+          </a:xfrm>
+          <a:ln/>
+        </p:spPr>
+      </p:sp>
+      <p:sp>
+        <p:nvSpPr>
+          <p:cNvPr id="37892" name="Rectangle 3"/>
+          <p:cNvSpPr>
+            <a:spLocks noGrp="1" noChangeArrowheads="1"/>
+          </p:cNvSpPr>
+          <p:nvPr>
+            <p:ph type="body" idx="1"/>
+          </p:nvPr>
+        </p:nvSpPr>
+        <p:spPr>
+          <a:xfrm>
+            <a:off x="906463" y="4691063"/>
+            <a:ext cx="4984750" cy="4443412"/>
+          </a:xfrm>
+          <a:noFill/>
+          <a:ln/>
+        </p:spPr>
+        <p:txBody>
+          <a:bodyPr/>
+          <a:lstStyle/>
+          <a:p>
+            <a:pPr eaLnBrk="1" hangingPunct="1"/>
+            <a:endParaRPr lang="en-US"/>
+          </a:p>
+        </p:txBody>
+      </p:sp>
+    </p:spTree>
+    <p:extLst>
+      <p:ext uri="{BB962C8B-B14F-4D97-AF65-F5344CB8AC3E}">
+        <p14:creationId xmlns:p14="http://schemas.microsoft.com/office/powerpoint/2010/main" val="2077570529"/>
+      </p:ext>
+    </p:extLst>
+  </p:cSld>
+  <p:clrMapOvr>
+    <a:masterClrMapping/>
+  </p:clrMapOvr>
+</p:notes>
+</file>
+
+<file path=ppt/notesSlides/notesSlide21.xml><?xml version="1.0" encoding="utf-8"?>
+<p:notes xmlns:a="http://schemas.openxmlformats.org/drawingml/2006/main" xmlns:r="http://schemas.openxmlformats.org/officeDocument/2006/relationships" xmlns:p="http://schemas.openxmlformats.org/presentationml/2006/main">
+  <p:cSld>
+    <p:spTree>
+      <p:nvGrpSpPr>
+        <p:cNvPr id="1" name=""/>
+        <p:cNvGrpSpPr/>
+        <p:nvPr/>
+      </p:nvGrpSpPr>
+      <p:grpSpPr>
+        <a:xfrm>
+          <a:off x="0" y="0"/>
+          <a:ext cx="0" cy="0"/>
+          <a:chOff x="0" y="0"/>
+          <a:chExt cx="0" cy="0"/>
+        </a:xfrm>
+      </p:grpSpPr>
+      <p:sp>
+        <p:nvSpPr>
+          <p:cNvPr id="37890" name="Rectangle 7"/>
+          <p:cNvSpPr>
+            <a:spLocks noGrp="1" noChangeArrowheads="1"/>
+          </p:cNvSpPr>
+          <p:nvPr>
+            <p:ph type="sldNum" sz="quarter" idx="5"/>
+          </p:nvPr>
+        </p:nvSpPr>
+        <p:spPr>
+          <a:noFill/>
+        </p:spPr>
+        <p:txBody>
+          <a:bodyPr/>
+          <a:lstStyle/>
+          <a:p>
+            <a:fld id="{597E1EB9-60CD-4839-8E8B-F6635CD1F92A}" type="slidenum">
+              <a:rPr lang="en-GB"/>
+              <a:pPr/>
+              <a:t>30</a:t>
+            </a:fld>
+            <a:endParaRPr lang="en-GB"/>
+          </a:p>
+        </p:txBody>
+      </p:sp>
+      <p:sp>
+        <p:nvSpPr>
+          <p:cNvPr id="37891" name="Rectangle 2"/>
+          <p:cNvSpPr>
+            <a:spLocks noGrp="1" noRot="1" noChangeAspect="1" noChangeArrowheads="1" noTextEdit="1"/>
+          </p:cNvSpPr>
+          <p:nvPr>
+            <p:ph type="sldImg"/>
+          </p:nvPr>
+        </p:nvSpPr>
+        <p:spPr>
+          <a:xfrm>
+            <a:off x="931863" y="741363"/>
+            <a:ext cx="4935537" cy="3702050"/>
+          </a:xfrm>
+          <a:ln/>
+        </p:spPr>
+      </p:sp>
+      <p:sp>
+        <p:nvSpPr>
+          <p:cNvPr id="37892" name="Rectangle 3"/>
+          <p:cNvSpPr>
+            <a:spLocks noGrp="1" noChangeArrowheads="1"/>
+          </p:cNvSpPr>
+          <p:nvPr>
+            <p:ph type="body" idx="1"/>
+          </p:nvPr>
+        </p:nvSpPr>
+        <p:spPr>
+          <a:xfrm>
+            <a:off x="906463" y="4691063"/>
+            <a:ext cx="4984750" cy="4443412"/>
+          </a:xfrm>
+          <a:noFill/>
+          <a:ln/>
+        </p:spPr>
+        <p:txBody>
+          <a:bodyPr/>
+          <a:lstStyle/>
+          <a:p>
+            <a:pPr eaLnBrk="1" hangingPunct="1"/>
+            <a:endParaRPr lang="en-US"/>
+          </a:p>
+        </p:txBody>
+      </p:sp>
+    </p:spTree>
+    <p:extLst>
+      <p:ext uri="{BB962C8B-B14F-4D97-AF65-F5344CB8AC3E}">
+        <p14:creationId xmlns:p14="http://schemas.microsoft.com/office/powerpoint/2010/main" val="1743190828"/>
+      </p:ext>
+    </p:extLst>
+  </p:cSld>
+  <p:clrMapOvr>
+    <a:masterClrMapping/>
+  </p:clrMapOvr>
+</p:notes>
+</file>
+
+<file path=ppt/notesSlides/notesSlide22.xml><?xml version="1.0" encoding="utf-8"?>
+<p:notes xmlns:a="http://schemas.openxmlformats.org/drawingml/2006/main" xmlns:r="http://schemas.openxmlformats.org/officeDocument/2006/relationships" xmlns:p="http://schemas.openxmlformats.org/presentationml/2006/main">
+  <p:cSld>
+    <p:spTree>
+      <p:nvGrpSpPr>
+        <p:cNvPr id="1" name=""/>
+        <p:cNvGrpSpPr/>
+        <p:nvPr/>
+      </p:nvGrpSpPr>
+      <p:grpSpPr>
+        <a:xfrm>
+          <a:off x="0" y="0"/>
+          <a:ext cx="0" cy="0"/>
+          <a:chOff x="0" y="0"/>
+          <a:chExt cx="0" cy="0"/>
+        </a:xfrm>
+      </p:grpSpPr>
+      <p:sp>
+        <p:nvSpPr>
+          <p:cNvPr id="65538" name="Rectangle 2"/>
+          <p:cNvSpPr>
+            <a:spLocks noGrp="1" noRot="1" noChangeAspect="1" noChangeArrowheads="1" noTextEdit="1"/>
+          </p:cNvSpPr>
+          <p:nvPr>
+            <p:ph type="sldImg"/>
+          </p:nvPr>
+        </p:nvSpPr>
+        <p:spPr>
+          <a:xfrm>
+            <a:off x="931863" y="741363"/>
+            <a:ext cx="4935537" cy="3702050"/>
+          </a:xfrm>
+          <a:ln/>
+        </p:spPr>
+      </p:sp>
+      <p:sp>
+        <p:nvSpPr>
+          <p:cNvPr id="65539" name="Rectangle 3"/>
+          <p:cNvSpPr>
+            <a:spLocks noGrp="1" noChangeArrowheads="1"/>
+          </p:cNvSpPr>
+          <p:nvPr>
+            <p:ph type="body" idx="1"/>
+          </p:nvPr>
+        </p:nvSpPr>
+        <p:spPr>
+          <a:xfrm>
+            <a:off x="679450" y="4691063"/>
+            <a:ext cx="5438775" cy="4443412"/>
+          </a:xfrm>
+          <a:noFill/>
+          <a:ln/>
+        </p:spPr>
+        <p:txBody>
+          <a:bodyPr/>
+          <a:lstStyle/>
+          <a:p>
+            <a:endParaRPr lang="en-US"/>
+          </a:p>
+        </p:txBody>
+      </p:sp>
+    </p:spTree>
+    <p:extLst>
+      <p:ext uri="{BB962C8B-B14F-4D97-AF65-F5344CB8AC3E}">
+        <p14:creationId xmlns:p14="http://schemas.microsoft.com/office/powerpoint/2010/main" val="1553040545"/>
+      </p:ext>
+    </p:extLst>
+  </p:cSld>
+  <p:clrMapOvr>
+    <a:masterClrMapping/>
+  </p:clrMapOvr>
+</p:notes>
+</file>
+
+<file path=ppt/notesSlides/notesSlide23.xml><?xml version="1.0" encoding="utf-8"?>
+<p:notes xmlns:a="http://schemas.openxmlformats.org/drawingml/2006/main" xmlns:r="http://schemas.openxmlformats.org/officeDocument/2006/relationships" xmlns:p="http://schemas.openxmlformats.org/presentationml/2006/main">
+  <p:cSld>
+    <p:spTree>
+      <p:nvGrpSpPr>
+        <p:cNvPr id="1" name=""/>
+        <p:cNvGrpSpPr/>
+        <p:nvPr/>
+      </p:nvGrpSpPr>
+      <p:grpSpPr>
+        <a:xfrm>
+          <a:off x="0" y="0"/>
+          <a:ext cx="0" cy="0"/>
+          <a:chOff x="0" y="0"/>
+          <a:chExt cx="0" cy="0"/>
+        </a:xfrm>
+      </p:grpSpPr>
+      <p:sp>
+        <p:nvSpPr>
+          <p:cNvPr id="47106" name="Rectangle 7"/>
+          <p:cNvSpPr>
+            <a:spLocks noGrp="1" noChangeArrowheads="1"/>
+          </p:cNvSpPr>
+          <p:nvPr>
+            <p:ph type="sldNum" sz="quarter" idx="5"/>
+          </p:nvPr>
+        </p:nvSpPr>
+        <p:spPr>
+          <a:noFill/>
+        </p:spPr>
+        <p:txBody>
+          <a:bodyPr/>
+          <a:lstStyle/>
+          <a:p>
+            <a:fld id="{B5320D47-5187-45BC-BE0B-F6E7A7513EC6}" type="slidenum">
+              <a:rPr lang="en-GB"/>
+              <a:pPr/>
+              <a:t>33</a:t>
+            </a:fld>
+            <a:endParaRPr lang="en-GB"/>
+          </a:p>
+        </p:txBody>
+      </p:sp>
+      <p:sp>
+        <p:nvSpPr>
+          <p:cNvPr id="47107" name="Rectangle 2"/>
+          <p:cNvSpPr>
+            <a:spLocks noGrp="1" noRot="1" noChangeAspect="1" noChangeArrowheads="1" noTextEdit="1"/>
+          </p:cNvSpPr>
+          <p:nvPr>
+            <p:ph type="sldImg"/>
+          </p:nvPr>
+        </p:nvSpPr>
+        <p:spPr>
+          <a:xfrm>
+            <a:off x="931863" y="741363"/>
+            <a:ext cx="4935537" cy="3702050"/>
+          </a:xfrm>
+          <a:ln/>
+        </p:spPr>
+      </p:sp>
+      <p:sp>
+        <p:nvSpPr>
+          <p:cNvPr id="47108" name="Rectangle 3"/>
+          <p:cNvSpPr>
+            <a:spLocks noGrp="1" noChangeArrowheads="1"/>
+          </p:cNvSpPr>
+          <p:nvPr>
+            <p:ph type="body" idx="1"/>
+          </p:nvPr>
+        </p:nvSpPr>
+        <p:spPr>
+          <a:xfrm>
+            <a:off x="906463" y="4691063"/>
+            <a:ext cx="4984750" cy="4443412"/>
+          </a:xfrm>
+          <a:noFill/>
+          <a:ln/>
+        </p:spPr>
+        <p:txBody>
+          <a:bodyPr/>
+          <a:lstStyle/>
+          <a:p>
+            <a:pPr eaLnBrk="1" hangingPunct="1"/>
+            <a:endParaRPr lang="en-US"/>
+          </a:p>
+        </p:txBody>
+      </p:sp>
+    </p:spTree>
+    <p:extLst>
+      <p:ext uri="{BB962C8B-B14F-4D97-AF65-F5344CB8AC3E}">
+        <p14:creationId xmlns:p14="http://schemas.microsoft.com/office/powerpoint/2010/main" val="987771186"/>
+      </p:ext>
+    </p:extLst>
+  </p:cSld>
+  <p:clrMapOvr>
+    <a:masterClrMapping/>
+  </p:clrMapOvr>
+</p:notes>
+</file>
+
+<file path=ppt/notesSlides/notesSlide24.xml><?xml version="1.0" encoding="utf-8"?>
+<p:notes xmlns:a="http://schemas.openxmlformats.org/drawingml/2006/main" xmlns:r="http://schemas.openxmlformats.org/officeDocument/2006/relationships" xmlns:p="http://schemas.openxmlformats.org/presentationml/2006/main">
+  <p:cSld>
+    <p:spTree>
+      <p:nvGrpSpPr>
+        <p:cNvPr id="1" name=""/>
+        <p:cNvGrpSpPr/>
+        <p:nvPr/>
+      </p:nvGrpSpPr>
+      <p:grpSpPr>
+        <a:xfrm>
+          <a:off x="0" y="0"/>
+          <a:ext cx="0" cy="0"/>
+          <a:chOff x="0" y="0"/>
+          <a:chExt cx="0" cy="0"/>
+        </a:xfrm>
+      </p:grpSpPr>
+      <p:sp>
+        <p:nvSpPr>
+          <p:cNvPr id="25602" name="Rectangle 7"/>
+          <p:cNvSpPr>
+            <a:spLocks noGrp="1" noChangeArrowheads="1"/>
+          </p:cNvSpPr>
+          <p:nvPr>
+            <p:ph type="sldNum" sz="quarter" idx="5"/>
+          </p:nvPr>
+        </p:nvSpPr>
+        <p:spPr>
+          <a:noFill/>
+        </p:spPr>
+        <p:txBody>
+          <a:bodyPr/>
+          <a:lstStyle/>
+          <a:p>
+            <a:fld id="{AAE8AFE3-17D1-45EA-BE56-0864919F65F7}" type="slidenum">
+              <a:rPr lang="en-GB"/>
+              <a:pPr/>
+              <a:t>34</a:t>
+            </a:fld>
+            <a:endParaRPr lang="en-GB"/>
+          </a:p>
+        </p:txBody>
+      </p:sp>
+      <p:sp>
+        <p:nvSpPr>
+          <p:cNvPr id="25603" name="Rectangle 2"/>
+          <p:cNvSpPr>
+            <a:spLocks noGrp="1" noRot="1" noChangeAspect="1" noChangeArrowheads="1" noTextEdit="1"/>
+          </p:cNvSpPr>
+          <p:nvPr>
+            <p:ph type="sldImg"/>
+          </p:nvPr>
+        </p:nvSpPr>
+        <p:spPr>
+          <a:ln/>
+        </p:spPr>
+      </p:sp>
+      <p:sp>
+        <p:nvSpPr>
+          <p:cNvPr id="25604" name="Rectangle 3"/>
+          <p:cNvSpPr>
+            <a:spLocks noGrp="1" noChangeArrowheads="1"/>
+          </p:cNvSpPr>
+          <p:nvPr>
+            <p:ph type="body" idx="1"/>
+          </p:nvPr>
+        </p:nvSpPr>
+        <p:spPr>
+          <a:noFill/>
+          <a:ln/>
+        </p:spPr>
+        <p:txBody>
+          <a:bodyPr/>
+          <a:lstStyle/>
+          <a:p>
+            <a:pPr eaLnBrk="1" hangingPunct="1"/>
+            <a:endParaRPr lang="en-US"/>
+          </a:p>
+        </p:txBody>
+      </p:sp>
+    </p:spTree>
+    <p:extLst>
+      <p:ext uri="{BB962C8B-B14F-4D97-AF65-F5344CB8AC3E}">
+        <p14:creationId xmlns:p14="http://schemas.microsoft.com/office/powerpoint/2010/main" val="613350399"/>
+      </p:ext>
+    </p:extLst>
+  </p:cSld>
+  <p:clrMapOvr>
+    <a:masterClrMapping/>
+  </p:clrMapOvr>
+</p:notes>
+</file>
+
+<file path=ppt/notesSlides/notesSlide25.xml><?xml version="1.0" encoding="utf-8"?>
+<p:notes xmlns:a="http://schemas.openxmlformats.org/drawingml/2006/main" xmlns:r="http://schemas.openxmlformats.org/officeDocument/2006/relationships" xmlns:p="http://schemas.openxmlformats.org/presentationml/2006/main">
+  <p:cSld>
+    <p:spTree>
+      <p:nvGrpSpPr>
+        <p:cNvPr id="1" name=""/>
+        <p:cNvGrpSpPr/>
+        <p:nvPr/>
+      </p:nvGrpSpPr>
+      <p:grpSpPr>
+        <a:xfrm>
+          <a:off x="0" y="0"/>
+          <a:ext cx="0" cy="0"/>
+          <a:chOff x="0" y="0"/>
+          <a:chExt cx="0" cy="0"/>
+        </a:xfrm>
+      </p:grpSpPr>
+      <p:sp>
+        <p:nvSpPr>
+          <p:cNvPr id="31746" name="Rectangle 7"/>
+          <p:cNvSpPr>
+            <a:spLocks noGrp="1" noChangeArrowheads="1"/>
+          </p:cNvSpPr>
+          <p:nvPr>
+            <p:ph type="sldNum" sz="quarter" idx="5"/>
+          </p:nvPr>
+        </p:nvSpPr>
+        <p:spPr>
+          <a:noFill/>
+        </p:spPr>
+        <p:txBody>
+          <a:bodyPr/>
+          <a:lstStyle/>
+          <a:p>
+            <a:fld id="{6887CDCE-5188-4824-BF84-115D2A12DEFF}" type="slidenum">
+              <a:rPr lang="en-GB"/>
+              <a:pPr/>
+              <a:t>36</a:t>
+            </a:fld>
+            <a:endParaRPr lang="en-GB"/>
+          </a:p>
+        </p:txBody>
+      </p:sp>
+      <p:sp>
+        <p:nvSpPr>
+          <p:cNvPr id="31747" name="Rectangle 2"/>
+          <p:cNvSpPr>
+            <a:spLocks noGrp="1" noRot="1" noChangeAspect="1" noChangeArrowheads="1" noTextEdit="1"/>
+          </p:cNvSpPr>
+          <p:nvPr>
+            <p:ph type="sldImg"/>
+          </p:nvPr>
+        </p:nvSpPr>
+        <p:spPr>
+          <a:xfrm>
+            <a:off x="931863" y="741363"/>
+            <a:ext cx="4935537" cy="3702050"/>
+          </a:xfrm>
+          <a:ln/>
+        </p:spPr>
+      </p:sp>
+      <p:sp>
+        <p:nvSpPr>
+          <p:cNvPr id="31748" name="Rectangle 3"/>
+          <p:cNvSpPr>
+            <a:spLocks noGrp="1" noChangeArrowheads="1"/>
+          </p:cNvSpPr>
+          <p:nvPr>
+            <p:ph type="body" idx="1"/>
+          </p:nvPr>
+        </p:nvSpPr>
+        <p:spPr>
+          <a:xfrm>
+            <a:off x="679450" y="4691063"/>
+            <a:ext cx="5438775" cy="4443412"/>
+          </a:xfrm>
+          <a:noFill/>
+          <a:ln/>
+        </p:spPr>
+        <p:txBody>
+          <a:bodyPr/>
+          <a:lstStyle/>
+          <a:p>
+            <a:pPr eaLnBrk="1" hangingPunct="1"/>
+            <a:endParaRPr lang="en-US"/>
+          </a:p>
+        </p:txBody>
+      </p:sp>
+    </p:spTree>
+    <p:extLst>
+      <p:ext uri="{BB962C8B-B14F-4D97-AF65-F5344CB8AC3E}">
+        <p14:creationId xmlns:p14="http://schemas.microsoft.com/office/powerpoint/2010/main" val="3067444116"/>
+      </p:ext>
+    </p:extLst>
+  </p:cSld>
+  <p:clrMapOvr>
+    <a:masterClrMapping/>
+  </p:clrMapOvr>
+</p:notes>
+</file>
+
+<file path=ppt/notesSlides/notesSlide26.xml><?xml version="1.0" encoding="utf-8"?>
+<p:notes xmlns:a="http://schemas.openxmlformats.org/drawingml/2006/main" xmlns:r="http://schemas.openxmlformats.org/officeDocument/2006/relationships" xmlns:p="http://schemas.openxmlformats.org/presentationml/2006/main">
+  <p:cSld>
+    <p:spTree>
+      <p:nvGrpSpPr>
+        <p:cNvPr id="1" name=""/>
+        <p:cNvGrpSpPr/>
+        <p:nvPr/>
+      </p:nvGrpSpPr>
+      <p:grpSpPr>
+        <a:xfrm>
+          <a:off x="0" y="0"/>
+          <a:ext cx="0" cy="0"/>
+          <a:chOff x="0" y="0"/>
+          <a:chExt cx="0" cy="0"/>
+        </a:xfrm>
+      </p:grpSpPr>
+      <p:sp>
+        <p:nvSpPr>
+          <p:cNvPr id="31746" name="Rectangle 7"/>
+          <p:cNvSpPr>
+            <a:spLocks noGrp="1" noChangeArrowheads="1"/>
+          </p:cNvSpPr>
+          <p:nvPr>
+            <p:ph type="sldNum" sz="quarter" idx="5"/>
+          </p:nvPr>
+        </p:nvSpPr>
+        <p:spPr>
+          <a:noFill/>
+        </p:spPr>
+        <p:txBody>
+          <a:bodyPr/>
+          <a:lstStyle/>
+          <a:p>
+            <a:fld id="{6887CDCE-5188-4824-BF84-115D2A12DEFF}" type="slidenum">
+              <a:rPr lang="en-GB"/>
+              <a:pPr/>
+              <a:t>38</a:t>
+            </a:fld>
+            <a:endParaRPr lang="en-GB"/>
+          </a:p>
+        </p:txBody>
+      </p:sp>
+      <p:sp>
+        <p:nvSpPr>
+          <p:cNvPr id="31747" name="Rectangle 2"/>
+          <p:cNvSpPr>
+            <a:spLocks noGrp="1" noRot="1" noChangeAspect="1" noChangeArrowheads="1" noTextEdit="1"/>
+          </p:cNvSpPr>
+          <p:nvPr>
+            <p:ph type="sldImg"/>
+          </p:nvPr>
+        </p:nvSpPr>
+        <p:spPr>
+          <a:xfrm>
+            <a:off x="931863" y="741363"/>
+            <a:ext cx="4935537" cy="3702050"/>
+          </a:xfrm>
+          <a:ln/>
+        </p:spPr>
+      </p:sp>
+      <p:sp>
+        <p:nvSpPr>
+          <p:cNvPr id="31748" name="Rectangle 3"/>
+          <p:cNvSpPr>
+            <a:spLocks noGrp="1" noChangeArrowheads="1"/>
+          </p:cNvSpPr>
+          <p:nvPr>
+            <p:ph type="body" idx="1"/>
+          </p:nvPr>
+        </p:nvSpPr>
+        <p:spPr>
+          <a:xfrm>
+            <a:off x="679450" y="4691063"/>
+            <a:ext cx="5438775" cy="4443412"/>
+          </a:xfrm>
+          <a:noFill/>
+          <a:ln/>
+        </p:spPr>
+        <p:txBody>
+          <a:bodyPr/>
+          <a:lstStyle/>
+          <a:p>
+            <a:pPr eaLnBrk="1" hangingPunct="1"/>
+            <a:endParaRPr lang="en-US"/>
+          </a:p>
+        </p:txBody>
+      </p:sp>
+    </p:spTree>
+    <p:extLst>
+      <p:ext uri="{BB962C8B-B14F-4D97-AF65-F5344CB8AC3E}">
+        <p14:creationId xmlns:p14="http://schemas.microsoft.com/office/powerpoint/2010/main" val="1365955560"/>
+      </p:ext>
+    </p:extLst>
+  </p:cSld>
+  <p:clrMapOvr>
+    <a:masterClrMapping/>
+  </p:clrMapOvr>
+</p:notes>
+</file>
+
+<file path=ppt/notesSlides/notesSlide27.xml><?xml version="1.0" encoding="utf-8"?>
+<p:notes xmlns:a="http://schemas.openxmlformats.org/drawingml/2006/main" xmlns:r="http://schemas.openxmlformats.org/officeDocument/2006/relationships" xmlns:p="http://schemas.openxmlformats.org/presentationml/2006/main">
+  <p:cSld>
+    <p:spTree>
+      <p:nvGrpSpPr>
+        <p:cNvPr id="1" name=""/>
+        <p:cNvGrpSpPr/>
+        <p:nvPr/>
+      </p:nvGrpSpPr>
+      <p:grpSpPr>
+        <a:xfrm>
+          <a:off x="0" y="0"/>
+          <a:ext cx="0" cy="0"/>
+          <a:chOff x="0" y="0"/>
+          <a:chExt cx="0" cy="0"/>
+        </a:xfrm>
+      </p:grpSpPr>
+      <p:sp>
+        <p:nvSpPr>
+          <p:cNvPr id="32770" name="Rectangle 7"/>
+          <p:cNvSpPr>
+            <a:spLocks noGrp="1" noChangeArrowheads="1"/>
+          </p:cNvSpPr>
+          <p:nvPr>
+            <p:ph type="sldNum" sz="quarter" idx="5"/>
+          </p:nvPr>
+        </p:nvSpPr>
+        <p:spPr>
+          <a:noFill/>
+        </p:spPr>
+        <p:txBody>
+          <a:bodyPr/>
+          <a:lstStyle/>
+          <a:p>
+            <a:fld id="{45B667DC-6F9A-49B3-A8A3-1AF3CCE0D4AA}" type="slidenum">
+              <a:rPr lang="en-GB"/>
+              <a:pPr/>
+              <a:t>39</a:t>
+            </a:fld>
+            <a:endParaRPr lang="en-GB"/>
+          </a:p>
+        </p:txBody>
+      </p:sp>
+      <p:sp>
+        <p:nvSpPr>
+          <p:cNvPr id="32771" name="Rectangle 2"/>
+          <p:cNvSpPr>
+            <a:spLocks noGrp="1" noRot="1" noChangeAspect="1" noChangeArrowheads="1" noTextEdit="1"/>
+          </p:cNvSpPr>
+          <p:nvPr>
+            <p:ph type="sldImg"/>
+          </p:nvPr>
+        </p:nvSpPr>
+        <p:spPr>
+          <a:xfrm>
+            <a:off x="931863" y="741363"/>
+            <a:ext cx="4935537" cy="3702050"/>
+          </a:xfrm>
+          <a:ln/>
+        </p:spPr>
+      </p:sp>
+      <p:sp>
+        <p:nvSpPr>
+          <p:cNvPr id="32772" name="Rectangle 3"/>
+          <p:cNvSpPr>
+            <a:spLocks noGrp="1" noChangeArrowheads="1"/>
+          </p:cNvSpPr>
+          <p:nvPr>
+            <p:ph type="body" idx="1"/>
+          </p:nvPr>
+        </p:nvSpPr>
+        <p:spPr>
+          <a:xfrm>
+            <a:off x="906463" y="4691063"/>
+            <a:ext cx="4984750" cy="4443412"/>
+          </a:xfrm>
+          <a:noFill/>
+          <a:ln/>
+        </p:spPr>
+        <p:txBody>
+          <a:bodyPr/>
+          <a:lstStyle/>
+          <a:p>
+            <a:pPr eaLnBrk="1" hangingPunct="1"/>
+            <a:endParaRPr lang="en-US"/>
+          </a:p>
+        </p:txBody>
+      </p:sp>
+    </p:spTree>
+    <p:extLst>
+      <p:ext uri="{BB962C8B-B14F-4D97-AF65-F5344CB8AC3E}">
+        <p14:creationId xmlns:p14="http://schemas.microsoft.com/office/powerpoint/2010/main" val="875366529"/>
+      </p:ext>
+    </p:extLst>
+  </p:cSld>
+  <p:clrMapOvr>
+    <a:masterClrMapping/>
+  </p:clrMapOvr>
+</p:notes>
+</file>
+
+<file path=ppt/notesSlides/notesSlide28.xml><?xml version="1.0" encoding="utf-8"?>
+<p:notes xmlns:a="http://schemas.openxmlformats.org/drawingml/2006/main" xmlns:r="http://schemas.openxmlformats.org/officeDocument/2006/relationships" xmlns:p="http://schemas.openxmlformats.org/presentationml/2006/main">
+  <p:cSld>
+    <p:spTree>
+      <p:nvGrpSpPr>
+        <p:cNvPr id="1" name=""/>
+        <p:cNvGrpSpPr/>
+        <p:nvPr/>
+      </p:nvGrpSpPr>
+      <p:grpSpPr>
+        <a:xfrm>
+          <a:off x="0" y="0"/>
+          <a:ext cx="0" cy="0"/>
+          <a:chOff x="0" y="0"/>
+          <a:chExt cx="0" cy="0"/>
+        </a:xfrm>
+      </p:grpSpPr>
+      <p:sp>
+        <p:nvSpPr>
+          <p:cNvPr id="7" name="Rectangle 7"/>
+          <p:cNvSpPr>
+            <a:spLocks noGrp="1" noChangeArrowheads="1"/>
+          </p:cNvSpPr>
+          <p:nvPr>
+            <p:ph type="sldNum" sz="quarter" idx="5"/>
+          </p:nvPr>
+        </p:nvSpPr>
+        <p:spPr>
+          <a:ln/>
+        </p:spPr>
+        <p:txBody>
+          <a:bodyPr/>
+          <a:lstStyle/>
+          <a:p>
+            <a:fld id="{3A1B6AF7-0A4B-4B5B-B782-5FA346F33AD4}" type="slidenum">
+              <a:rPr lang="en-GB"/>
+              <a:pPr/>
+              <a:t>43</a:t>
+            </a:fld>
+            <a:endParaRPr lang="en-GB"/>
+          </a:p>
+        </p:txBody>
+      </p:sp>
+      <p:sp>
+        <p:nvSpPr>
+          <p:cNvPr id="1017858" name="Rectangle 2"/>
+          <p:cNvSpPr>
+            <a:spLocks noGrp="1" noRot="1" noChangeAspect="1" noChangeArrowheads="1" noTextEdit="1"/>
+          </p:cNvSpPr>
+          <p:nvPr>
+            <p:ph type="sldImg"/>
+          </p:nvPr>
+        </p:nvSpPr>
+        <p:spPr>
+          <a:ln/>
+        </p:spPr>
+      </p:sp>
+      <p:sp>
+        <p:nvSpPr>
+          <p:cNvPr id="1017859" name="Rectangle 3"/>
+          <p:cNvSpPr>
+            <a:spLocks noGrp="1" noChangeArrowheads="1"/>
+          </p:cNvSpPr>
+          <p:nvPr>
+            <p:ph type="body" idx="1"/>
+          </p:nvPr>
+        </p:nvSpPr>
+        <p:spPr/>
+        <p:txBody>
+          <a:bodyPr/>
+          <a:lstStyle/>
+          <a:p>
+            <a:endParaRPr lang="en-GB"/>
+          </a:p>
+        </p:txBody>
+      </p:sp>
+    </p:spTree>
+  </p:cSld>
+  <p:clrMapOvr>
+    <a:masterClrMapping/>
+  </p:clrMapOvr>
+</p:notes>
+</file>
+
+<file path=ppt/notesSlides/notesSlide29.xml><?xml version="1.0" encoding="utf-8"?>
+<p:notes xmlns:a="http://schemas.openxmlformats.org/drawingml/2006/main" xmlns:r="http://schemas.openxmlformats.org/officeDocument/2006/relationships" xmlns:p="http://schemas.openxmlformats.org/presentationml/2006/main">
+  <p:cSld>
+    <p:spTree>
+      <p:nvGrpSpPr>
+        <p:cNvPr id="1" name=""/>
+        <p:cNvGrpSpPr/>
+        <p:nvPr/>
+      </p:nvGrpSpPr>
+      <p:grpSpPr>
+        <a:xfrm>
+          <a:off x="0" y="0"/>
+          <a:ext cx="0" cy="0"/>
+          <a:chOff x="0" y="0"/>
+          <a:chExt cx="0" cy="0"/>
+        </a:xfrm>
+      </p:grpSpPr>
+      <p:sp>
+        <p:nvSpPr>
+          <p:cNvPr id="7" name="Rectangle 7"/>
+          <p:cNvSpPr>
+            <a:spLocks noGrp="1" noChangeArrowheads="1"/>
+          </p:cNvSpPr>
+          <p:nvPr>
+            <p:ph type="sldNum" sz="quarter" idx="5"/>
+          </p:nvPr>
+        </p:nvSpPr>
+        <p:spPr>
+          <a:ln/>
+        </p:spPr>
+        <p:txBody>
+          <a:bodyPr/>
+          <a:lstStyle/>
+          <a:p>
+            <a:fld id="{3A1B6AF7-0A4B-4B5B-B782-5FA346F33AD4}" type="slidenum">
+              <a:rPr lang="en-GB"/>
+              <a:pPr/>
+              <a:t>45</a:t>
+            </a:fld>
+            <a:endParaRPr lang="en-GB"/>
+          </a:p>
+        </p:txBody>
+      </p:sp>
+      <p:sp>
+        <p:nvSpPr>
+          <p:cNvPr id="1017858" name="Rectangle 2"/>
+          <p:cNvSpPr>
+            <a:spLocks noGrp="1" noRot="1" noChangeAspect="1" noChangeArrowheads="1" noTextEdit="1"/>
+          </p:cNvSpPr>
+          <p:nvPr>
+            <p:ph type="sldImg"/>
+          </p:nvPr>
+        </p:nvSpPr>
+        <p:spPr>
+          <a:ln/>
+        </p:spPr>
+      </p:sp>
+      <p:sp>
+        <p:nvSpPr>
+          <p:cNvPr id="1017859" name="Rectangle 3"/>
+          <p:cNvSpPr>
+            <a:spLocks noGrp="1" noChangeArrowheads="1"/>
+          </p:cNvSpPr>
+          <p:nvPr>
+            <p:ph type="body" idx="1"/>
+          </p:nvPr>
+        </p:nvSpPr>
+        <p:spPr/>
+        <p:txBody>
+          <a:bodyPr/>
+          <a:lstStyle/>
+          <a:p>
+            <a:endParaRPr lang="en-GB"/>
+          </a:p>
+        </p:txBody>
+      </p:sp>
+    </p:spTree>
+    <p:extLst>
+      <p:ext uri="{BB962C8B-B14F-4D97-AF65-F5344CB8AC3E}">
+        <p14:creationId xmlns:p14="http://schemas.microsoft.com/office/powerpoint/2010/main" val="1141548660"/>
+      </p:ext>
+    </p:extLst>
+  </p:cSld>
+  <p:clrMapOvr>
+    <a:masterClrMapping/>
+  </p:clrMapOvr>
+</p:notes>
+</file>
+
 <file path=ppt/notesSlides/notesSlide3.xml><?xml version="1.0" encoding="utf-8"?>
 <p:notes xmlns:a="http://schemas.openxmlformats.org/drawingml/2006/main" xmlns:r="http://schemas.openxmlformats.org/officeDocument/2006/relationships" xmlns:p="http://schemas.openxmlformats.org/presentationml/2006/main">
   <p:cSld>
@@ -1638,7 +2997,7 @@
       </p:grpSpPr>
       <p:sp>
         <p:nvSpPr>
-          <p:cNvPr id="26626" name="Rectangle 7"/>
+          <p:cNvPr id="25602" name="Rectangle 7"/>
           <p:cNvSpPr>
             <a:spLocks noGrp="1" noChangeArrowheads="1"/>
           </p:cNvSpPr>
@@ -1653,7 +3012,7 @@
           <a:bodyPr/>
           <a:lstStyle/>
           <a:p>
-            <a:fld id="{52561DB0-5C88-42E3-998A-FA5243CF49EB}" type="slidenum">
+            <a:fld id="{AAE8AFE3-17D1-45EA-BE56-0864919F65F7}" type="slidenum">
               <a:rPr lang="en-GB"/>
               <a:pPr/>
               <a:t>3</a:t>
@@ -1664,7 +3023,7 @@
       </p:sp>
       <p:sp>
         <p:nvSpPr>
-          <p:cNvPr id="26627" name="Rectangle 2"/>
+          <p:cNvPr id="25603" name="Rectangle 2"/>
           <p:cNvSpPr>
             <a:spLocks noGrp="1" noRot="1" noChangeAspect="1" noChangeArrowheads="1" noTextEdit="1"/>
           </p:cNvSpPr>
@@ -1673,16 +3032,12 @@
           </p:nvPr>
         </p:nvSpPr>
         <p:spPr>
-          <a:xfrm>
-            <a:off x="931863" y="741363"/>
-            <a:ext cx="4935537" cy="3702050"/>
-          </a:xfrm>
           <a:ln/>
         </p:spPr>
       </p:sp>
       <p:sp>
         <p:nvSpPr>
-          <p:cNvPr id="26628" name="Rectangle 3"/>
+          <p:cNvPr id="25604" name="Rectangle 3"/>
           <p:cNvSpPr>
             <a:spLocks noGrp="1" noChangeArrowheads="1"/>
           </p:cNvSpPr>
@@ -1691,10 +3046,6 @@
           </p:nvPr>
         </p:nvSpPr>
         <p:spPr>
-          <a:xfrm>
-            <a:off x="906463" y="4691063"/>
-            <a:ext cx="4984750" cy="4443412"/>
-          </a:xfrm>
           <a:noFill/>
           <a:ln/>
         </p:spPr>
@@ -1710,7 +3061,7 @@
     </p:spTree>
     <p:extLst>
       <p:ext uri="{BB962C8B-B14F-4D97-AF65-F5344CB8AC3E}">
-        <p14:creationId xmlns:p14="http://schemas.microsoft.com/office/powerpoint/2010/main" val="2664910184"/>
+        <p14:creationId xmlns:p14="http://schemas.microsoft.com/office/powerpoint/2010/main" val="4288289653"/>
       </p:ext>
     </p:extLst>
   </p:cSld>
@@ -1739,7 +3090,7 @@
       </p:grpSpPr>
       <p:sp>
         <p:nvSpPr>
-          <p:cNvPr id="32770" name="Rectangle 7"/>
+          <p:cNvPr id="26626" name="Rectangle 7"/>
           <p:cNvSpPr>
             <a:spLocks noGrp="1" noChangeArrowheads="1"/>
           </p:cNvSpPr>
@@ -1754,10 +3105,10 @@
           <a:bodyPr/>
           <a:lstStyle/>
           <a:p>
-            <a:fld id="{45B667DC-6F9A-49B3-A8A3-1AF3CCE0D4AA}" type="slidenum">
+            <a:fld id="{52561DB0-5C88-42E3-998A-FA5243CF49EB}" type="slidenum">
               <a:rPr lang="en-GB"/>
               <a:pPr/>
-              <a:t>5</a:t>
+              <a:t>4</a:t>
             </a:fld>
             <a:endParaRPr lang="en-GB"/>
           </a:p>
@@ -1765,7 +3116,7 @@
       </p:sp>
       <p:sp>
         <p:nvSpPr>
-          <p:cNvPr id="32771" name="Rectangle 2"/>
+          <p:cNvPr id="26627" name="Rectangle 2"/>
           <p:cNvSpPr>
             <a:spLocks noGrp="1" noRot="1" noChangeAspect="1" noChangeArrowheads="1" noTextEdit="1"/>
           </p:cNvSpPr>
@@ -1783,7 +3134,7 @@
       </p:sp>
       <p:sp>
         <p:nvSpPr>
-          <p:cNvPr id="32772" name="Rectangle 3"/>
+          <p:cNvPr id="26628" name="Rectangle 3"/>
           <p:cNvSpPr>
             <a:spLocks noGrp="1" noChangeArrowheads="1"/>
           </p:cNvSpPr>
@@ -1811,7 +3162,7 @@
     </p:spTree>
     <p:extLst>
       <p:ext uri="{BB962C8B-B14F-4D97-AF65-F5344CB8AC3E}">
-        <p14:creationId xmlns:p14="http://schemas.microsoft.com/office/powerpoint/2010/main" val="1377595182"/>
+        <p14:creationId xmlns:p14="http://schemas.microsoft.com/office/powerpoint/2010/main" val="2664910184"/>
       </p:ext>
     </p:extLst>
   </p:cSld>
@@ -1840,7 +3191,7 @@
       </p:grpSpPr>
       <p:sp>
         <p:nvSpPr>
-          <p:cNvPr id="28674" name="Rectangle 7"/>
+          <p:cNvPr id="32770" name="Rectangle 7"/>
           <p:cNvSpPr>
             <a:spLocks noGrp="1" noChangeArrowheads="1"/>
           </p:cNvSpPr>
@@ -1855,7 +3206,7 @@
           <a:bodyPr/>
           <a:lstStyle/>
           <a:p>
-            <a:fld id="{E98F0E50-C048-4EFA-B7B2-B8E0E068DC02}" type="slidenum">
+            <a:fld id="{45B667DC-6F9A-49B3-A8A3-1AF3CCE0D4AA}" type="slidenum">
               <a:rPr lang="en-GB"/>
               <a:pPr/>
               <a:t>6</a:t>
@@ -1866,7 +3217,7 @@
       </p:sp>
       <p:sp>
         <p:nvSpPr>
-          <p:cNvPr id="28675" name="Rectangle 2"/>
+          <p:cNvPr id="32771" name="Rectangle 2"/>
           <p:cNvSpPr>
             <a:spLocks noGrp="1" noRot="1" noChangeAspect="1" noChangeArrowheads="1" noTextEdit="1"/>
           </p:cNvSpPr>
@@ -1875,12 +3226,16 @@
           </p:nvPr>
         </p:nvSpPr>
         <p:spPr>
+          <a:xfrm>
+            <a:off x="931863" y="741363"/>
+            <a:ext cx="4935537" cy="3702050"/>
+          </a:xfrm>
           <a:ln/>
         </p:spPr>
       </p:sp>
       <p:sp>
         <p:nvSpPr>
-          <p:cNvPr id="28676" name="Rectangle 3"/>
+          <p:cNvPr id="32772" name="Rectangle 3"/>
           <p:cNvSpPr>
             <a:spLocks noGrp="1" noChangeArrowheads="1"/>
           </p:cNvSpPr>
@@ -1889,6 +3244,10 @@
           </p:nvPr>
         </p:nvSpPr>
         <p:spPr>
+          <a:xfrm>
+            <a:off x="906463" y="4691063"/>
+            <a:ext cx="4984750" cy="4443412"/>
+          </a:xfrm>
           <a:noFill/>
           <a:ln/>
         </p:spPr>
@@ -1904,7 +3263,7 @@
     </p:spTree>
     <p:extLst>
       <p:ext uri="{BB962C8B-B14F-4D97-AF65-F5344CB8AC3E}">
-        <p14:creationId xmlns:p14="http://schemas.microsoft.com/office/powerpoint/2010/main" val="4177179011"/>
+        <p14:creationId xmlns:p14="http://schemas.microsoft.com/office/powerpoint/2010/main" val="1377595182"/>
       </p:ext>
     </p:extLst>
   </p:cSld>
@@ -1933,7 +3292,7 @@
       </p:grpSpPr>
       <p:sp>
         <p:nvSpPr>
-          <p:cNvPr id="29698" name="Rectangle 7"/>
+          <p:cNvPr id="28674" name="Rectangle 7"/>
           <p:cNvSpPr>
             <a:spLocks noGrp="1" noChangeArrowheads="1"/>
           </p:cNvSpPr>
@@ -1948,7 +3307,7 @@
           <a:bodyPr/>
           <a:lstStyle/>
           <a:p>
-            <a:fld id="{2E567CE3-38ED-43C8-9593-144A0916D262}" type="slidenum">
+            <a:fld id="{E98F0E50-C048-4EFA-B7B2-B8E0E068DC02}" type="slidenum">
               <a:rPr lang="en-GB"/>
               <a:pPr/>
               <a:t>7</a:t>
@@ -1959,7 +3318,7 @@
       </p:sp>
       <p:sp>
         <p:nvSpPr>
-          <p:cNvPr id="29699" name="Rectangle 2"/>
+          <p:cNvPr id="28675" name="Rectangle 2"/>
           <p:cNvSpPr>
             <a:spLocks noGrp="1" noRot="1" noChangeAspect="1" noChangeArrowheads="1" noTextEdit="1"/>
           </p:cNvSpPr>
@@ -1973,7 +3332,7 @@
       </p:sp>
       <p:sp>
         <p:nvSpPr>
-          <p:cNvPr id="29700" name="Rectangle 3"/>
+          <p:cNvPr id="28676" name="Rectangle 3"/>
           <p:cNvSpPr>
             <a:spLocks noGrp="1" noChangeArrowheads="1"/>
           </p:cNvSpPr>
@@ -1997,7 +3356,7 @@
     </p:spTree>
     <p:extLst>
       <p:ext uri="{BB962C8B-B14F-4D97-AF65-F5344CB8AC3E}">
-        <p14:creationId xmlns:p14="http://schemas.microsoft.com/office/powerpoint/2010/main" val="2562213968"/>
+        <p14:creationId xmlns:p14="http://schemas.microsoft.com/office/powerpoint/2010/main" val="4177179011"/>
       </p:ext>
     </p:extLst>
   </p:cSld>
@@ -2044,7 +3403,7 @@
             <a:fld id="{2E567CE3-38ED-43C8-9593-144A0916D262}" type="slidenum">
               <a:rPr lang="en-GB"/>
               <a:pPr/>
-              <a:t>10</a:t>
+              <a:t>8</a:t>
             </a:fld>
             <a:endParaRPr lang="en-GB"/>
           </a:p>
@@ -2090,7 +3449,7 @@
     </p:spTree>
     <p:extLst>
       <p:ext uri="{BB962C8B-B14F-4D97-AF65-F5344CB8AC3E}">
-        <p14:creationId xmlns:p14="http://schemas.microsoft.com/office/powerpoint/2010/main" val="803931429"/>
+        <p14:creationId xmlns:p14="http://schemas.microsoft.com/office/powerpoint/2010/main" val="2562213968"/>
       </p:ext>
     </p:extLst>
   </p:cSld>
@@ -2119,7 +3478,7 @@
       </p:grpSpPr>
       <p:sp>
         <p:nvSpPr>
-          <p:cNvPr id="32770" name="Rectangle 7"/>
+          <p:cNvPr id="25602" name="Rectangle 7"/>
           <p:cNvSpPr>
             <a:spLocks noGrp="1" noChangeArrowheads="1"/>
           </p:cNvSpPr>
@@ -2134,10 +3493,10 @@
           <a:bodyPr/>
           <a:lstStyle/>
           <a:p>
-            <a:fld id="{45B667DC-6F9A-49B3-A8A3-1AF3CCE0D4AA}" type="slidenum">
+            <a:fld id="{AAE8AFE3-17D1-45EA-BE56-0864919F65F7}" type="slidenum">
               <a:rPr lang="en-GB"/>
               <a:pPr/>
-              <a:t>13</a:t>
+              <a:t>11</a:t>
             </a:fld>
             <a:endParaRPr lang="en-GB"/>
           </a:p>
@@ -2145,7 +3504,7 @@
       </p:sp>
       <p:sp>
         <p:nvSpPr>
-          <p:cNvPr id="32771" name="Rectangle 2"/>
+          <p:cNvPr id="25603" name="Rectangle 2"/>
           <p:cNvSpPr>
             <a:spLocks noGrp="1" noRot="1" noChangeAspect="1" noChangeArrowheads="1" noTextEdit="1"/>
           </p:cNvSpPr>
@@ -2154,16 +3513,12 @@
           </p:nvPr>
         </p:nvSpPr>
         <p:spPr>
-          <a:xfrm>
-            <a:off x="931863" y="741363"/>
-            <a:ext cx="4935537" cy="3702050"/>
-          </a:xfrm>
           <a:ln/>
         </p:spPr>
       </p:sp>
       <p:sp>
         <p:nvSpPr>
-          <p:cNvPr id="32772" name="Rectangle 3"/>
+          <p:cNvPr id="25604" name="Rectangle 3"/>
           <p:cNvSpPr>
             <a:spLocks noGrp="1" noChangeArrowheads="1"/>
           </p:cNvSpPr>
@@ -2172,10 +3527,6 @@
           </p:nvPr>
         </p:nvSpPr>
         <p:spPr>
-          <a:xfrm>
-            <a:off x="906463" y="4691063"/>
-            <a:ext cx="4984750" cy="4443412"/>
-          </a:xfrm>
           <a:noFill/>
           <a:ln/>
         </p:spPr>
@@ -2191,7 +3542,7 @@
     </p:spTree>
     <p:extLst>
       <p:ext uri="{BB962C8B-B14F-4D97-AF65-F5344CB8AC3E}">
-        <p14:creationId xmlns:p14="http://schemas.microsoft.com/office/powerpoint/2010/main" val="1640412788"/>
+        <p14:creationId xmlns:p14="http://schemas.microsoft.com/office/powerpoint/2010/main" val="1800991183"/>
       </p:ext>
     </p:extLst>
   </p:cSld>
@@ -2220,7 +3571,7 @@
       </p:grpSpPr>
       <p:sp>
         <p:nvSpPr>
-          <p:cNvPr id="32770" name="Rectangle 7"/>
+          <p:cNvPr id="29698" name="Rectangle 7"/>
           <p:cNvSpPr>
             <a:spLocks noGrp="1" noChangeArrowheads="1"/>
           </p:cNvSpPr>
@@ -2235,10 +3586,10 @@
           <a:bodyPr/>
           <a:lstStyle/>
           <a:p>
-            <a:fld id="{45B667DC-6F9A-49B3-A8A3-1AF3CCE0D4AA}" type="slidenum">
+            <a:fld id="{2E567CE3-38ED-43C8-9593-144A0916D262}" type="slidenum">
               <a:rPr lang="en-GB"/>
               <a:pPr/>
-              <a:t>15</a:t>
+              <a:t>12</a:t>
             </a:fld>
             <a:endParaRPr lang="en-GB"/>
           </a:p>
@@ -2246,7 +3597,7 @@
       </p:sp>
       <p:sp>
         <p:nvSpPr>
-          <p:cNvPr id="32771" name="Rectangle 2"/>
+          <p:cNvPr id="29699" name="Rectangle 2"/>
           <p:cNvSpPr>
             <a:spLocks noGrp="1" noRot="1" noChangeAspect="1" noChangeArrowheads="1" noTextEdit="1"/>
           </p:cNvSpPr>
@@ -2255,16 +3606,12 @@
           </p:nvPr>
         </p:nvSpPr>
         <p:spPr>
-          <a:xfrm>
-            <a:off x="931863" y="741363"/>
-            <a:ext cx="4935537" cy="3702050"/>
-          </a:xfrm>
           <a:ln/>
         </p:spPr>
       </p:sp>
       <p:sp>
         <p:nvSpPr>
-          <p:cNvPr id="32772" name="Rectangle 3"/>
+          <p:cNvPr id="29700" name="Rectangle 3"/>
           <p:cNvSpPr>
             <a:spLocks noGrp="1" noChangeArrowheads="1"/>
           </p:cNvSpPr>
@@ -2273,10 +3620,6 @@
           </p:nvPr>
         </p:nvSpPr>
         <p:spPr>
-          <a:xfrm>
-            <a:off x="906463" y="4691063"/>
-            <a:ext cx="4984750" cy="4443412"/>
-          </a:xfrm>
           <a:noFill/>
           <a:ln/>
         </p:spPr>
@@ -2292,7 +3635,7 @@
     </p:spTree>
     <p:extLst>
       <p:ext uri="{BB962C8B-B14F-4D97-AF65-F5344CB8AC3E}">
-        <p14:creationId xmlns:p14="http://schemas.microsoft.com/office/powerpoint/2010/main" val="1636925360"/>
+        <p14:creationId xmlns:p14="http://schemas.microsoft.com/office/powerpoint/2010/main" val="803931429"/>
       </p:ext>
     </p:extLst>
   </p:cSld>
@@ -5611,31 +6954,16 @@
           <a:lstStyle/>
           <a:p>
             <a:r>
-              <a:rPr lang="de-DE" sz="2800" dirty="0" smtClean="0">
-                <a:latin typeface="Candara" panose="020E0502030303020204" pitchFamily="34" charset="0"/>
-              </a:rPr>
-              <a:t>Superindicators</a:t>
-            </a:r>
-          </a:p>
-          <a:p>
-            <a:r>
-              <a:rPr lang="de-DE" sz="2800" dirty="0" smtClean="0">
+              <a:rPr lang="de-DE" sz="2800" dirty="0">
                 <a:latin typeface="Candara" panose="020E0502030303020204" pitchFamily="34" charset="0"/>
               </a:rPr>
               <a:t>Methods for estimating total welfare impact</a:t>
             </a:r>
           </a:p>
           <a:p>
-            <a:r>
-              <a:rPr lang="de-DE" sz="2800" dirty="0" smtClean="0">
-                <a:latin typeface="Candara" panose="020E0502030303020204" pitchFamily="34" charset="0"/>
-              </a:rPr>
-              <a:t>WTP v WTAC</a:t>
-            </a:r>
-          </a:p>
-          <a:p>
-            <a:r>
-              <a:rPr lang="de-DE" sz="2800" dirty="0" smtClean="0">
+            <a:pPr lvl="1"/>
+            <a:r>
+              <a:rPr lang="de-DE" sz="2400" dirty="0">
                 <a:latin typeface="Candara" panose="020E0502030303020204" pitchFamily="34" charset="0"/>
               </a:rPr>
               <a:t>Benefit transfer</a:t>
@@ -5643,7 +6971,7 @@
           </a:p>
           <a:p>
             <a:r>
-              <a:rPr lang="de-DE" sz="2800" dirty="0" smtClean="0">
+              <a:rPr lang="de-DE" sz="2800" dirty="0">
                 <a:latin typeface="Candara" panose="020E0502030303020204" pitchFamily="34" charset="0"/>
               </a:rPr>
               <a:t>Results and caveats</a:t>
@@ -5651,7 +6979,7 @@
           </a:p>
           <a:p>
             <a:r>
-              <a:rPr lang="de-DE" sz="2800" dirty="0" smtClean="0">
+              <a:rPr lang="de-DE" sz="2800" dirty="0">
                 <a:latin typeface="Candara" panose="020E0502030303020204" pitchFamily="34" charset="0"/>
               </a:rPr>
               <a:t>Climate v weather</a:t>
@@ -5659,14 +6987,19 @@
           </a:p>
           <a:p>
             <a:r>
-              <a:rPr lang="de-DE" sz="2800" dirty="0" smtClean="0">
+              <a:rPr lang="de-DE" sz="2800" dirty="0">
                 <a:latin typeface="Candara" panose="020E0502030303020204" pitchFamily="34" charset="0"/>
               </a:rPr>
               <a:t>Social cost of carbon</a:t>
             </a:r>
-            <a:endParaRPr lang="de-DE" sz="2800" dirty="0">
-              <a:latin typeface="Candara" panose="020E0502030303020204" pitchFamily="34" charset="0"/>
-            </a:endParaRPr>
+          </a:p>
+          <a:p>
+            <a:r>
+              <a:rPr lang="de-DE" sz="2800" dirty="0">
+                <a:latin typeface="Candara" panose="020E0502030303020204" pitchFamily="34" charset="0"/>
+              </a:rPr>
+              <a:t>Distribution of impacts</a:t>
+            </a:r>
           </a:p>
         </p:txBody>
       </p:sp>
@@ -5675,13 +7008,6 @@
   <p:clrMapOvr>
     <a:masterClrMapping/>
   </p:clrMapOvr>
-  <p:timing>
-    <p:tnLst>
-      <p:par>
-        <p:cTn id="1" dur="indefinite" restart="never" nodeType="tmRoot"/>
-      </p:par>
-    </p:tnLst>
-  </p:timing>
 </p:sld>
 </file>
 
@@ -5704,7 +7030,7 @@
       </p:grpSpPr>
       <p:sp>
         <p:nvSpPr>
-          <p:cNvPr id="11266" name="Rectangle 2"/>
+          <p:cNvPr id="36866" name="Rectangle 2"/>
           <p:cNvSpPr>
             <a:spLocks noGrp="1" noChangeArrowheads="1"/>
           </p:cNvSpPr>
@@ -5714,27 +7040,29 @@
         </p:nvSpPr>
         <p:spPr>
           <a:xfrm>
-            <a:off x="685800" y="152400"/>
-            <a:ext cx="7772400" cy="838200"/>
+            <a:off x="685800" y="0"/>
+            <a:ext cx="7772400" cy="1143000"/>
           </a:xfrm>
         </p:spPr>
         <p:txBody>
           <a:bodyPr/>
           <a:lstStyle/>
           <a:p>
-            <a:pPr eaLnBrk="1" hangingPunct="1"/>
-            <a:r>
-              <a:rPr lang="en-GB" sz="3200" dirty="0">
-                <a:latin typeface="Candara" panose="020E0502030303020204" pitchFamily="34" charset="0"/>
-              </a:rPr>
-              <a:t>Benefit transfer</a:t>
-            </a:r>
-          </a:p>
-        </p:txBody>
-      </p:sp>
-      <p:sp>
-        <p:nvSpPr>
-          <p:cNvPr id="11267" name="Rectangle 3"/>
+            <a:r>
+              <a:rPr lang="de-DE" sz="3600" dirty="0">
+                <a:latin typeface="Candara" panose="020E0502030303020204" pitchFamily="34" charset="0"/>
+              </a:rPr>
+              <a:t>WTP and WTAC -2</a:t>
+            </a:r>
+            <a:endParaRPr lang="en-GB" sz="3600" dirty="0">
+              <a:latin typeface="Candara" panose="020E0502030303020204" pitchFamily="34" charset="0"/>
+            </a:endParaRPr>
+          </a:p>
+        </p:txBody>
+      </p:sp>
+      <p:sp>
+        <p:nvSpPr>
+          <p:cNvPr id="36867" name="Rectangle 3"/>
           <p:cNvSpPr>
             <a:spLocks noGrp="1" noChangeArrowheads="1"/>
           </p:cNvSpPr>
@@ -5744,7 +7072,7 @@
         </p:nvSpPr>
         <p:spPr>
           <a:xfrm>
-            <a:off x="609600" y="990600"/>
+            <a:off x="685800" y="1143000"/>
             <a:ext cx="7772400" cy="4114800"/>
           </a:xfrm>
         </p:spPr>
@@ -5761,9 +7089,307 @@
               <a:rPr lang="de-DE" sz="2800" dirty="0">
                 <a:latin typeface="Candara" panose="020E0502030303020204" pitchFamily="34" charset="0"/>
               </a:rPr>
-              <a:t>Valuation is difficult and expensive</a:t>
-            </a:r>
-          </a:p>
+              <a:t>Willingness to pay and willingness to accept </a:t>
+            </a:r>
+            <a:r>
+              <a:rPr lang="en-GB" sz="2800" dirty="0">
+                <a:latin typeface="Candara" panose="020E0502030303020204" pitchFamily="34" charset="0"/>
+              </a:rPr>
+              <a:t>compensation are different, because</a:t>
+            </a:r>
+          </a:p>
+          <a:p>
+            <a:pPr lvl="1">
+              <a:lnSpc>
+                <a:spcPct val="90000"/>
+              </a:lnSpc>
+            </a:pPr>
+            <a:r>
+              <a:rPr lang="en-GB" dirty="0">
+                <a:latin typeface="Candara" panose="020E0502030303020204" pitchFamily="34" charset="0"/>
+              </a:rPr>
+              <a:t>the budget constraint is different</a:t>
+            </a:r>
+          </a:p>
+          <a:p>
+            <a:pPr lvl="1">
+              <a:lnSpc>
+                <a:spcPct val="90000"/>
+              </a:lnSpc>
+            </a:pPr>
+            <a:r>
+              <a:rPr lang="en-GB" dirty="0">
+                <a:latin typeface="Candara" panose="020E0502030303020204" pitchFamily="34" charset="0"/>
+              </a:rPr>
+              <a:t>voluntary and involuntary risks are different</a:t>
+            </a:r>
+          </a:p>
+          <a:p>
+            <a:pPr lvl="1">
+              <a:lnSpc>
+                <a:spcPct val="90000"/>
+              </a:lnSpc>
+            </a:pPr>
+            <a:r>
+              <a:rPr lang="en-GB" dirty="0">
+                <a:latin typeface="Candara" panose="020E0502030303020204" pitchFamily="34" charset="0"/>
+              </a:rPr>
+              <a:t>people attach value to the status quo</a:t>
+            </a:r>
+          </a:p>
+          <a:p>
+            <a:pPr>
+              <a:lnSpc>
+                <a:spcPct val="90000"/>
+              </a:lnSpc>
+            </a:pPr>
+            <a:r>
+              <a:rPr lang="en-GB" sz="2800" dirty="0">
+                <a:latin typeface="Candara" panose="020E0502030303020204" pitchFamily="34" charset="0"/>
+              </a:rPr>
+              <a:t>Relevant for climate because</a:t>
+            </a:r>
+          </a:p>
+          <a:p>
+            <a:pPr lvl="1">
+              <a:lnSpc>
+                <a:spcPct val="90000"/>
+              </a:lnSpc>
+            </a:pPr>
+            <a:r>
+              <a:rPr lang="en-GB" dirty="0">
+                <a:latin typeface="Candara" panose="020E0502030303020204" pitchFamily="34" charset="0"/>
+              </a:rPr>
+              <a:t>willingness to pay for a better climate for our children and grandchildren</a:t>
+            </a:r>
+          </a:p>
+          <a:p>
+            <a:pPr lvl="1">
+              <a:lnSpc>
+                <a:spcPct val="90000"/>
+              </a:lnSpc>
+            </a:pPr>
+            <a:r>
+              <a:rPr lang="en-GB" dirty="0">
+                <a:latin typeface="Candara" panose="020E0502030303020204" pitchFamily="34" charset="0"/>
+              </a:rPr>
+              <a:t>Our children’s and grandchildren’s willingness to accept compensation for us imposing a worse climate on them</a:t>
+            </a:r>
+          </a:p>
+        </p:txBody>
+      </p:sp>
+    </p:spTree>
+    <p:extLst>
+      <p:ext uri="{BB962C8B-B14F-4D97-AF65-F5344CB8AC3E}">
+        <p14:creationId xmlns:p14="http://schemas.microsoft.com/office/powerpoint/2010/main" val="2039204260"/>
+      </p:ext>
+    </p:extLst>
+  </p:cSld>
+  <p:clrMapOvr>
+    <a:masterClrMapping/>
+  </p:clrMapOvr>
+</p:sld>
+</file>
+
+<file path=ppt/slides/slide11.xml><?xml version="1.0" encoding="utf-8"?>
+<p:sld xmlns:a="http://schemas.openxmlformats.org/drawingml/2006/main" xmlns:r="http://schemas.openxmlformats.org/officeDocument/2006/relationships" xmlns:p="http://schemas.openxmlformats.org/presentationml/2006/main">
+  <p:cSld>
+    <p:spTree>
+      <p:nvGrpSpPr>
+        <p:cNvPr id="1" name=""/>
+        <p:cNvGrpSpPr/>
+        <p:nvPr/>
+      </p:nvGrpSpPr>
+      <p:grpSpPr>
+        <a:xfrm>
+          <a:off x="0" y="0"/>
+          <a:ext cx="0" cy="0"/>
+          <a:chOff x="0" y="0"/>
+          <a:chExt cx="0" cy="0"/>
+        </a:xfrm>
+      </p:grpSpPr>
+      <p:sp>
+        <p:nvSpPr>
+          <p:cNvPr id="7170" name="Rectangle 2"/>
+          <p:cNvSpPr>
+            <a:spLocks noGrp="1" noChangeArrowheads="1"/>
+          </p:cNvSpPr>
+          <p:nvPr>
+            <p:ph type="title"/>
+          </p:nvPr>
+        </p:nvSpPr>
+        <p:spPr>
+          <a:xfrm>
+            <a:off x="685800" y="152400"/>
+            <a:ext cx="7772400" cy="1143000"/>
+          </a:xfrm>
+        </p:spPr>
+        <p:txBody>
+          <a:bodyPr/>
+          <a:lstStyle/>
+          <a:p>
+            <a:pPr eaLnBrk="1" hangingPunct="1"/>
+            <a:r>
+              <a:rPr lang="de-DE" sz="4000" dirty="0">
+                <a:latin typeface="Candara" panose="020E0502030303020204" pitchFamily="34" charset="0"/>
+              </a:rPr>
+              <a:t>Economic impacts</a:t>
+            </a:r>
+            <a:endParaRPr lang="en-GB" sz="4000" dirty="0">
+              <a:latin typeface="Candara" panose="020E0502030303020204" pitchFamily="34" charset="0"/>
+            </a:endParaRPr>
+          </a:p>
+        </p:txBody>
+      </p:sp>
+      <p:sp>
+        <p:nvSpPr>
+          <p:cNvPr id="7171" name="Rectangle 3"/>
+          <p:cNvSpPr>
+            <a:spLocks noGrp="1" noChangeArrowheads="1"/>
+          </p:cNvSpPr>
+          <p:nvPr>
+            <p:ph type="body" idx="1"/>
+          </p:nvPr>
+        </p:nvSpPr>
+        <p:spPr>
+          <a:xfrm>
+            <a:off x="685800" y="1447800"/>
+            <a:ext cx="7772400" cy="4114800"/>
+          </a:xfrm>
+        </p:spPr>
+        <p:txBody>
+          <a:bodyPr/>
+          <a:lstStyle/>
+          <a:p>
+            <a:r>
+              <a:rPr lang="de-DE" sz="2800" dirty="0">
+                <a:latin typeface="Candara" panose="020E0502030303020204" pitchFamily="34" charset="0"/>
+              </a:rPr>
+              <a:t>Methods for estimating total welfare impact</a:t>
+            </a:r>
+          </a:p>
+          <a:p>
+            <a:pPr lvl="1"/>
+            <a:r>
+              <a:rPr lang="de-DE" sz="2400" b="1" dirty="0">
+                <a:latin typeface="Candara" panose="020E0502030303020204" pitchFamily="34" charset="0"/>
+              </a:rPr>
+              <a:t>Benefit transfer</a:t>
+            </a:r>
+          </a:p>
+          <a:p>
+            <a:r>
+              <a:rPr lang="de-DE" sz="2800" dirty="0">
+                <a:latin typeface="Candara" panose="020E0502030303020204" pitchFamily="34" charset="0"/>
+              </a:rPr>
+              <a:t>Results and caveats</a:t>
+            </a:r>
+          </a:p>
+          <a:p>
+            <a:r>
+              <a:rPr lang="de-DE" sz="2800" dirty="0">
+                <a:latin typeface="Candara" panose="020E0502030303020204" pitchFamily="34" charset="0"/>
+              </a:rPr>
+              <a:t>Climate v weather</a:t>
+            </a:r>
+          </a:p>
+          <a:p>
+            <a:r>
+              <a:rPr lang="de-DE" sz="2800" dirty="0">
+                <a:latin typeface="Candara" panose="020E0502030303020204" pitchFamily="34" charset="0"/>
+              </a:rPr>
+              <a:t>Social cost of carbon</a:t>
+            </a:r>
+          </a:p>
+          <a:p>
+            <a:r>
+              <a:rPr lang="de-DE" sz="2800" dirty="0">
+                <a:latin typeface="Candara" panose="020E0502030303020204" pitchFamily="34" charset="0"/>
+              </a:rPr>
+              <a:t>Distribution of impacts</a:t>
+            </a:r>
+          </a:p>
+        </p:txBody>
+      </p:sp>
+    </p:spTree>
+    <p:extLst>
+      <p:ext uri="{BB962C8B-B14F-4D97-AF65-F5344CB8AC3E}">
+        <p14:creationId xmlns:p14="http://schemas.microsoft.com/office/powerpoint/2010/main" val="3580736198"/>
+      </p:ext>
+    </p:extLst>
+  </p:cSld>
+  <p:clrMapOvr>
+    <a:masterClrMapping/>
+  </p:clrMapOvr>
+</p:sld>
+</file>
+
+<file path=ppt/slides/slide12.xml><?xml version="1.0" encoding="utf-8"?>
+<p:sld xmlns:a="http://schemas.openxmlformats.org/drawingml/2006/main" xmlns:r="http://schemas.openxmlformats.org/officeDocument/2006/relationships" xmlns:p="http://schemas.openxmlformats.org/presentationml/2006/main">
+  <p:cSld>
+    <p:spTree>
+      <p:nvGrpSpPr>
+        <p:cNvPr id="1" name=""/>
+        <p:cNvGrpSpPr/>
+        <p:nvPr/>
+      </p:nvGrpSpPr>
+      <p:grpSpPr>
+        <a:xfrm>
+          <a:off x="0" y="0"/>
+          <a:ext cx="0" cy="0"/>
+          <a:chOff x="0" y="0"/>
+          <a:chExt cx="0" cy="0"/>
+        </a:xfrm>
+      </p:grpSpPr>
+      <p:sp>
+        <p:nvSpPr>
+          <p:cNvPr id="11266" name="Rectangle 2"/>
+          <p:cNvSpPr>
+            <a:spLocks noGrp="1" noChangeArrowheads="1"/>
+          </p:cNvSpPr>
+          <p:nvPr>
+            <p:ph type="title"/>
+          </p:nvPr>
+        </p:nvSpPr>
+        <p:spPr>
+          <a:xfrm>
+            <a:off x="685800" y="152400"/>
+            <a:ext cx="7772400" cy="838200"/>
+          </a:xfrm>
+        </p:spPr>
+        <p:txBody>
+          <a:bodyPr/>
+          <a:lstStyle/>
+          <a:p>
+            <a:pPr eaLnBrk="1" hangingPunct="1"/>
+            <a:r>
+              <a:rPr lang="en-GB" sz="3200" dirty="0">
+                <a:latin typeface="Candara" panose="020E0502030303020204" pitchFamily="34" charset="0"/>
+              </a:rPr>
+              <a:t>Benefit transfer</a:t>
+            </a:r>
+          </a:p>
+        </p:txBody>
+      </p:sp>
+      <p:sp>
+        <p:nvSpPr>
+          <p:cNvPr id="11267" name="Rectangle 3"/>
+          <p:cNvSpPr>
+            <a:spLocks noGrp="1" noChangeArrowheads="1"/>
+          </p:cNvSpPr>
+          <p:nvPr>
+            <p:ph type="body" idx="1"/>
+          </p:nvPr>
+        </p:nvSpPr>
+        <p:spPr>
+          <a:xfrm>
+            <a:off x="609600" y="990600"/>
+            <a:ext cx="7772400" cy="4114800"/>
+          </a:xfrm>
+        </p:spPr>
+        <p:txBody>
+          <a:bodyPr/>
+          <a:lstStyle/>
           <a:p>
             <a:pPr eaLnBrk="1" hangingPunct="1">
               <a:lnSpc>
@@ -5774,13 +7400,7 @@
               <a:rPr lang="de-DE" sz="2800" dirty="0">
                 <a:latin typeface="Candara" panose="020E0502030303020204" pitchFamily="34" charset="0"/>
               </a:rPr>
-              <a:t>Therefore, estimated values are extrapolated (benefit transfer) from one place to the next and from one case to the </a:t>
-            </a:r>
-            <a:r>
-              <a:rPr lang="de-DE" sz="2800" dirty="0" smtClean="0">
-                <a:latin typeface="Candara" panose="020E0502030303020204" pitchFamily="34" charset="0"/>
-              </a:rPr>
-              <a:t>next</a:t>
+              <a:t>Valuation is difficult and expensive</a:t>
             </a:r>
           </a:p>
           <a:p>
@@ -5790,7 +7410,20 @@
               </a:lnSpc>
             </a:pPr>
             <a:r>
-              <a:rPr lang="de-DE" sz="2800" dirty="0" smtClean="0">
+              <a:rPr lang="de-DE" sz="2800" dirty="0">
+                <a:latin typeface="Candara" panose="020E0502030303020204" pitchFamily="34" charset="0"/>
+              </a:rPr>
+              <a:t>Therefore, estimated values are extrapolated (benefit transfer) from one place to the next and from one case to the next</a:t>
+            </a:r>
+          </a:p>
+          <a:p>
+            <a:pPr eaLnBrk="1" hangingPunct="1">
+              <a:lnSpc>
+                <a:spcPct val="90000"/>
+              </a:lnSpc>
+            </a:pPr>
+            <a:r>
+              <a:rPr lang="de-DE" sz="2800" dirty="0">
                 <a:latin typeface="Candara" panose="020E0502030303020204" pitchFamily="34" charset="0"/>
               </a:rPr>
               <a:t>Important for climate as</a:t>
@@ -5806,13 +7439,7 @@
               <a:rPr lang="de-DE" sz="2400" dirty="0">
                 <a:latin typeface="Candara" panose="020E0502030303020204" pitchFamily="34" charset="0"/>
               </a:rPr>
-              <a:t>W</a:t>
-            </a:r>
-            <a:r>
-              <a:rPr lang="de-DE" sz="2400" dirty="0" smtClean="0">
-                <a:latin typeface="Candara" panose="020E0502030303020204" pitchFamily="34" charset="0"/>
-              </a:rPr>
-              <a:t>e need total impact, not just some case studies</a:t>
+              <a:t>We need total impact, not just some case studies</a:t>
             </a:r>
           </a:p>
           <a:p>
@@ -5822,14 +7449,11 @@
               </a:lnSpc>
             </a:pPr>
             <a:r>
-              <a:rPr lang="de-DE" sz="2400" dirty="0" smtClean="0">
+              <a:rPr lang="de-DE" sz="2400" dirty="0">
                 <a:latin typeface="Candara" panose="020E0502030303020204" pitchFamily="34" charset="0"/>
               </a:rPr>
               <a:t>We need future, yet-to-observed impact</a:t>
             </a:r>
-            <a:endParaRPr lang="de-DE" sz="2400" dirty="0">
-              <a:latin typeface="Candara" panose="020E0502030303020204" pitchFamily="34" charset="0"/>
-            </a:endParaRPr>
           </a:p>
           <a:p>
             <a:pPr eaLnBrk="1" hangingPunct="1">
@@ -5859,17 +7483,10 @@
   <p:clrMapOvr>
     <a:masterClrMapping/>
   </p:clrMapOvr>
-  <p:timing>
-    <p:tnLst>
-      <p:par>
-        <p:cTn id="1" dur="indefinite" restart="never" nodeType="tmRoot"/>
-      </p:par>
-    </p:tnLst>
-  </p:timing>
 </p:sld>
 </file>
 
-<file path=ppt/slides/slide11.xml><?xml version="1.0" encoding="utf-8"?>
+<file path=ppt/slides/slide13.xml><?xml version="1.0" encoding="utf-8"?>
 <p:sld xmlns:a="http://schemas.openxmlformats.org/drawingml/2006/main" xmlns:r="http://schemas.openxmlformats.org/officeDocument/2006/relationships" xmlns:p="http://schemas.openxmlformats.org/presentationml/2006/main">
   <p:cSld>
     <p:spTree>
@@ -5928,17 +7545,10 @@
   <p:clrMapOvr>
     <a:masterClrMapping/>
   </p:clrMapOvr>
-  <p:timing>
-    <p:tnLst>
-      <p:par>
-        <p:cTn id="1" dur="indefinite" restart="never" nodeType="tmRoot"/>
-      </p:par>
-    </p:tnLst>
-  </p:timing>
 </p:sld>
 </file>
 
-<file path=ppt/slides/slide12.xml><?xml version="1.0" encoding="utf-8"?>
+<file path=ppt/slides/slide14.xml><?xml version="1.0" encoding="utf-8"?>
 <p:sld xmlns:a="http://schemas.openxmlformats.org/drawingml/2006/main" xmlns:r="http://schemas.openxmlformats.org/officeDocument/2006/relationships" xmlns:p="http://schemas.openxmlformats.org/presentationml/2006/main">
   <p:cSld>
     <p:spTree>
@@ -5984,14 +7594,14 @@
                 <a:gridCol w="5029200">
                   <a:extLst>
                     <a:ext uri="{9D8B030D-6E8A-4147-A177-3AD203B41FA5}">
-                      <a16:colId xmlns:a16="http://schemas.microsoft.com/office/drawing/2014/main" xmlns="" val="20000"/>
+                      <a16:colId xmlns:a16="http://schemas.microsoft.com/office/drawing/2014/main" val="20000"/>
                     </a:ext>
                   </a:extLst>
                 </a:gridCol>
                 <a:gridCol w="2514600">
                   <a:extLst>
                     <a:ext uri="{9D8B030D-6E8A-4147-A177-3AD203B41FA5}">
-                      <a16:colId xmlns:a16="http://schemas.microsoft.com/office/drawing/2014/main" xmlns="" val="20001"/>
+                      <a16:colId xmlns:a16="http://schemas.microsoft.com/office/drawing/2014/main" val="20001"/>
                     </a:ext>
                   </a:extLst>
                 </a:gridCol>
@@ -6038,7 +7648,7 @@
                 </a:tc>
                 <a:extLst>
                   <a:ext uri="{0D108BD9-81ED-4DB2-BD59-A6C34878D82A}">
-                    <a16:rowId xmlns:a16="http://schemas.microsoft.com/office/drawing/2014/main" xmlns="" val="10000"/>
+                    <a16:rowId xmlns:a16="http://schemas.microsoft.com/office/drawing/2014/main" val="10000"/>
                   </a:ext>
                 </a:extLst>
               </a:tr>
@@ -6076,7 +7686,7 @@
                 </a:tc>
                 <a:extLst>
                   <a:ext uri="{0D108BD9-81ED-4DB2-BD59-A6C34878D82A}">
-                    <a16:rowId xmlns:a16="http://schemas.microsoft.com/office/drawing/2014/main" xmlns="" val="10001"/>
+                    <a16:rowId xmlns:a16="http://schemas.microsoft.com/office/drawing/2014/main" val="10001"/>
                   </a:ext>
                 </a:extLst>
               </a:tr>
@@ -6111,7 +7721,7 @@
                 </a:tc>
                 <a:extLst>
                   <a:ext uri="{0D108BD9-81ED-4DB2-BD59-A6C34878D82A}">
-                    <a16:rowId xmlns:a16="http://schemas.microsoft.com/office/drawing/2014/main" xmlns="" val="10002"/>
+                    <a16:rowId xmlns:a16="http://schemas.microsoft.com/office/drawing/2014/main" val="10002"/>
                   </a:ext>
                 </a:extLst>
               </a:tr>
@@ -6149,7 +7759,7 @@
                 </a:tc>
                 <a:extLst>
                   <a:ext uri="{0D108BD9-81ED-4DB2-BD59-A6C34878D82A}">
-                    <a16:rowId xmlns:a16="http://schemas.microsoft.com/office/drawing/2014/main" xmlns="" val="10003"/>
+                    <a16:rowId xmlns:a16="http://schemas.microsoft.com/office/drawing/2014/main" val="10003"/>
                   </a:ext>
                 </a:extLst>
               </a:tr>
@@ -6184,7 +7794,7 @@
                 </a:tc>
                 <a:extLst>
                   <a:ext uri="{0D108BD9-81ED-4DB2-BD59-A6C34878D82A}">
-                    <a16:rowId xmlns:a16="http://schemas.microsoft.com/office/drawing/2014/main" xmlns="" val="10004"/>
+                    <a16:rowId xmlns:a16="http://schemas.microsoft.com/office/drawing/2014/main" val="10004"/>
                   </a:ext>
                 </a:extLst>
               </a:tr>
@@ -6231,7 +7841,7 @@
                 </a:tc>
                 <a:extLst>
                   <a:ext uri="{0D108BD9-81ED-4DB2-BD59-A6C34878D82A}">
-                    <a16:rowId xmlns:a16="http://schemas.microsoft.com/office/drawing/2014/main" xmlns="" val="10005"/>
+                    <a16:rowId xmlns:a16="http://schemas.microsoft.com/office/drawing/2014/main" val="10005"/>
                   </a:ext>
                 </a:extLst>
               </a:tr>
@@ -6266,7 +7876,7 @@
                 </a:tc>
                 <a:extLst>
                   <a:ext uri="{0D108BD9-81ED-4DB2-BD59-A6C34878D82A}">
-                    <a16:rowId xmlns:a16="http://schemas.microsoft.com/office/drawing/2014/main" xmlns="" val="10006"/>
+                    <a16:rowId xmlns:a16="http://schemas.microsoft.com/office/drawing/2014/main" val="10006"/>
                   </a:ext>
                 </a:extLst>
               </a:tr>
@@ -6304,7 +7914,7 @@
                 </a:tc>
                 <a:extLst>
                   <a:ext uri="{0D108BD9-81ED-4DB2-BD59-A6C34878D82A}">
-                    <a16:rowId xmlns:a16="http://schemas.microsoft.com/office/drawing/2014/main" xmlns="" val="10007"/>
+                    <a16:rowId xmlns:a16="http://schemas.microsoft.com/office/drawing/2014/main" val="10007"/>
                   </a:ext>
                 </a:extLst>
               </a:tr>
@@ -6339,7 +7949,7 @@
                 </a:tc>
                 <a:extLst>
                   <a:ext uri="{0D108BD9-81ED-4DB2-BD59-A6C34878D82A}">
-                    <a16:rowId xmlns:a16="http://schemas.microsoft.com/office/drawing/2014/main" xmlns="" val="10008"/>
+                    <a16:rowId xmlns:a16="http://schemas.microsoft.com/office/drawing/2014/main" val="10008"/>
                   </a:ext>
                 </a:extLst>
               </a:tr>
@@ -6386,7 +7996,7 @@
                 </a:tc>
                 <a:extLst>
                   <a:ext uri="{0D108BD9-81ED-4DB2-BD59-A6C34878D82A}">
-                    <a16:rowId xmlns:a16="http://schemas.microsoft.com/office/drawing/2014/main" xmlns="" val="10009"/>
+                    <a16:rowId xmlns:a16="http://schemas.microsoft.com/office/drawing/2014/main" val="10009"/>
                   </a:ext>
                 </a:extLst>
               </a:tr>
@@ -6421,7 +8031,7 @@
                 </a:tc>
                 <a:extLst>
                   <a:ext uri="{0D108BD9-81ED-4DB2-BD59-A6C34878D82A}">
-                    <a16:rowId xmlns:a16="http://schemas.microsoft.com/office/drawing/2014/main" xmlns="" val="10010"/>
+                    <a16:rowId xmlns:a16="http://schemas.microsoft.com/office/drawing/2014/main" val="10010"/>
                   </a:ext>
                 </a:extLst>
               </a:tr>
@@ -6459,7 +8069,7 @@
                 </a:tc>
                 <a:extLst>
                   <a:ext uri="{0D108BD9-81ED-4DB2-BD59-A6C34878D82A}">
-                    <a16:rowId xmlns:a16="http://schemas.microsoft.com/office/drawing/2014/main" xmlns="" val="10011"/>
+                    <a16:rowId xmlns:a16="http://schemas.microsoft.com/office/drawing/2014/main" val="10011"/>
                   </a:ext>
                 </a:extLst>
               </a:tr>
@@ -6494,7 +8104,7 @@
                 </a:tc>
                 <a:extLst>
                   <a:ext uri="{0D108BD9-81ED-4DB2-BD59-A6C34878D82A}">
-                    <a16:rowId xmlns:a16="http://schemas.microsoft.com/office/drawing/2014/main" xmlns="" val="10012"/>
+                    <a16:rowId xmlns:a16="http://schemas.microsoft.com/office/drawing/2014/main" val="10012"/>
                   </a:ext>
                 </a:extLst>
               </a:tr>
@@ -6541,7 +8151,7 @@
                 </a:tc>
                 <a:extLst>
                   <a:ext uri="{0D108BD9-81ED-4DB2-BD59-A6C34878D82A}">
-                    <a16:rowId xmlns:a16="http://schemas.microsoft.com/office/drawing/2014/main" xmlns="" val="10013"/>
+                    <a16:rowId xmlns:a16="http://schemas.microsoft.com/office/drawing/2014/main" val="10013"/>
                   </a:ext>
                 </a:extLst>
               </a:tr>
@@ -6576,7 +8186,7 @@
                 </a:tc>
                 <a:extLst>
                   <a:ext uri="{0D108BD9-81ED-4DB2-BD59-A6C34878D82A}">
-                    <a16:rowId xmlns:a16="http://schemas.microsoft.com/office/drawing/2014/main" xmlns="" val="10014"/>
+                    <a16:rowId xmlns:a16="http://schemas.microsoft.com/office/drawing/2014/main" val="10014"/>
                   </a:ext>
                 </a:extLst>
               </a:tr>
@@ -6594,17 +8204,276 @@
   <p:clrMapOvr>
     <a:masterClrMapping/>
   </p:clrMapOvr>
-  <p:timing>
-    <p:tnLst>
-      <p:par>
-        <p:cTn id="1" dur="indefinite" restart="never" nodeType="tmRoot"/>
-      </p:par>
-    </p:tnLst>
-  </p:timing>
 </p:sld>
 </file>
 
-<file path=ppt/slides/slide13.xml><?xml version="1.0" encoding="utf-8"?>
+<file path=ppt/slides/slide15.xml><?xml version="1.0" encoding="utf-8"?>
+<p:sld xmlns:a="http://schemas.openxmlformats.org/drawingml/2006/main" xmlns:r="http://schemas.openxmlformats.org/officeDocument/2006/relationships" xmlns:p="http://schemas.openxmlformats.org/presentationml/2006/main">
+  <p:cSld>
+    <p:spTree>
+      <p:nvGrpSpPr>
+        <p:cNvPr id="1" name=""/>
+        <p:cNvGrpSpPr/>
+        <p:nvPr/>
+      </p:nvGrpSpPr>
+      <p:grpSpPr>
+        <a:xfrm>
+          <a:off x="0" y="0"/>
+          <a:ext cx="0" cy="0"/>
+          <a:chOff x="0" y="0"/>
+          <a:chExt cx="0" cy="0"/>
+        </a:xfrm>
+      </p:grpSpPr>
+      <p:sp>
+        <p:nvSpPr>
+          <p:cNvPr id="7170" name="Rectangle 2"/>
+          <p:cNvSpPr>
+            <a:spLocks noGrp="1" noChangeArrowheads="1"/>
+          </p:cNvSpPr>
+          <p:nvPr>
+            <p:ph type="title"/>
+          </p:nvPr>
+        </p:nvSpPr>
+        <p:spPr>
+          <a:xfrm>
+            <a:off x="685800" y="152400"/>
+            <a:ext cx="7772400" cy="1143000"/>
+          </a:xfrm>
+        </p:spPr>
+        <p:txBody>
+          <a:bodyPr/>
+          <a:lstStyle/>
+          <a:p>
+            <a:pPr eaLnBrk="1" hangingPunct="1"/>
+            <a:r>
+              <a:rPr lang="de-DE" sz="4000" dirty="0">
+                <a:latin typeface="Candara" panose="020E0502030303020204" pitchFamily="34" charset="0"/>
+              </a:rPr>
+              <a:t>Economic impacts</a:t>
+            </a:r>
+            <a:endParaRPr lang="en-GB" sz="4000" dirty="0">
+              <a:latin typeface="Candara" panose="020E0502030303020204" pitchFamily="34" charset="0"/>
+            </a:endParaRPr>
+          </a:p>
+        </p:txBody>
+      </p:sp>
+      <p:sp>
+        <p:nvSpPr>
+          <p:cNvPr id="7171" name="Rectangle 3"/>
+          <p:cNvSpPr>
+            <a:spLocks noGrp="1" noChangeArrowheads="1"/>
+          </p:cNvSpPr>
+          <p:nvPr>
+            <p:ph type="body" idx="1"/>
+          </p:nvPr>
+        </p:nvSpPr>
+        <p:spPr>
+          <a:xfrm>
+            <a:off x="685800" y="1447800"/>
+            <a:ext cx="7772400" cy="4114800"/>
+          </a:xfrm>
+        </p:spPr>
+        <p:txBody>
+          <a:bodyPr/>
+          <a:lstStyle/>
+          <a:p>
+            <a:r>
+              <a:rPr lang="de-DE" sz="2800" b="1" dirty="0">
+                <a:latin typeface="Candara" panose="020E0502030303020204" pitchFamily="34" charset="0"/>
+              </a:rPr>
+              <a:t>Methods for estimating total welfare impact</a:t>
+            </a:r>
+          </a:p>
+          <a:p>
+            <a:pPr lvl="1"/>
+            <a:r>
+              <a:rPr lang="de-DE" sz="2400" dirty="0">
+                <a:latin typeface="Candara" panose="020E0502030303020204" pitchFamily="34" charset="0"/>
+              </a:rPr>
+              <a:t>Benefit transfer</a:t>
+            </a:r>
+          </a:p>
+          <a:p>
+            <a:r>
+              <a:rPr lang="de-DE" sz="2800" dirty="0">
+                <a:latin typeface="Candara" panose="020E0502030303020204" pitchFamily="34" charset="0"/>
+              </a:rPr>
+              <a:t>Results and caveats</a:t>
+            </a:r>
+          </a:p>
+          <a:p>
+            <a:r>
+              <a:rPr lang="de-DE" sz="2800" dirty="0">
+                <a:latin typeface="Candara" panose="020E0502030303020204" pitchFamily="34" charset="0"/>
+              </a:rPr>
+              <a:t>Climate v weather</a:t>
+            </a:r>
+          </a:p>
+          <a:p>
+            <a:r>
+              <a:rPr lang="de-DE" sz="2800" dirty="0">
+                <a:latin typeface="Candara" panose="020E0502030303020204" pitchFamily="34" charset="0"/>
+              </a:rPr>
+              <a:t>Social cost of carbon</a:t>
+            </a:r>
+          </a:p>
+          <a:p>
+            <a:r>
+              <a:rPr lang="de-DE" sz="2800" dirty="0">
+                <a:latin typeface="Candara" panose="020E0502030303020204" pitchFamily="34" charset="0"/>
+              </a:rPr>
+              <a:t>Distribution of impacts</a:t>
+            </a:r>
+          </a:p>
+        </p:txBody>
+      </p:sp>
+    </p:spTree>
+    <p:extLst>
+      <p:ext uri="{BB962C8B-B14F-4D97-AF65-F5344CB8AC3E}">
+        <p14:creationId xmlns:p14="http://schemas.microsoft.com/office/powerpoint/2010/main" val="3726301077"/>
+      </p:ext>
+    </p:extLst>
+  </p:cSld>
+  <p:clrMapOvr>
+    <a:masterClrMapping/>
+  </p:clrMapOvr>
+</p:sld>
+</file>
+
+<file path=ppt/slides/slide16.xml><?xml version="1.0" encoding="utf-8"?>
+<p:sld xmlns:a="http://schemas.openxmlformats.org/drawingml/2006/main" xmlns:r="http://schemas.openxmlformats.org/officeDocument/2006/relationships" xmlns:p="http://schemas.openxmlformats.org/presentationml/2006/main">
+  <p:cSld>
+    <p:spTree>
+      <p:nvGrpSpPr>
+        <p:cNvPr id="1" name=""/>
+        <p:cNvGrpSpPr/>
+        <p:nvPr/>
+      </p:nvGrpSpPr>
+      <p:grpSpPr>
+        <a:xfrm>
+          <a:off x="0" y="0"/>
+          <a:ext cx="0" cy="0"/>
+          <a:chOff x="0" y="0"/>
+          <a:chExt cx="0" cy="0"/>
+        </a:xfrm>
+      </p:grpSpPr>
+      <p:sp>
+        <p:nvSpPr>
+          <p:cNvPr id="7170" name="Rectangle 2"/>
+          <p:cNvSpPr>
+            <a:spLocks noGrp="1" noChangeArrowheads="1"/>
+          </p:cNvSpPr>
+          <p:nvPr>
+            <p:ph type="title"/>
+          </p:nvPr>
+        </p:nvSpPr>
+        <p:spPr>
+          <a:xfrm>
+            <a:off x="685800" y="152400"/>
+            <a:ext cx="7772400" cy="1143000"/>
+          </a:xfrm>
+        </p:spPr>
+        <p:txBody>
+          <a:bodyPr/>
+          <a:lstStyle/>
+          <a:p>
+            <a:pPr eaLnBrk="1" hangingPunct="1"/>
+            <a:r>
+              <a:rPr lang="de-DE" sz="4000" dirty="0">
+                <a:latin typeface="Candara" panose="020E0502030303020204" pitchFamily="34" charset="0"/>
+              </a:rPr>
+              <a:t>Economic impacts</a:t>
+            </a:r>
+            <a:endParaRPr lang="en-GB" sz="4000" dirty="0">
+              <a:latin typeface="Candara" panose="020E0502030303020204" pitchFamily="34" charset="0"/>
+            </a:endParaRPr>
+          </a:p>
+        </p:txBody>
+      </p:sp>
+      <p:sp>
+        <p:nvSpPr>
+          <p:cNvPr id="7171" name="Rectangle 3"/>
+          <p:cNvSpPr>
+            <a:spLocks noGrp="1" noChangeArrowheads="1"/>
+          </p:cNvSpPr>
+          <p:nvPr>
+            <p:ph type="body" idx="1"/>
+          </p:nvPr>
+        </p:nvSpPr>
+        <p:spPr>
+          <a:xfrm>
+            <a:off x="685800" y="1447800"/>
+            <a:ext cx="7772400" cy="4114800"/>
+          </a:xfrm>
+        </p:spPr>
+        <p:txBody>
+          <a:bodyPr/>
+          <a:lstStyle/>
+          <a:p>
+            <a:r>
+              <a:rPr lang="de-DE" sz="2800" dirty="0">
+                <a:latin typeface="Candara" panose="020E0502030303020204" pitchFamily="34" charset="0"/>
+              </a:rPr>
+              <a:t>Methods for estimating total welfare impact</a:t>
+            </a:r>
+          </a:p>
+          <a:p>
+            <a:pPr lvl="1"/>
+            <a:r>
+              <a:rPr lang="de-DE" sz="2400" dirty="0">
+                <a:latin typeface="Candara" panose="020E0502030303020204" pitchFamily="34" charset="0"/>
+              </a:rPr>
+              <a:t>Benefit transfer</a:t>
+            </a:r>
+          </a:p>
+          <a:p>
+            <a:r>
+              <a:rPr lang="de-DE" sz="2800" dirty="0">
+                <a:latin typeface="Candara" panose="020E0502030303020204" pitchFamily="34" charset="0"/>
+              </a:rPr>
+              <a:t>Results and caveats</a:t>
+            </a:r>
+          </a:p>
+          <a:p>
+            <a:r>
+              <a:rPr lang="de-DE" sz="2800" dirty="0">
+                <a:latin typeface="Candara" panose="020E0502030303020204" pitchFamily="34" charset="0"/>
+              </a:rPr>
+              <a:t>Climate v weather</a:t>
+            </a:r>
+          </a:p>
+          <a:p>
+            <a:r>
+              <a:rPr lang="de-DE" sz="2800" dirty="0">
+                <a:latin typeface="Candara" panose="020E0502030303020204" pitchFamily="34" charset="0"/>
+              </a:rPr>
+              <a:t>Social cost of carbon</a:t>
+            </a:r>
+          </a:p>
+          <a:p>
+            <a:r>
+              <a:rPr lang="de-DE" sz="2800" dirty="0">
+                <a:latin typeface="Candara" panose="020E0502030303020204" pitchFamily="34" charset="0"/>
+              </a:rPr>
+              <a:t>Distribution of impacts</a:t>
+            </a:r>
+          </a:p>
+        </p:txBody>
+      </p:sp>
+    </p:spTree>
+    <p:extLst>
+      <p:ext uri="{BB962C8B-B14F-4D97-AF65-F5344CB8AC3E}">
+        <p14:creationId xmlns:p14="http://schemas.microsoft.com/office/powerpoint/2010/main" val="1129266164"/>
+      </p:ext>
+    </p:extLst>
+  </p:cSld>
+  <p:clrMapOvr>
+    <a:masterClrMapping/>
+  </p:clrMapOvr>
+</p:sld>
+</file>
+
+<file path=ppt/slides/slide17.xml><?xml version="1.0" encoding="utf-8"?>
 <p:sld xmlns:a="http://schemas.openxmlformats.org/drawingml/2006/main" xmlns:r="http://schemas.openxmlformats.org/officeDocument/2006/relationships" xmlns:p="http://schemas.openxmlformats.org/presentationml/2006/main" showMasterPhAnim="0">
   <p:cSld>
     <p:spTree>
@@ -6804,7 +8673,7 @@
           <p:cNvPr id="4" name="Picture 3">
             <a:extLst>
               <a:ext uri="{FF2B5EF4-FFF2-40B4-BE49-F238E27FC236}">
-                <a16:creationId xmlns:a16="http://schemas.microsoft.com/office/drawing/2014/main" xmlns="" id="{5033CE9A-A2FD-4515-94C9-B12879D63550}"/>
+                <a16:creationId xmlns:a16="http://schemas.microsoft.com/office/drawing/2014/main" id="{5033CE9A-A2FD-4515-94C9-B12879D63550}"/>
               </a:ext>
             </a:extLst>
           </p:cNvPr>
@@ -7232,7 +9101,140 @@
 </p:sld>
 </file>
 
-<file path=ppt/slides/slide14.xml><?xml version="1.0" encoding="utf-8"?>
+<file path=ppt/slides/slide18.xml><?xml version="1.0" encoding="utf-8"?>
+<p:sld xmlns:a="http://schemas.openxmlformats.org/drawingml/2006/main" xmlns:r="http://schemas.openxmlformats.org/officeDocument/2006/relationships" xmlns:p="http://schemas.openxmlformats.org/presentationml/2006/main">
+  <p:cSld>
+    <p:spTree>
+      <p:nvGrpSpPr>
+        <p:cNvPr id="1" name=""/>
+        <p:cNvGrpSpPr/>
+        <p:nvPr/>
+      </p:nvGrpSpPr>
+      <p:grpSpPr>
+        <a:xfrm>
+          <a:off x="0" y="0"/>
+          <a:ext cx="0" cy="0"/>
+          <a:chOff x="0" y="0"/>
+          <a:chExt cx="0" cy="0"/>
+        </a:xfrm>
+      </p:grpSpPr>
+      <p:sp>
+        <p:nvSpPr>
+          <p:cNvPr id="7170" name="Rectangle 2"/>
+          <p:cNvSpPr>
+            <a:spLocks noGrp="1" noChangeArrowheads="1"/>
+          </p:cNvSpPr>
+          <p:nvPr>
+            <p:ph type="title"/>
+          </p:nvPr>
+        </p:nvSpPr>
+        <p:spPr>
+          <a:xfrm>
+            <a:off x="685800" y="152400"/>
+            <a:ext cx="7772400" cy="1143000"/>
+          </a:xfrm>
+        </p:spPr>
+        <p:txBody>
+          <a:bodyPr/>
+          <a:lstStyle/>
+          <a:p>
+            <a:pPr eaLnBrk="1" hangingPunct="1"/>
+            <a:r>
+              <a:rPr lang="de-DE" sz="4000" dirty="0">
+                <a:latin typeface="Candara" panose="020E0502030303020204" pitchFamily="34" charset="0"/>
+              </a:rPr>
+              <a:t>Economic impacts</a:t>
+            </a:r>
+            <a:endParaRPr lang="en-GB" sz="4000" dirty="0">
+              <a:latin typeface="Candara" panose="020E0502030303020204" pitchFamily="34" charset="0"/>
+            </a:endParaRPr>
+          </a:p>
+        </p:txBody>
+      </p:sp>
+      <p:sp>
+        <p:nvSpPr>
+          <p:cNvPr id="7171" name="Rectangle 3"/>
+          <p:cNvSpPr>
+            <a:spLocks noGrp="1" noChangeArrowheads="1"/>
+          </p:cNvSpPr>
+          <p:nvPr>
+            <p:ph type="body" idx="1"/>
+          </p:nvPr>
+        </p:nvSpPr>
+        <p:spPr>
+          <a:xfrm>
+            <a:off x="685800" y="1447800"/>
+            <a:ext cx="7772400" cy="4114800"/>
+          </a:xfrm>
+        </p:spPr>
+        <p:txBody>
+          <a:bodyPr/>
+          <a:lstStyle/>
+          <a:p>
+            <a:r>
+              <a:rPr lang="de-DE" sz="2800" dirty="0">
+                <a:latin typeface="Candara" panose="020E0502030303020204" pitchFamily="34" charset="0"/>
+              </a:rPr>
+              <a:t>Methods for estimating total welfare impact</a:t>
+            </a:r>
+          </a:p>
+          <a:p>
+            <a:pPr lvl="1"/>
+            <a:r>
+              <a:rPr lang="de-DE" sz="2400" dirty="0">
+                <a:latin typeface="Candara" panose="020E0502030303020204" pitchFamily="34" charset="0"/>
+              </a:rPr>
+              <a:t>Benefit transfer</a:t>
+            </a:r>
+          </a:p>
+          <a:p>
+            <a:r>
+              <a:rPr lang="de-DE" sz="2800" b="1" dirty="0">
+                <a:latin typeface="Candara" panose="020E0502030303020204" pitchFamily="34" charset="0"/>
+              </a:rPr>
+              <a:t>Results and caveats</a:t>
+            </a:r>
+          </a:p>
+          <a:p>
+            <a:r>
+              <a:rPr lang="de-DE" sz="2800" dirty="0">
+                <a:latin typeface="Candara" panose="020E0502030303020204" pitchFamily="34" charset="0"/>
+              </a:rPr>
+              <a:t>Climate v weather</a:t>
+            </a:r>
+          </a:p>
+          <a:p>
+            <a:r>
+              <a:rPr lang="de-DE" sz="2800" dirty="0">
+                <a:latin typeface="Candara" panose="020E0502030303020204" pitchFamily="34" charset="0"/>
+              </a:rPr>
+              <a:t>Social cost of carbon</a:t>
+            </a:r>
+          </a:p>
+          <a:p>
+            <a:r>
+              <a:rPr lang="de-DE" sz="2800" dirty="0">
+                <a:latin typeface="Candara" panose="020E0502030303020204" pitchFamily="34" charset="0"/>
+              </a:rPr>
+              <a:t>Distribution of impacts</a:t>
+            </a:r>
+          </a:p>
+        </p:txBody>
+      </p:sp>
+    </p:spTree>
+    <p:extLst>
+      <p:ext uri="{BB962C8B-B14F-4D97-AF65-F5344CB8AC3E}">
+        <p14:creationId xmlns:p14="http://schemas.microsoft.com/office/powerpoint/2010/main" val="3859124590"/>
+      </p:ext>
+    </p:extLst>
+  </p:cSld>
+  <p:clrMapOvr>
+    <a:masterClrMapping/>
+  </p:clrMapOvr>
+</p:sld>
+</file>
+
+<file path=ppt/slides/slide19.xml><?xml version="1.0" encoding="utf-8"?>
 <p:sld xmlns:a="http://schemas.openxmlformats.org/drawingml/2006/main" xmlns:r="http://schemas.openxmlformats.org/officeDocument/2006/relationships" xmlns:p="http://schemas.openxmlformats.org/presentationml/2006/main">
   <p:cSld>
     <p:spTree>
@@ -7283,17 +9285,226 @@
   <p:clrMapOvr>
     <a:masterClrMapping/>
   </p:clrMapOvr>
-  <p:timing>
-    <p:tnLst>
-      <p:par>
-        <p:cTn id="1" dur="indefinite" restart="never" nodeType="tmRoot"/>
-      </p:par>
-    </p:tnLst>
-  </p:timing>
 </p:sld>
 </file>
 
-<file path=ppt/slides/slide15.xml><?xml version="1.0" encoding="utf-8"?>
+<file path=ppt/slides/slide2.xml><?xml version="1.0" encoding="utf-8"?>
+<p:sld xmlns:a="http://schemas.openxmlformats.org/drawingml/2006/main" xmlns:r="http://schemas.openxmlformats.org/officeDocument/2006/relationships" xmlns:p="http://schemas.openxmlformats.org/presentationml/2006/main">
+  <p:cSld>
+    <p:spTree>
+      <p:nvGrpSpPr>
+        <p:cNvPr id="1" name=""/>
+        <p:cNvGrpSpPr/>
+        <p:nvPr/>
+      </p:nvGrpSpPr>
+      <p:grpSpPr>
+        <a:xfrm>
+          <a:off x="0" y="0"/>
+          <a:ext cx="0" cy="0"/>
+          <a:chOff x="0" y="0"/>
+          <a:chExt cx="0" cy="0"/>
+        </a:xfrm>
+      </p:grpSpPr>
+      <p:sp>
+        <p:nvSpPr>
+          <p:cNvPr id="190466" name="Rectangle 2"/>
+          <p:cNvSpPr>
+            <a:spLocks noGrp="1" noChangeArrowheads="1"/>
+          </p:cNvSpPr>
+          <p:nvPr>
+            <p:ph type="title"/>
+          </p:nvPr>
+        </p:nvSpPr>
+        <p:spPr>
+          <a:xfrm>
+            <a:off x="762000" y="-76200"/>
+            <a:ext cx="7772400" cy="1143000"/>
+          </a:xfrm>
+        </p:spPr>
+        <p:txBody>
+          <a:bodyPr/>
+          <a:lstStyle/>
+          <a:p>
+            <a:r>
+              <a:rPr lang="de-DE" sz="3200" dirty="0">
+                <a:latin typeface="Candara" panose="020E0502030303020204" pitchFamily="34" charset="0"/>
+              </a:rPr>
+              <a:t>Lectures</a:t>
+            </a:r>
+            <a:endParaRPr lang="en-GB" sz="3200" dirty="0">
+              <a:latin typeface="Candara" panose="020E0502030303020204" pitchFamily="34" charset="0"/>
+            </a:endParaRPr>
+          </a:p>
+        </p:txBody>
+      </p:sp>
+      <p:sp>
+        <p:nvSpPr>
+          <p:cNvPr id="190467" name="Rectangle 3"/>
+          <p:cNvSpPr>
+            <a:spLocks noGrp="1" noChangeArrowheads="1"/>
+          </p:cNvSpPr>
+          <p:nvPr>
+            <p:ph type="body" idx="1"/>
+          </p:nvPr>
+        </p:nvSpPr>
+        <p:spPr>
+          <a:xfrm>
+            <a:off x="685800" y="838200"/>
+            <a:ext cx="7772400" cy="5486400"/>
+          </a:xfrm>
+        </p:spPr>
+        <p:txBody>
+          <a:bodyPr/>
+          <a:lstStyle/>
+          <a:p>
+            <a:pPr>
+              <a:lnSpc>
+                <a:spcPct val="90000"/>
+              </a:lnSpc>
+            </a:pPr>
+            <a:r>
+              <a:rPr lang="en-US" sz="2800" dirty="0">
+                <a:latin typeface="Candara" panose="020E0502030303020204" pitchFamily="34" charset="0"/>
+              </a:rPr>
+              <a:t>Science</a:t>
+            </a:r>
+          </a:p>
+          <a:p>
+            <a:pPr>
+              <a:lnSpc>
+                <a:spcPct val="90000"/>
+              </a:lnSpc>
+            </a:pPr>
+            <a:r>
+              <a:rPr lang="en-US" sz="2800" dirty="0">
+                <a:latin typeface="Candara" panose="020E0502030303020204" pitchFamily="34" charset="0"/>
+              </a:rPr>
+              <a:t>Scenarios &amp; emission reduction options</a:t>
+            </a:r>
+          </a:p>
+          <a:p>
+            <a:pPr>
+              <a:lnSpc>
+                <a:spcPct val="90000"/>
+              </a:lnSpc>
+            </a:pPr>
+            <a:r>
+              <a:rPr lang="en-US" sz="2800" dirty="0">
+                <a:latin typeface="Candara" panose="020E0502030303020204" pitchFamily="34" charset="0"/>
+              </a:rPr>
+              <a:t>Costs of emission reduction</a:t>
+            </a:r>
+          </a:p>
+          <a:p>
+            <a:pPr>
+              <a:lnSpc>
+                <a:spcPct val="90000"/>
+              </a:lnSpc>
+            </a:pPr>
+            <a:r>
+              <a:rPr lang="en-US" sz="2800" dirty="0">
+                <a:latin typeface="Candara" panose="020E0502030303020204" pitchFamily="34" charset="0"/>
+              </a:rPr>
+              <a:t>Instruments for emission reduction</a:t>
+            </a:r>
+          </a:p>
+          <a:p>
+            <a:pPr>
+              <a:lnSpc>
+                <a:spcPct val="90000"/>
+              </a:lnSpc>
+            </a:pPr>
+            <a:r>
+              <a:rPr lang="en-US" sz="2800" dirty="0">
+                <a:latin typeface="Candara" panose="020E0502030303020204" pitchFamily="34" charset="0"/>
+              </a:rPr>
+              <a:t>Impacts of climate change &amp; adaptation</a:t>
+            </a:r>
+          </a:p>
+          <a:p>
+            <a:pPr>
+              <a:lnSpc>
+                <a:spcPct val="90000"/>
+              </a:lnSpc>
+            </a:pPr>
+            <a:r>
+              <a:rPr lang="en-US" b="1" dirty="0">
+                <a:latin typeface="Candara" panose="020E0502030303020204" pitchFamily="34" charset="0"/>
+              </a:rPr>
+              <a:t>Economic impacts of climate change</a:t>
+            </a:r>
+          </a:p>
+          <a:p>
+            <a:pPr>
+              <a:lnSpc>
+                <a:spcPct val="90000"/>
+              </a:lnSpc>
+            </a:pPr>
+            <a:r>
+              <a:rPr lang="en-US" sz="2800" dirty="0">
+                <a:latin typeface="Candara" panose="020E0502030303020204" pitchFamily="34" charset="0"/>
+              </a:rPr>
+              <a:t>Climate and development</a:t>
+            </a:r>
+          </a:p>
+          <a:p>
+            <a:pPr>
+              <a:lnSpc>
+                <a:spcPct val="90000"/>
+              </a:lnSpc>
+            </a:pPr>
+            <a:r>
+              <a:rPr lang="en-US" sz="2800" dirty="0">
+                <a:latin typeface="Candara" panose="020E0502030303020204" pitchFamily="34" charset="0"/>
+              </a:rPr>
+              <a:t>Optimal emission reduction</a:t>
+            </a:r>
+          </a:p>
+          <a:p>
+            <a:pPr>
+              <a:lnSpc>
+                <a:spcPct val="90000"/>
+              </a:lnSpc>
+            </a:pPr>
+            <a:r>
+              <a:rPr lang="en-US" sz="2800" dirty="0">
+                <a:latin typeface="Candara" panose="020E0502030303020204" pitchFamily="34" charset="0"/>
+              </a:rPr>
+              <a:t>Discounting, uncertainty, equity</a:t>
+            </a:r>
+          </a:p>
+          <a:p>
+            <a:pPr>
+              <a:lnSpc>
+                <a:spcPct val="90000"/>
+              </a:lnSpc>
+            </a:pPr>
+            <a:r>
+              <a:rPr lang="en-US" sz="2800" dirty="0">
+                <a:latin typeface="Candara" panose="020E0502030303020204" pitchFamily="34" charset="0"/>
+              </a:rPr>
+              <a:t>International environmental agreements</a:t>
+            </a:r>
+          </a:p>
+        </p:txBody>
+      </p:sp>
+    </p:spTree>
+  </p:cSld>
+  <p:clrMapOvr>
+    <a:masterClrMapping/>
+  </p:clrMapOvr>
+  <mc:AlternateContent xmlns:mc="http://schemas.openxmlformats.org/markup-compatibility/2006" xmlns:p14="http://schemas.microsoft.com/office/powerpoint/2010/main">
+    <mc:Choice Requires="p14">
+      <p:transition spd="slow" p14:dur="2000" advTm="6530"/>
+    </mc:Choice>
+    <mc:Fallback xmlns="">
+      <p:transition spd="slow" advTm="6530"/>
+    </mc:Fallback>
+  </mc:AlternateContent>
+</p:sld>
+</file>
+
+<file path=ppt/slides/slide20.xml><?xml version="1.0" encoding="utf-8"?>
 <p:sld xmlns:a="http://schemas.openxmlformats.org/drawingml/2006/main" xmlns:r="http://schemas.openxmlformats.org/officeDocument/2006/relationships" xmlns:p="http://schemas.openxmlformats.org/presentationml/2006/main" showMasterPhAnim="0">
   <p:cSld>
     <p:spTree>
@@ -7784,7 +9995,7 @@
 </p:sld>
 </file>
 
-<file path=ppt/slides/slide16.xml><?xml version="1.0" encoding="utf-8"?>
+<file path=ppt/slides/slide21.xml><?xml version="1.0" encoding="utf-8"?>
 <p:sld xmlns:a="http://schemas.openxmlformats.org/drawingml/2006/main" xmlns:r="http://schemas.openxmlformats.org/officeDocument/2006/relationships" xmlns:p="http://schemas.openxmlformats.org/presentationml/2006/main">
   <p:cSld>
     <p:spTree>
@@ -7835,17 +10046,143 @@
   <p:clrMapOvr>
     <a:masterClrMapping/>
   </p:clrMapOvr>
-  <p:timing>
-    <p:tnLst>
-      <p:par>
-        <p:cTn id="1" dur="indefinite" restart="never" nodeType="tmRoot"/>
-      </p:par>
-    </p:tnLst>
-  </p:timing>
 </p:sld>
 </file>
 
-<file path=ppt/slides/slide17.xml><?xml version="1.0" encoding="utf-8"?>
+<file path=ppt/slides/slide22.xml><?xml version="1.0" encoding="utf-8"?>
+<p:sld xmlns:a="http://schemas.openxmlformats.org/drawingml/2006/main" xmlns:r="http://schemas.openxmlformats.org/officeDocument/2006/relationships" xmlns:p="http://schemas.openxmlformats.org/presentationml/2006/main">
+  <p:cSld>
+    <p:spTree>
+      <p:nvGrpSpPr>
+        <p:cNvPr id="1" name=""/>
+        <p:cNvGrpSpPr/>
+        <p:nvPr/>
+      </p:nvGrpSpPr>
+      <p:grpSpPr>
+        <a:xfrm>
+          <a:off x="0" y="0"/>
+          <a:ext cx="0" cy="0"/>
+          <a:chOff x="0" y="0"/>
+          <a:chExt cx="0" cy="0"/>
+        </a:xfrm>
+      </p:grpSpPr>
+      <p:sp>
+        <p:nvSpPr>
+          <p:cNvPr id="7170" name="Rectangle 2"/>
+          <p:cNvSpPr>
+            <a:spLocks noGrp="1" noChangeArrowheads="1"/>
+          </p:cNvSpPr>
+          <p:nvPr>
+            <p:ph type="title"/>
+          </p:nvPr>
+        </p:nvSpPr>
+        <p:spPr>
+          <a:xfrm>
+            <a:off x="685800" y="152400"/>
+            <a:ext cx="7772400" cy="1143000"/>
+          </a:xfrm>
+        </p:spPr>
+        <p:txBody>
+          <a:bodyPr/>
+          <a:lstStyle/>
+          <a:p>
+            <a:pPr eaLnBrk="1" hangingPunct="1"/>
+            <a:r>
+              <a:rPr lang="de-DE" sz="4000" dirty="0">
+                <a:latin typeface="Candara" panose="020E0502030303020204" pitchFamily="34" charset="0"/>
+              </a:rPr>
+              <a:t>Economic impacts</a:t>
+            </a:r>
+            <a:endParaRPr lang="en-GB" sz="4000" dirty="0">
+              <a:latin typeface="Candara" panose="020E0502030303020204" pitchFamily="34" charset="0"/>
+            </a:endParaRPr>
+          </a:p>
+        </p:txBody>
+      </p:sp>
+      <p:sp>
+        <p:nvSpPr>
+          <p:cNvPr id="7171" name="Rectangle 3"/>
+          <p:cNvSpPr>
+            <a:spLocks noGrp="1" noChangeArrowheads="1"/>
+          </p:cNvSpPr>
+          <p:nvPr>
+            <p:ph type="body" idx="1"/>
+          </p:nvPr>
+        </p:nvSpPr>
+        <p:spPr>
+          <a:xfrm>
+            <a:off x="685800" y="1447800"/>
+            <a:ext cx="7772400" cy="4114800"/>
+          </a:xfrm>
+        </p:spPr>
+        <p:txBody>
+          <a:bodyPr/>
+          <a:lstStyle/>
+          <a:p>
+            <a:r>
+              <a:rPr lang="de-DE" sz="2800" dirty="0">
+                <a:latin typeface="Candara" panose="020E0502030303020204" pitchFamily="34" charset="0"/>
+              </a:rPr>
+              <a:t>Methods for estimating total welfare impact</a:t>
+            </a:r>
+          </a:p>
+          <a:p>
+            <a:pPr lvl="1"/>
+            <a:r>
+              <a:rPr lang="de-DE" sz="2400" dirty="0">
+                <a:latin typeface="Candara" panose="020E0502030303020204" pitchFamily="34" charset="0"/>
+              </a:rPr>
+              <a:t>Benefit transfer</a:t>
+            </a:r>
+          </a:p>
+          <a:p>
+            <a:r>
+              <a:rPr lang="de-DE" sz="2800" dirty="0">
+                <a:latin typeface="Candara" panose="020E0502030303020204" pitchFamily="34" charset="0"/>
+              </a:rPr>
+              <a:t>Results and caveats</a:t>
+            </a:r>
+          </a:p>
+          <a:p>
+            <a:r>
+              <a:rPr lang="de-DE" sz="2800" b="1" dirty="0">
+                <a:latin typeface="Candara" panose="020E0502030303020204" pitchFamily="34" charset="0"/>
+              </a:rPr>
+              <a:t>Climate v weather</a:t>
+            </a:r>
+          </a:p>
+          <a:p>
+            <a:r>
+              <a:rPr lang="de-DE" sz="2800" dirty="0">
+                <a:latin typeface="Candara" panose="020E0502030303020204" pitchFamily="34" charset="0"/>
+              </a:rPr>
+              <a:t>Social cost of carbon</a:t>
+            </a:r>
+          </a:p>
+          <a:p>
+            <a:r>
+              <a:rPr lang="de-DE" sz="2800" dirty="0">
+                <a:latin typeface="Candara" panose="020E0502030303020204" pitchFamily="34" charset="0"/>
+              </a:rPr>
+              <a:t>Distribution of impacts</a:t>
+            </a:r>
+          </a:p>
+        </p:txBody>
+      </p:sp>
+    </p:spTree>
+    <p:extLst>
+      <p:ext uri="{BB962C8B-B14F-4D97-AF65-F5344CB8AC3E}">
+        <p14:creationId xmlns:p14="http://schemas.microsoft.com/office/powerpoint/2010/main" val="1188021667"/>
+      </p:ext>
+    </p:extLst>
+  </p:cSld>
+  <p:clrMapOvr>
+    <a:masterClrMapping/>
+  </p:clrMapOvr>
+</p:sld>
+</file>
+
+<file path=ppt/slides/slide23.xml><?xml version="1.0" encoding="utf-8"?>
 <p:sld xmlns:a="http://schemas.openxmlformats.org/drawingml/2006/main" xmlns:r="http://schemas.openxmlformats.org/officeDocument/2006/relationships" xmlns:p="http://schemas.openxmlformats.org/presentationml/2006/main">
   <p:cSld>
     <p:spTree>
@@ -7867,7 +10204,7 @@
           <p:cNvPr id="5" name="Picture 4" descr="A screenshot of a cell phone&#10;&#10;Description automatically generated">
             <a:extLst>
               <a:ext uri="{FF2B5EF4-FFF2-40B4-BE49-F238E27FC236}">
-                <a16:creationId xmlns:a16="http://schemas.microsoft.com/office/drawing/2014/main" xmlns="" id="{F4730598-385E-4F3D-A94E-71B92AA77912}"/>
+                <a16:creationId xmlns:a16="http://schemas.microsoft.com/office/drawing/2014/main" id="{F4730598-385E-4F3D-A94E-71B92AA77912}"/>
               </a:ext>
             </a:extLst>
           </p:cNvPr>
@@ -7903,7 +10240,7 @@
           <p:cNvPr id="7" name="Picture 6" descr="A person in a library&#10;&#10;Description automatically generated">
             <a:extLst>
               <a:ext uri="{FF2B5EF4-FFF2-40B4-BE49-F238E27FC236}">
-                <a16:creationId xmlns:a16="http://schemas.microsoft.com/office/drawing/2014/main" xmlns="" id="{AC303AD5-CDAA-49A7-B4CB-51EC94E119B8}"/>
+                <a16:creationId xmlns:a16="http://schemas.microsoft.com/office/drawing/2014/main" id="{AC303AD5-CDAA-49A7-B4CB-51EC94E119B8}"/>
               </a:ext>
             </a:extLst>
           </p:cNvPr>
@@ -7939,7 +10276,7 @@
           <p:cNvPr id="11" name="Picture 10" descr="A person smiling for the camera&#10;&#10;Description automatically generated">
             <a:extLst>
               <a:ext uri="{FF2B5EF4-FFF2-40B4-BE49-F238E27FC236}">
-                <a16:creationId xmlns:a16="http://schemas.microsoft.com/office/drawing/2014/main" xmlns="" id="{06EF8DF9-29AB-434A-AF26-D09D64EB4284}"/>
+                <a16:creationId xmlns:a16="http://schemas.microsoft.com/office/drawing/2014/main" id="{06EF8DF9-29AB-434A-AF26-D09D64EB4284}"/>
               </a:ext>
             </a:extLst>
           </p:cNvPr>
@@ -7980,17 +10317,10 @@
   <p:clrMapOvr>
     <a:masterClrMapping/>
   </p:clrMapOvr>
-  <p:timing>
-    <p:tnLst>
-      <p:par>
-        <p:cTn id="1" dur="indefinite" restart="never" nodeType="tmRoot"/>
-      </p:par>
-    </p:tnLst>
-  </p:timing>
 </p:sld>
 </file>
 
-<file path=ppt/slides/slide18.xml><?xml version="1.0" encoding="utf-8"?>
+<file path=ppt/slides/slide24.xml><?xml version="1.0" encoding="utf-8"?>
 <p:sld xmlns:a="http://schemas.openxmlformats.org/drawingml/2006/main" xmlns:r="http://schemas.openxmlformats.org/officeDocument/2006/relationships" xmlns:p="http://schemas.openxmlformats.org/presentationml/2006/main" showMasterPhAnim="0">
   <p:cSld>
     <p:spTree>
@@ -8138,17 +10468,10 @@
   <p:clrMapOvr>
     <a:masterClrMapping/>
   </p:clrMapOvr>
-  <p:timing>
-    <p:tnLst>
-      <p:par>
-        <p:cTn id="1" dur="indefinite" restart="never" nodeType="tmRoot"/>
-      </p:par>
-    </p:tnLst>
-  </p:timing>
 </p:sld>
 </file>
 
-<file path=ppt/slides/slide19.xml><?xml version="1.0" encoding="utf-8"?>
+<file path=ppt/slides/slide25.xml><?xml version="1.0" encoding="utf-8"?>
 <p:sld xmlns:a="http://schemas.openxmlformats.org/drawingml/2006/main" xmlns:r="http://schemas.openxmlformats.org/officeDocument/2006/relationships" xmlns:p="http://schemas.openxmlformats.org/presentationml/2006/main" showMasterPhAnim="0">
   <p:cSld>
     <p:spTree>
@@ -8371,17 +10694,10 @@
   <p:clrMapOvr>
     <a:masterClrMapping/>
   </p:clrMapOvr>
-  <p:timing>
-    <p:tnLst>
-      <p:par>
-        <p:cTn id="1" dur="indefinite" restart="never" nodeType="tmRoot"/>
-      </p:par>
-    </p:tnLst>
-  </p:timing>
 </p:sld>
 </file>
 
-<file path=ppt/slides/slide2.xml><?xml version="1.0" encoding="utf-8"?>
+<file path=ppt/slides/slide26.xml><?xml version="1.0" encoding="utf-8"?>
 <p:sld xmlns:a="http://schemas.openxmlformats.org/drawingml/2006/main" xmlns:r="http://schemas.openxmlformats.org/officeDocument/2006/relationships" xmlns:p="http://schemas.openxmlformats.org/presentationml/2006/main">
   <p:cSld>
     <p:spTree>
@@ -8400,7 +10716,7 @@
       </p:grpSpPr>
       <p:sp>
         <p:nvSpPr>
-          <p:cNvPr id="190466" name="Rectangle 2"/>
+          <p:cNvPr id="7170" name="Rectangle 2"/>
           <p:cNvSpPr>
             <a:spLocks noGrp="1" noChangeArrowheads="1"/>
           </p:cNvSpPr>
@@ -8410,7 +10726,7 @@
         </p:nvSpPr>
         <p:spPr>
           <a:xfrm>
-            <a:off x="762000" y="-76200"/>
+            <a:off x="685800" y="152400"/>
             <a:ext cx="7772400" cy="1143000"/>
           </a:xfrm>
         </p:spPr>
@@ -8418,13 +10734,14 @@
           <a:bodyPr/>
           <a:lstStyle/>
           <a:p>
-            <a:r>
-              <a:rPr lang="de-DE" sz="3200" dirty="0">
-                <a:latin typeface="Candara" panose="020E0502030303020204" pitchFamily="34" charset="0"/>
-              </a:rPr>
-              <a:t>Lectures</a:t>
-            </a:r>
-            <a:endParaRPr lang="en-GB" sz="3200" dirty="0">
+            <a:pPr eaLnBrk="1" hangingPunct="1"/>
+            <a:r>
+              <a:rPr lang="de-DE" sz="4000" dirty="0">
+                <a:latin typeface="Candara" panose="020E0502030303020204" pitchFamily="34" charset="0"/>
+              </a:rPr>
+              <a:t>Economic impacts</a:t>
+            </a:r>
+            <a:endParaRPr lang="en-GB" sz="4000" dirty="0">
               <a:latin typeface="Candara" panose="020E0502030303020204" pitchFamily="34" charset="0"/>
             </a:endParaRPr>
           </a:p>
@@ -8432,7 +10749,7 @@
       </p:sp>
       <p:sp>
         <p:nvSpPr>
-          <p:cNvPr id="190467" name="Rectangle 3"/>
+          <p:cNvPr id="7171" name="Rectangle 3"/>
           <p:cNvSpPr>
             <a:spLocks noGrp="1" noChangeArrowheads="1"/>
           </p:cNvSpPr>
@@ -8442,182 +10759,78 @@
         </p:nvSpPr>
         <p:spPr>
           <a:xfrm>
-            <a:off x="685800" y="838200"/>
-            <a:ext cx="7772400" cy="5486400"/>
+            <a:off x="685800" y="1447800"/>
+            <a:ext cx="7772400" cy="4114800"/>
           </a:xfrm>
         </p:spPr>
         <p:txBody>
           <a:bodyPr/>
           <a:lstStyle/>
           <a:p>
-            <a:pPr>
-              <a:lnSpc>
-                <a:spcPct val="90000"/>
-              </a:lnSpc>
-            </a:pPr>
-            <a:r>
-              <a:rPr lang="en-US" sz="2800" dirty="0">
-                <a:latin typeface="Candara" panose="020E0502030303020204" pitchFamily="34" charset="0"/>
-              </a:rPr>
-              <a:t>Science</a:t>
-            </a:r>
-          </a:p>
-          <a:p>
-            <a:pPr>
-              <a:lnSpc>
-                <a:spcPct val="90000"/>
-              </a:lnSpc>
-            </a:pPr>
-            <a:r>
-              <a:rPr lang="en-US" sz="2800" dirty="0">
-                <a:latin typeface="Candara" panose="020E0502030303020204" pitchFamily="34" charset="0"/>
-              </a:rPr>
-              <a:t>Scenarios &amp; emission reduction options</a:t>
-            </a:r>
-          </a:p>
-          <a:p>
-            <a:pPr>
-              <a:lnSpc>
-                <a:spcPct val="90000"/>
-              </a:lnSpc>
-            </a:pPr>
-            <a:r>
-              <a:rPr lang="en-US" sz="2800" dirty="0">
-                <a:latin typeface="Candara" panose="020E0502030303020204" pitchFamily="34" charset="0"/>
-              </a:rPr>
-              <a:t>Costs of emission reduction</a:t>
-            </a:r>
-          </a:p>
-          <a:p>
-            <a:pPr>
-              <a:lnSpc>
-                <a:spcPct val="90000"/>
-              </a:lnSpc>
-            </a:pPr>
-            <a:r>
-              <a:rPr lang="en-US" sz="2800" dirty="0">
-                <a:latin typeface="Candara" panose="020E0502030303020204" pitchFamily="34" charset="0"/>
-              </a:rPr>
-              <a:t>Instruments for emission reduction</a:t>
-            </a:r>
-          </a:p>
-          <a:p>
-            <a:pPr>
-              <a:lnSpc>
-                <a:spcPct val="90000"/>
-              </a:lnSpc>
-            </a:pPr>
-            <a:r>
-              <a:rPr lang="en-US" sz="2800" dirty="0">
-                <a:latin typeface="Candara" panose="020E0502030303020204" pitchFamily="34" charset="0"/>
-              </a:rPr>
-              <a:t>Impacts of climate change &amp; valuation</a:t>
-            </a:r>
-          </a:p>
-          <a:p>
-            <a:pPr>
-              <a:lnSpc>
-                <a:spcPct val="90000"/>
-              </a:lnSpc>
-            </a:pPr>
-            <a:r>
-              <a:rPr lang="en-US" b="1" dirty="0">
-                <a:latin typeface="Candara" panose="020E0502030303020204" pitchFamily="34" charset="0"/>
-              </a:rPr>
-              <a:t>Economic impacts of climate change</a:t>
-            </a:r>
-          </a:p>
-          <a:p>
-            <a:pPr>
-              <a:lnSpc>
-                <a:spcPct val="90000"/>
-              </a:lnSpc>
-            </a:pPr>
-            <a:r>
-              <a:rPr lang="en-US" sz="2800" dirty="0">
-                <a:latin typeface="Candara" panose="020E0502030303020204" pitchFamily="34" charset="0"/>
-              </a:rPr>
-              <a:t>Climate and development</a:t>
-            </a:r>
-          </a:p>
-          <a:p>
-            <a:pPr>
-              <a:lnSpc>
-                <a:spcPct val="90000"/>
-              </a:lnSpc>
-            </a:pPr>
-            <a:r>
-              <a:rPr lang="en-US" sz="2800" strike="sngStrike" dirty="0">
-                <a:latin typeface="Candara" panose="020E0502030303020204" pitchFamily="34" charset="0"/>
-              </a:rPr>
-              <a:t>Adaptation policy</a:t>
-            </a:r>
-          </a:p>
-          <a:p>
-            <a:pPr>
-              <a:lnSpc>
-                <a:spcPct val="90000"/>
-              </a:lnSpc>
-            </a:pPr>
-            <a:r>
-              <a:rPr lang="en-US" sz="2800" dirty="0">
-                <a:latin typeface="Candara" panose="020E0502030303020204" pitchFamily="34" charset="0"/>
-              </a:rPr>
-              <a:t>Optimal emission reduction</a:t>
-            </a:r>
-          </a:p>
-          <a:p>
-            <a:pPr>
-              <a:lnSpc>
-                <a:spcPct val="90000"/>
-              </a:lnSpc>
-            </a:pPr>
-            <a:r>
-              <a:rPr lang="en-US" sz="2800" dirty="0">
-                <a:latin typeface="Candara" panose="020E0502030303020204" pitchFamily="34" charset="0"/>
-              </a:rPr>
-              <a:t>Discounting, uncertainty, equity</a:t>
-            </a:r>
-          </a:p>
-          <a:p>
-            <a:pPr>
-              <a:lnSpc>
-                <a:spcPct val="90000"/>
-              </a:lnSpc>
-            </a:pPr>
-            <a:r>
-              <a:rPr lang="en-US" sz="2800" dirty="0">
-                <a:latin typeface="Candara" panose="020E0502030303020204" pitchFamily="34" charset="0"/>
-              </a:rPr>
-              <a:t>International environmental agreements</a:t>
+            <a:r>
+              <a:rPr lang="de-DE" sz="2800" dirty="0">
+                <a:latin typeface="Candara" panose="020E0502030303020204" pitchFamily="34" charset="0"/>
+              </a:rPr>
+              <a:t>Methods for estimating total welfare impact</a:t>
+            </a:r>
+          </a:p>
+          <a:p>
+            <a:pPr lvl="1"/>
+            <a:r>
+              <a:rPr lang="de-DE" sz="2400" dirty="0">
+                <a:latin typeface="Candara" panose="020E0502030303020204" pitchFamily="34" charset="0"/>
+              </a:rPr>
+              <a:t>Benefit transfer</a:t>
+            </a:r>
+          </a:p>
+          <a:p>
+            <a:r>
+              <a:rPr lang="de-DE" sz="2800" dirty="0">
+                <a:latin typeface="Candara" panose="020E0502030303020204" pitchFamily="34" charset="0"/>
+              </a:rPr>
+              <a:t>Results and caveats</a:t>
+            </a:r>
+          </a:p>
+          <a:p>
+            <a:r>
+              <a:rPr lang="de-DE" sz="2800" dirty="0">
+                <a:latin typeface="Candara" panose="020E0502030303020204" pitchFamily="34" charset="0"/>
+              </a:rPr>
+              <a:t>Climate v weather</a:t>
+            </a:r>
+          </a:p>
+          <a:p>
+            <a:r>
+              <a:rPr lang="de-DE" sz="2800" b="1" dirty="0">
+                <a:latin typeface="Candara" panose="020E0502030303020204" pitchFamily="34" charset="0"/>
+              </a:rPr>
+              <a:t>Social cost of carbon</a:t>
+            </a:r>
+          </a:p>
+          <a:p>
+            <a:r>
+              <a:rPr lang="de-DE" sz="2800" dirty="0">
+                <a:latin typeface="Candara" panose="020E0502030303020204" pitchFamily="34" charset="0"/>
+              </a:rPr>
+              <a:t>Distribution of impacts</a:t>
             </a:r>
           </a:p>
         </p:txBody>
       </p:sp>
     </p:spTree>
+    <p:extLst>
+      <p:ext uri="{BB962C8B-B14F-4D97-AF65-F5344CB8AC3E}">
+        <p14:creationId xmlns:p14="http://schemas.microsoft.com/office/powerpoint/2010/main" val="2921105328"/>
+      </p:ext>
+    </p:extLst>
   </p:cSld>
   <p:clrMapOvr>
     <a:masterClrMapping/>
   </p:clrMapOvr>
-  <mc:AlternateContent xmlns:mc="http://schemas.openxmlformats.org/markup-compatibility/2006" xmlns:p14="http://schemas.microsoft.com/office/powerpoint/2010/main">
-    <mc:Choice Requires="p14">
-      <p:transition spd="slow" p14:dur="2000" advTm="6530"/>
-    </mc:Choice>
-    <mc:Fallback xmlns="">
-      <p:transition spd="slow" advTm="6530"/>
-    </mc:Fallback>
-  </mc:AlternateContent>
-  <p:timing>
-    <p:tnLst>
-      <p:par>
-        <p:cTn id="1" dur="indefinite" restart="never" nodeType="tmRoot"/>
-      </p:par>
-    </p:tnLst>
-  </p:timing>
 </p:sld>
 </file>
 
-<file path=ppt/slides/slide20.xml><?xml version="1.0" encoding="utf-8"?>
+<file path=ppt/slides/slide27.xml><?xml version="1.0" encoding="utf-8"?>
 <p:sld xmlns:a="http://schemas.openxmlformats.org/drawingml/2006/main" xmlns:r="http://schemas.openxmlformats.org/officeDocument/2006/relationships" xmlns:p="http://schemas.openxmlformats.org/presentationml/2006/main" showMasterPhAnim="0">
   <p:cSld>
     <p:spTree>
@@ -8790,17 +11003,10 @@
   <p:clrMapOvr>
     <a:masterClrMapping/>
   </p:clrMapOvr>
-  <p:timing>
-    <p:tnLst>
-      <p:par>
-        <p:cTn id="1" dur="indefinite" restart="never" nodeType="tmRoot"/>
-      </p:par>
-    </p:tnLst>
-  </p:timing>
 </p:sld>
 </file>
 
-<file path=ppt/slides/slide21.xml><?xml version="1.0" encoding="utf-8"?>
+<file path=ppt/slides/slide28.xml><?xml version="1.0" encoding="utf-8"?>
 <p:sld xmlns:a="http://schemas.openxmlformats.org/drawingml/2006/main" xmlns:r="http://schemas.openxmlformats.org/officeDocument/2006/relationships" xmlns:p="http://schemas.openxmlformats.org/presentationml/2006/main" showMasterPhAnim="0">
   <p:cSld>
     <p:spTree>
@@ -8839,7 +11045,7 @@
           <a:p>
             <a:pPr eaLnBrk="1" hangingPunct="1"/>
             <a:r>
-              <a:rPr lang="en-US" sz="3600" dirty="0" smtClean="0">
+              <a:rPr lang="en-US" sz="3600" dirty="0">
                 <a:latin typeface="Candara" panose="020E0502030303020204" pitchFamily="34" charset="0"/>
               </a:rPr>
               <a:t>Social cost of carbon</a:t>
@@ -8872,7 +11078,7 @@
           <a:p>
             <a:pPr eaLnBrk="1" hangingPunct="1"/>
             <a:r>
-              <a:rPr lang="en-GB" sz="2800" dirty="0" smtClean="0">
+              <a:rPr lang="en-GB" sz="2800" dirty="0">
                 <a:latin typeface="Candara" panose="020E0502030303020204" pitchFamily="34" charset="0"/>
               </a:rPr>
               <a:t>27 estimates of the total impact of climate change, 2789 estimates of its first partial derivative</a:t>
@@ -8881,7 +11087,7 @@
           <a:p>
             <a:pPr eaLnBrk="1" hangingPunct="1"/>
             <a:r>
-              <a:rPr lang="en-GB" sz="2800" dirty="0" smtClean="0">
+              <a:rPr lang="en-GB" sz="2800" dirty="0">
                 <a:latin typeface="Candara" panose="020E0502030303020204" pitchFamily="34" charset="0"/>
               </a:rPr>
               <a:t>Proliferation of estimates because</a:t>
@@ -8890,7 +11096,7 @@
           <a:p>
             <a:pPr lvl="1" eaLnBrk="1" hangingPunct="1"/>
             <a:r>
-              <a:rPr lang="en-GB" sz="2400" dirty="0" smtClean="0">
+              <a:rPr lang="en-GB" sz="2400" dirty="0">
                 <a:latin typeface="Candara" panose="020E0502030303020204" pitchFamily="34" charset="0"/>
               </a:rPr>
               <a:t>Total impact used to calibrate different impact curves</a:t>
@@ -8899,7 +11105,21 @@
           <a:p>
             <a:pPr lvl="1" eaLnBrk="1" hangingPunct="1"/>
             <a:r>
-              <a:rPr lang="en-GB" sz="2400" dirty="0" smtClean="0">
+              <a:rPr lang="en-GB" sz="2400" dirty="0">
+                <a:latin typeface="Candara" panose="020E0502030303020204" pitchFamily="34" charset="0"/>
+              </a:rPr>
+              <a:t>Different scenarios</a:t>
+            </a:r>
+          </a:p>
+          <a:p>
+            <a:pPr lvl="1" eaLnBrk="1" hangingPunct="1"/>
+            <a:r>
+              <a:rPr lang="en-GB" sz="2400" dirty="0">
+                <a:solidFill>
+                  <a:schemeClr val="bg1">
+                    <a:lumMod val="50000"/>
+                  </a:schemeClr>
+                </a:solidFill>
                 <a:latin typeface="Candara" panose="020E0502030303020204" pitchFamily="34" charset="0"/>
               </a:rPr>
               <a:t>Different climate models</a:t>
@@ -8908,7 +11128,12 @@
           <a:p>
             <a:pPr lvl="1" eaLnBrk="1" hangingPunct="1"/>
             <a:r>
-              <a:rPr lang="en-GB" sz="2400" dirty="0" smtClean="0">
+              <a:rPr lang="en-GB" sz="2400" dirty="0">
+                <a:solidFill>
+                  <a:schemeClr val="bg1">
+                    <a:lumMod val="50000"/>
+                  </a:schemeClr>
+                </a:solidFill>
                 <a:latin typeface="Candara" panose="020E0502030303020204" pitchFamily="34" charset="0"/>
               </a:rPr>
               <a:t>Different carbon cycle models</a:t>
@@ -8917,7 +11142,12 @@
           <a:p>
             <a:pPr lvl="1" eaLnBrk="1" hangingPunct="1"/>
             <a:r>
-              <a:rPr lang="en-GB" sz="2400" dirty="0" smtClean="0">
+              <a:rPr lang="en-GB" sz="2400" dirty="0">
+                <a:solidFill>
+                  <a:schemeClr val="bg1">
+                    <a:lumMod val="50000"/>
+                  </a:schemeClr>
+                </a:solidFill>
                 <a:latin typeface="Candara" panose="020E0502030303020204" pitchFamily="34" charset="0"/>
               </a:rPr>
               <a:t>Total impact hides regional, sectoral detail</a:t>
@@ -8926,14 +11156,16 @@
           <a:p>
             <a:pPr lvl="1" eaLnBrk="1" hangingPunct="1"/>
             <a:r>
-              <a:rPr lang="en-GB" sz="2400" dirty="0" smtClean="0">
+              <a:rPr lang="en-GB" sz="2400" dirty="0">
+                <a:solidFill>
+                  <a:schemeClr val="bg1">
+                    <a:lumMod val="50000"/>
+                  </a:schemeClr>
+                </a:solidFill>
                 <a:latin typeface="Candara" panose="020E0502030303020204" pitchFamily="34" charset="0"/>
               </a:rPr>
               <a:t>Different views on how to aggregate over time, space and risk</a:t>
             </a:r>
-            <a:endParaRPr lang="en-GB" sz="2400" dirty="0">
-              <a:latin typeface="Candara" panose="020E0502030303020204" pitchFamily="34" charset="0"/>
-            </a:endParaRPr>
           </a:p>
         </p:txBody>
       </p:sp>
@@ -8981,17 +11213,10 @@
   <p:clrMapOvr>
     <a:masterClrMapping/>
   </p:clrMapOvr>
-  <p:timing>
-    <p:tnLst>
-      <p:par>
-        <p:cTn id="1" dur="indefinite" restart="never" nodeType="tmRoot"/>
-      </p:par>
-    </p:tnLst>
-  </p:timing>
 </p:sld>
 </file>
 
-<file path=ppt/slides/slide22.xml><?xml version="1.0" encoding="utf-8"?>
+<file path=ppt/slides/slide29.xml><?xml version="1.0" encoding="utf-8"?>
 <p:sld xmlns:a="http://schemas.openxmlformats.org/drawingml/2006/main" xmlns:r="http://schemas.openxmlformats.org/officeDocument/2006/relationships" xmlns:p="http://schemas.openxmlformats.org/presentationml/2006/main">
   <p:cSld>
     <p:spTree>
@@ -9008,6 +11233,395 @@
           <a:chExt cx="0" cy="0"/>
         </a:xfrm>
       </p:grpSpPr>
+      <p:pic>
+        <p:nvPicPr>
+          <p:cNvPr id="3" name="Picture 2" descr="Chart, line chart&#10;&#10;Description automatically generated">
+            <a:extLst>
+              <a:ext uri="{FF2B5EF4-FFF2-40B4-BE49-F238E27FC236}">
+                <a16:creationId xmlns:a16="http://schemas.microsoft.com/office/drawing/2014/main" id="{353E7BB8-8586-4519-9A73-5018CF73AEF8}"/>
+              </a:ext>
+            </a:extLst>
+          </p:cNvPr>
+          <p:cNvPicPr>
+            <a:picLocks noChangeAspect="1"/>
+          </p:cNvPicPr>
+          <p:nvPr/>
+        </p:nvPicPr>
+        <p:blipFill>
+          <a:blip r:embed="rId2">
+            <a:extLst>
+              <a:ext uri="{28A0092B-C50C-407E-A947-70E740481C1C}">
+                <a14:useLocalDpi xmlns:a14="http://schemas.microsoft.com/office/drawing/2010/main" val="0"/>
+              </a:ext>
+            </a:extLst>
+          </a:blip>
+          <a:stretch>
+            <a:fillRect/>
+          </a:stretch>
+        </p:blipFill>
+        <p:spPr>
+          <a:xfrm>
+            <a:off x="0" y="0"/>
+            <a:ext cx="9144000" cy="5968168"/>
+          </a:xfrm>
+          <a:prstGeom prst="rect">
+            <a:avLst/>
+          </a:prstGeom>
+        </p:spPr>
+      </p:pic>
+    </p:spTree>
+    <p:extLst>
+      <p:ext uri="{BB962C8B-B14F-4D97-AF65-F5344CB8AC3E}">
+        <p14:creationId xmlns:p14="http://schemas.microsoft.com/office/powerpoint/2010/main" val="728015538"/>
+      </p:ext>
+    </p:extLst>
+  </p:cSld>
+  <p:clrMapOvr>
+    <a:masterClrMapping/>
+  </p:clrMapOvr>
+</p:sld>
+</file>
+
+<file path=ppt/slides/slide3.xml><?xml version="1.0" encoding="utf-8"?>
+<p:sld xmlns:a="http://schemas.openxmlformats.org/drawingml/2006/main" xmlns:r="http://schemas.openxmlformats.org/officeDocument/2006/relationships" xmlns:p="http://schemas.openxmlformats.org/presentationml/2006/main">
+  <p:cSld>
+    <p:spTree>
+      <p:nvGrpSpPr>
+        <p:cNvPr id="1" name=""/>
+        <p:cNvGrpSpPr/>
+        <p:nvPr/>
+      </p:nvGrpSpPr>
+      <p:grpSpPr>
+        <a:xfrm>
+          <a:off x="0" y="0"/>
+          <a:ext cx="0" cy="0"/>
+          <a:chOff x="0" y="0"/>
+          <a:chExt cx="0" cy="0"/>
+        </a:xfrm>
+      </p:grpSpPr>
+      <p:sp>
+        <p:nvSpPr>
+          <p:cNvPr id="7170" name="Rectangle 2"/>
+          <p:cNvSpPr>
+            <a:spLocks noGrp="1" noChangeArrowheads="1"/>
+          </p:cNvSpPr>
+          <p:nvPr>
+            <p:ph type="title"/>
+          </p:nvPr>
+        </p:nvSpPr>
+        <p:spPr>
+          <a:xfrm>
+            <a:off x="685800" y="152400"/>
+            <a:ext cx="7772400" cy="1143000"/>
+          </a:xfrm>
+        </p:spPr>
+        <p:txBody>
+          <a:bodyPr/>
+          <a:lstStyle/>
+          <a:p>
+            <a:pPr eaLnBrk="1" hangingPunct="1"/>
+            <a:r>
+              <a:rPr lang="de-DE" sz="4000" dirty="0">
+                <a:latin typeface="Candara" panose="020E0502030303020204" pitchFamily="34" charset="0"/>
+              </a:rPr>
+              <a:t>Economic impacts</a:t>
+            </a:r>
+            <a:endParaRPr lang="en-GB" sz="4000" dirty="0">
+              <a:latin typeface="Candara" panose="020E0502030303020204" pitchFamily="34" charset="0"/>
+            </a:endParaRPr>
+          </a:p>
+        </p:txBody>
+      </p:sp>
+      <p:sp>
+        <p:nvSpPr>
+          <p:cNvPr id="7171" name="Rectangle 3"/>
+          <p:cNvSpPr>
+            <a:spLocks noGrp="1" noChangeArrowheads="1"/>
+          </p:cNvSpPr>
+          <p:nvPr>
+            <p:ph type="body" idx="1"/>
+          </p:nvPr>
+        </p:nvSpPr>
+        <p:spPr>
+          <a:xfrm>
+            <a:off x="685800" y="1447800"/>
+            <a:ext cx="7772400" cy="4114800"/>
+          </a:xfrm>
+        </p:spPr>
+        <p:txBody>
+          <a:bodyPr/>
+          <a:lstStyle/>
+          <a:p>
+            <a:r>
+              <a:rPr lang="de-DE" sz="2800" b="1" dirty="0">
+                <a:latin typeface="Candara" panose="020E0502030303020204" pitchFamily="34" charset="0"/>
+              </a:rPr>
+              <a:t>Methods for estimating total welfare impact</a:t>
+            </a:r>
+          </a:p>
+          <a:p>
+            <a:pPr lvl="1"/>
+            <a:r>
+              <a:rPr lang="de-DE" sz="2400" dirty="0">
+                <a:latin typeface="Candara" panose="020E0502030303020204" pitchFamily="34" charset="0"/>
+              </a:rPr>
+              <a:t>Benefit transfer</a:t>
+            </a:r>
+          </a:p>
+          <a:p>
+            <a:r>
+              <a:rPr lang="de-DE" sz="2800" dirty="0">
+                <a:latin typeface="Candara" panose="020E0502030303020204" pitchFamily="34" charset="0"/>
+              </a:rPr>
+              <a:t>Results and caveats</a:t>
+            </a:r>
+          </a:p>
+          <a:p>
+            <a:r>
+              <a:rPr lang="de-DE" sz="2800" dirty="0">
+                <a:latin typeface="Candara" panose="020E0502030303020204" pitchFamily="34" charset="0"/>
+              </a:rPr>
+              <a:t>Climate v weather</a:t>
+            </a:r>
+          </a:p>
+          <a:p>
+            <a:r>
+              <a:rPr lang="de-DE" sz="2800" dirty="0">
+                <a:latin typeface="Candara" panose="020E0502030303020204" pitchFamily="34" charset="0"/>
+              </a:rPr>
+              <a:t>Social cost of carbon</a:t>
+            </a:r>
+          </a:p>
+          <a:p>
+            <a:r>
+              <a:rPr lang="de-DE" sz="2800" dirty="0">
+                <a:latin typeface="Candara" panose="020E0502030303020204" pitchFamily="34" charset="0"/>
+              </a:rPr>
+              <a:t>Distribution of impacts</a:t>
+            </a:r>
+          </a:p>
+        </p:txBody>
+      </p:sp>
+    </p:spTree>
+    <p:extLst>
+      <p:ext uri="{BB962C8B-B14F-4D97-AF65-F5344CB8AC3E}">
+        <p14:creationId xmlns:p14="http://schemas.microsoft.com/office/powerpoint/2010/main" val="2429043512"/>
+      </p:ext>
+    </p:extLst>
+  </p:cSld>
+  <p:clrMapOvr>
+    <a:masterClrMapping/>
+  </p:clrMapOvr>
+</p:sld>
+</file>
+
+<file path=ppt/slides/slide30.xml><?xml version="1.0" encoding="utf-8"?>
+<p:sld xmlns:a="http://schemas.openxmlformats.org/drawingml/2006/main" xmlns:r="http://schemas.openxmlformats.org/officeDocument/2006/relationships" xmlns:p="http://schemas.openxmlformats.org/presentationml/2006/main" showMasterPhAnim="0">
+  <p:cSld>
+    <p:spTree>
+      <p:nvGrpSpPr>
+        <p:cNvPr id="1" name=""/>
+        <p:cNvGrpSpPr/>
+        <p:nvPr/>
+      </p:nvGrpSpPr>
+      <p:grpSpPr>
+        <a:xfrm>
+          <a:off x="0" y="0"/>
+          <a:ext cx="0" cy="0"/>
+          <a:chOff x="0" y="0"/>
+          <a:chExt cx="0" cy="0"/>
+        </a:xfrm>
+      </p:grpSpPr>
+      <p:sp>
+        <p:nvSpPr>
+          <p:cNvPr id="2052" name="Rectangle 3"/>
+          <p:cNvSpPr>
+            <a:spLocks noGrp="1" noChangeArrowheads="1"/>
+          </p:cNvSpPr>
+          <p:nvPr>
+            <p:ph type="title"/>
+          </p:nvPr>
+        </p:nvSpPr>
+        <p:spPr>
+          <a:xfrm>
+            <a:off x="685800" y="76200"/>
+            <a:ext cx="7772400" cy="1143000"/>
+          </a:xfrm>
+        </p:spPr>
+        <p:txBody>
+          <a:bodyPr/>
+          <a:lstStyle/>
+          <a:p>
+            <a:pPr eaLnBrk="1" hangingPunct="1"/>
+            <a:r>
+              <a:rPr lang="en-US" sz="3600" dirty="0">
+                <a:latin typeface="Candara" panose="020E0502030303020204" pitchFamily="34" charset="0"/>
+              </a:rPr>
+              <a:t>Social cost of carbon</a:t>
+            </a:r>
+            <a:endParaRPr lang="en-GB" sz="3600" dirty="0">
+              <a:latin typeface="Candara" panose="020E0502030303020204" pitchFamily="34" charset="0"/>
+            </a:endParaRPr>
+          </a:p>
+        </p:txBody>
+      </p:sp>
+      <p:sp>
+        <p:nvSpPr>
+          <p:cNvPr id="313348" name="Rectangle 4"/>
+          <p:cNvSpPr>
+            <a:spLocks noGrp="1" noChangeArrowheads="1"/>
+          </p:cNvSpPr>
+          <p:nvPr>
+            <p:ph type="body" idx="1"/>
+          </p:nvPr>
+        </p:nvSpPr>
+        <p:spPr>
+          <a:xfrm>
+            <a:off x="609600" y="1066800"/>
+            <a:ext cx="7924800" cy="5105400"/>
+          </a:xfrm>
+        </p:spPr>
+        <p:txBody>
+          <a:bodyPr/>
+          <a:lstStyle/>
+          <a:p>
+            <a:pPr eaLnBrk="1" hangingPunct="1"/>
+            <a:r>
+              <a:rPr lang="en-GB" sz="2800" dirty="0">
+                <a:latin typeface="Candara" panose="020E0502030303020204" pitchFamily="34" charset="0"/>
+              </a:rPr>
+              <a:t>27 estimates of the total impact of climate change, 2789 estimates of its first partial derivative</a:t>
+            </a:r>
+          </a:p>
+          <a:p>
+            <a:pPr eaLnBrk="1" hangingPunct="1"/>
+            <a:r>
+              <a:rPr lang="en-GB" sz="2800" dirty="0">
+                <a:latin typeface="Candara" panose="020E0502030303020204" pitchFamily="34" charset="0"/>
+              </a:rPr>
+              <a:t>Proliferation of estimates because</a:t>
+            </a:r>
+          </a:p>
+          <a:p>
+            <a:pPr lvl="1" eaLnBrk="1" hangingPunct="1"/>
+            <a:r>
+              <a:rPr lang="en-GB" sz="2400" dirty="0">
+                <a:latin typeface="Candara" panose="020E0502030303020204" pitchFamily="34" charset="0"/>
+              </a:rPr>
+              <a:t>Total impact used to calibrate different impact curves</a:t>
+            </a:r>
+          </a:p>
+          <a:p>
+            <a:pPr lvl="1" eaLnBrk="1" hangingPunct="1"/>
+            <a:r>
+              <a:rPr lang="en-GB" sz="2400" dirty="0">
+                <a:latin typeface="Candara" panose="020E0502030303020204" pitchFamily="34" charset="0"/>
+              </a:rPr>
+              <a:t>Different scenarios</a:t>
+            </a:r>
+          </a:p>
+          <a:p>
+            <a:pPr lvl="1" eaLnBrk="1" hangingPunct="1"/>
+            <a:r>
+              <a:rPr lang="en-GB" sz="2400" dirty="0">
+                <a:latin typeface="Candara" panose="020E0502030303020204" pitchFamily="34" charset="0"/>
+              </a:rPr>
+              <a:t>Different climate models</a:t>
+            </a:r>
+          </a:p>
+          <a:p>
+            <a:pPr lvl="1" eaLnBrk="1" hangingPunct="1"/>
+            <a:r>
+              <a:rPr lang="en-GB" sz="2400" dirty="0">
+                <a:latin typeface="Candara" panose="020E0502030303020204" pitchFamily="34" charset="0"/>
+              </a:rPr>
+              <a:t>Different carbon cycle models</a:t>
+            </a:r>
+          </a:p>
+          <a:p>
+            <a:pPr lvl="1" eaLnBrk="1" hangingPunct="1"/>
+            <a:r>
+              <a:rPr lang="en-GB" sz="2400" dirty="0">
+                <a:latin typeface="Candara" panose="020E0502030303020204" pitchFamily="34" charset="0"/>
+              </a:rPr>
+              <a:t>Total impact hides regional, sectoral detail</a:t>
+            </a:r>
+          </a:p>
+          <a:p>
+            <a:pPr lvl="1" eaLnBrk="1" hangingPunct="1"/>
+            <a:r>
+              <a:rPr lang="en-GB" sz="2400" dirty="0">
+                <a:latin typeface="Candara" panose="020E0502030303020204" pitchFamily="34" charset="0"/>
+              </a:rPr>
+              <a:t>Different views on how to aggregate over time, space and risk</a:t>
+            </a:r>
+          </a:p>
+        </p:txBody>
+      </p:sp>
+      <p:sp>
+        <p:nvSpPr>
+          <p:cNvPr id="2055" name="Rectangle 7"/>
+          <p:cNvSpPr>
+            <a:spLocks noChangeArrowheads="1"/>
+          </p:cNvSpPr>
+          <p:nvPr/>
+        </p:nvSpPr>
+        <p:spPr bwMode="auto">
+          <a:xfrm>
+            <a:off x="0" y="0"/>
+            <a:ext cx="9144000" cy="0"/>
+          </a:xfrm>
+          <a:prstGeom prst="rect">
+            <a:avLst/>
+          </a:prstGeom>
+          <a:noFill/>
+          <a:ln w="9525">
+            <a:noFill/>
+            <a:miter lim="800000"/>
+            <a:headEnd/>
+            <a:tailEnd/>
+          </a:ln>
+        </p:spPr>
+        <p:txBody>
+          <a:bodyPr wrap="none" anchor="ctr">
+            <a:spAutoFit/>
+          </a:bodyPr>
+          <a:lstStyle/>
+          <a:p>
+            <a:endParaRPr lang="en-US"/>
+          </a:p>
+        </p:txBody>
+      </p:sp>
+    </p:spTree>
+    <p:extLst>
+      <p:ext uri="{BB962C8B-B14F-4D97-AF65-F5344CB8AC3E}">
+        <p14:creationId xmlns:p14="http://schemas.microsoft.com/office/powerpoint/2010/main" val="4028403641"/>
+      </p:ext>
+    </p:extLst>
+  </p:cSld>
+  <p:clrMapOvr>
+    <a:masterClrMapping/>
+  </p:clrMapOvr>
+</p:sld>
+</file>
+
+<file path=ppt/slides/slide31.xml><?xml version="1.0" encoding="utf-8"?>
+<p:sld xmlns:a="http://schemas.openxmlformats.org/drawingml/2006/main" xmlns:r="http://schemas.openxmlformats.org/officeDocument/2006/relationships" xmlns:p="http://schemas.openxmlformats.org/presentationml/2006/main">
+  <p:cSld>
+    <p:spTree>
+      <p:nvGrpSpPr>
+        <p:cNvPr id="1" name=""/>
+        <p:cNvGrpSpPr/>
+        <p:nvPr/>
+      </p:nvGrpSpPr>
+      <p:grpSpPr>
+        <a:xfrm>
+          <a:off x="0" y="0"/>
+          <a:ext cx="0" cy="0"/>
+          <a:chOff x="0" y="0"/>
+          <a:chExt cx="0" cy="0"/>
+        </a:xfrm>
+      </p:grpSpPr>
       <p:sp>
         <p:nvSpPr>
           <p:cNvPr id="64514" name="Text Box 2"/>
@@ -9092,13 +11706,13 @@
           <a:lstStyle/>
           <a:p>
             <a:r>
-              <a:rPr lang="en-GB" dirty="0" smtClean="0">
+              <a:rPr lang="en-GB" dirty="0">
                 <a:latin typeface="Candara" panose="020E0502030303020204" pitchFamily="34" charset="0"/>
               </a:rPr>
               <a:t>Current price of emissions permits in EU: ~96 $/</a:t>
             </a:r>
             <a:r>
-              <a:rPr lang="en-GB" dirty="0" err="1" smtClean="0">
+              <a:rPr lang="en-GB" dirty="0" err="1">
                 <a:latin typeface="Candara" panose="020E0502030303020204" pitchFamily="34" charset="0"/>
               </a:rPr>
               <a:t>tC</a:t>
@@ -9119,17 +11733,10 @@
   <p:clrMapOvr>
     <a:masterClrMapping/>
   </p:clrMapOvr>
-  <p:timing>
-    <p:tnLst>
-      <p:par>
-        <p:cTn id="1" dur="indefinite" restart="never" nodeType="tmRoot"/>
-      </p:par>
-    </p:tnLst>
-  </p:timing>
 </p:sld>
 </file>
 
-<file path=ppt/slides/slide23.xml><?xml version="1.0" encoding="utf-8"?>
+<file path=ppt/slides/slide32.xml><?xml version="1.0" encoding="utf-8"?>
 <p:sld xmlns:a="http://schemas.openxmlformats.org/drawingml/2006/main" xmlns:r="http://schemas.openxmlformats.org/officeDocument/2006/relationships" xmlns:p="http://schemas.openxmlformats.org/presentationml/2006/main">
   <p:cSld>
     <p:spTree>
@@ -9180,17 +11787,10 @@
   <p:clrMapOvr>
     <a:masterClrMapping/>
   </p:clrMapOvr>
-  <p:timing>
-    <p:tnLst>
-      <p:par>
-        <p:cTn id="1" dur="indefinite" restart="never" nodeType="tmRoot"/>
-      </p:par>
-    </p:tnLst>
-  </p:timing>
 </p:sld>
 </file>
 
-<file path=ppt/slides/slide24.xml><?xml version="1.0" encoding="utf-8"?>
+<file path=ppt/slides/slide33.xml><?xml version="1.0" encoding="utf-8"?>
 <p:sld xmlns:a="http://schemas.openxmlformats.org/drawingml/2006/main" xmlns:r="http://schemas.openxmlformats.org/officeDocument/2006/relationships" xmlns:p="http://schemas.openxmlformats.org/presentationml/2006/main" showMasterPhAnim="0">
   <p:cSld>
     <p:spTree>
@@ -9342,17 +11942,927 @@
   <p:clrMapOvr>
     <a:masterClrMapping/>
   </p:clrMapOvr>
+</p:sld>
+</file>
+
+<file path=ppt/slides/slide34.xml><?xml version="1.0" encoding="utf-8"?>
+<p:sld xmlns:a="http://schemas.openxmlformats.org/drawingml/2006/main" xmlns:r="http://schemas.openxmlformats.org/officeDocument/2006/relationships" xmlns:p="http://schemas.openxmlformats.org/presentationml/2006/main">
+  <p:cSld>
+    <p:spTree>
+      <p:nvGrpSpPr>
+        <p:cNvPr id="1" name=""/>
+        <p:cNvGrpSpPr/>
+        <p:nvPr/>
+      </p:nvGrpSpPr>
+      <p:grpSpPr>
+        <a:xfrm>
+          <a:off x="0" y="0"/>
+          <a:ext cx="0" cy="0"/>
+          <a:chOff x="0" y="0"/>
+          <a:chExt cx="0" cy="0"/>
+        </a:xfrm>
+      </p:grpSpPr>
+      <p:sp>
+        <p:nvSpPr>
+          <p:cNvPr id="7170" name="Rectangle 2"/>
+          <p:cNvSpPr>
+            <a:spLocks noGrp="1" noChangeArrowheads="1"/>
+          </p:cNvSpPr>
+          <p:nvPr>
+            <p:ph type="title"/>
+          </p:nvPr>
+        </p:nvSpPr>
+        <p:spPr>
+          <a:xfrm>
+            <a:off x="685800" y="152400"/>
+            <a:ext cx="7772400" cy="1143000"/>
+          </a:xfrm>
+        </p:spPr>
+        <p:txBody>
+          <a:bodyPr/>
+          <a:lstStyle/>
+          <a:p>
+            <a:pPr eaLnBrk="1" hangingPunct="1"/>
+            <a:r>
+              <a:rPr lang="de-DE" sz="4000" dirty="0">
+                <a:latin typeface="Candara" panose="020E0502030303020204" pitchFamily="34" charset="0"/>
+              </a:rPr>
+              <a:t>Economic impacts</a:t>
+            </a:r>
+            <a:endParaRPr lang="en-GB" sz="4000" dirty="0">
+              <a:latin typeface="Candara" panose="020E0502030303020204" pitchFamily="34" charset="0"/>
+            </a:endParaRPr>
+          </a:p>
+        </p:txBody>
+      </p:sp>
+      <p:sp>
+        <p:nvSpPr>
+          <p:cNvPr id="7171" name="Rectangle 3"/>
+          <p:cNvSpPr>
+            <a:spLocks noGrp="1" noChangeArrowheads="1"/>
+          </p:cNvSpPr>
+          <p:nvPr>
+            <p:ph type="body" idx="1"/>
+          </p:nvPr>
+        </p:nvSpPr>
+        <p:spPr>
+          <a:xfrm>
+            <a:off x="685800" y="1447800"/>
+            <a:ext cx="7772400" cy="4114800"/>
+          </a:xfrm>
+        </p:spPr>
+        <p:txBody>
+          <a:bodyPr/>
+          <a:lstStyle/>
+          <a:p>
+            <a:r>
+              <a:rPr lang="de-DE" sz="2800" dirty="0">
+                <a:latin typeface="Candara" panose="020E0502030303020204" pitchFamily="34" charset="0"/>
+              </a:rPr>
+              <a:t>Methods for estimating total welfare impact</a:t>
+            </a:r>
+          </a:p>
+          <a:p>
+            <a:pPr lvl="1"/>
+            <a:r>
+              <a:rPr lang="de-DE" sz="2400" dirty="0">
+                <a:latin typeface="Candara" panose="020E0502030303020204" pitchFamily="34" charset="0"/>
+              </a:rPr>
+              <a:t>Benefit transfer</a:t>
+            </a:r>
+          </a:p>
+          <a:p>
+            <a:r>
+              <a:rPr lang="de-DE" sz="2800" dirty="0">
+                <a:latin typeface="Candara" panose="020E0502030303020204" pitchFamily="34" charset="0"/>
+              </a:rPr>
+              <a:t>Results and caveats</a:t>
+            </a:r>
+          </a:p>
+          <a:p>
+            <a:r>
+              <a:rPr lang="de-DE" sz="2800" dirty="0">
+                <a:latin typeface="Candara" panose="020E0502030303020204" pitchFamily="34" charset="0"/>
+              </a:rPr>
+              <a:t>Climate v weather</a:t>
+            </a:r>
+          </a:p>
+          <a:p>
+            <a:r>
+              <a:rPr lang="de-DE" sz="2800" dirty="0">
+                <a:latin typeface="Candara" panose="020E0502030303020204" pitchFamily="34" charset="0"/>
+              </a:rPr>
+              <a:t>Social cost of carbon</a:t>
+            </a:r>
+          </a:p>
+          <a:p>
+            <a:r>
+              <a:rPr lang="de-DE" sz="2800" b="1" dirty="0">
+                <a:latin typeface="Candara" panose="020E0502030303020204" pitchFamily="34" charset="0"/>
+              </a:rPr>
+              <a:t>Distribution of impacts</a:t>
+            </a:r>
+          </a:p>
+        </p:txBody>
+      </p:sp>
+    </p:spTree>
+    <p:extLst>
+      <p:ext uri="{BB962C8B-B14F-4D97-AF65-F5344CB8AC3E}">
+        <p14:creationId xmlns:p14="http://schemas.microsoft.com/office/powerpoint/2010/main" val="4156583785"/>
+      </p:ext>
+    </p:extLst>
+  </p:cSld>
+  <p:clrMapOvr>
+    <a:masterClrMapping/>
+  </p:clrMapOvr>
+</p:sld>
+</file>
+
+<file path=ppt/slides/slide35.xml><?xml version="1.0" encoding="utf-8"?>
+<p:sld xmlns:a="http://schemas.openxmlformats.org/drawingml/2006/main" xmlns:r="http://schemas.openxmlformats.org/officeDocument/2006/relationships" xmlns:p="http://schemas.openxmlformats.org/presentationml/2006/main">
+  <p:cSld>
+    <p:spTree>
+      <p:nvGrpSpPr>
+        <p:cNvPr id="1" name=""/>
+        <p:cNvGrpSpPr/>
+        <p:nvPr/>
+      </p:nvGrpSpPr>
+      <p:grpSpPr>
+        <a:xfrm>
+          <a:off x="0" y="0"/>
+          <a:ext cx="0" cy="0"/>
+          <a:chOff x="0" y="0"/>
+          <a:chExt cx="0" cy="0"/>
+        </a:xfrm>
+      </p:grpSpPr>
+      <p:pic>
+        <p:nvPicPr>
+          <p:cNvPr id="2" name="Picture 1"/>
+          <p:cNvPicPr>
+            <a:picLocks noChangeAspect="1"/>
+          </p:cNvPicPr>
+          <p:nvPr/>
+        </p:nvPicPr>
+        <p:blipFill>
+          <a:blip r:embed="rId2"/>
+          <a:stretch>
+            <a:fillRect/>
+          </a:stretch>
+        </p:blipFill>
+        <p:spPr>
+          <a:xfrm>
+            <a:off x="8021" y="0"/>
+            <a:ext cx="9135979" cy="5943650"/>
+          </a:xfrm>
+          <a:prstGeom prst="rect">
+            <a:avLst/>
+          </a:prstGeom>
+        </p:spPr>
+      </p:pic>
+    </p:spTree>
+  </p:cSld>
+  <p:clrMapOvr>
+    <a:masterClrMapping/>
+  </p:clrMapOvr>
+</p:sld>
+</file>
+
+<file path=ppt/slides/slide36.xml><?xml version="1.0" encoding="utf-8"?>
+<p:sld xmlns:a="http://schemas.openxmlformats.org/drawingml/2006/main" xmlns:r="http://schemas.openxmlformats.org/officeDocument/2006/relationships" xmlns:p="http://schemas.openxmlformats.org/presentationml/2006/main">
+  <p:cSld>
+    <p:spTree>
+      <p:nvGrpSpPr>
+        <p:cNvPr id="1" name=""/>
+        <p:cNvGrpSpPr/>
+        <p:nvPr/>
+      </p:nvGrpSpPr>
+      <p:grpSpPr>
+        <a:xfrm>
+          <a:off x="0" y="0"/>
+          <a:ext cx="0" cy="0"/>
+          <a:chOff x="0" y="0"/>
+          <a:chExt cx="0" cy="0"/>
+        </a:xfrm>
+      </p:grpSpPr>
+      <p:pic>
+        <p:nvPicPr>
+          <p:cNvPr id="2" name="Picture 1"/>
+          <p:cNvPicPr>
+            <a:picLocks noChangeAspect="1"/>
+          </p:cNvPicPr>
+          <p:nvPr/>
+        </p:nvPicPr>
+        <p:blipFill>
+          <a:blip r:embed="rId3"/>
+          <a:stretch>
+            <a:fillRect/>
+          </a:stretch>
+        </p:blipFill>
+        <p:spPr>
+          <a:xfrm>
+            <a:off x="-11229" y="0"/>
+            <a:ext cx="9155229" cy="5967297"/>
+          </a:xfrm>
+          <a:prstGeom prst="rect">
+            <a:avLst/>
+          </a:prstGeom>
+        </p:spPr>
+      </p:pic>
+      <p:sp>
+        <p:nvSpPr>
+          <p:cNvPr id="13316" name="Text Box 4"/>
+          <p:cNvSpPr txBox="1">
+            <a:spLocks noChangeArrowheads="1"/>
+          </p:cNvSpPr>
+          <p:nvPr/>
+        </p:nvSpPr>
+        <p:spPr bwMode="auto">
+          <a:xfrm>
+            <a:off x="990600" y="76200"/>
+            <a:ext cx="2967479" cy="1200329"/>
+          </a:xfrm>
+          <a:prstGeom prst="rect">
+            <a:avLst/>
+          </a:prstGeom>
+          <a:noFill/>
+          <a:ln w="9525">
+            <a:noFill/>
+            <a:miter lim="800000"/>
+            <a:headEnd/>
+            <a:tailEnd/>
+          </a:ln>
+        </p:spPr>
+        <p:txBody>
+          <a:bodyPr wrap="none">
+            <a:spAutoFit/>
+          </a:bodyPr>
+          <a:lstStyle/>
+          <a:p>
+            <a:pPr marL="457200" indent="-457200">
+              <a:buFontTx/>
+              <a:buAutoNum type="arabicPeriod"/>
+            </a:pPr>
+            <a:r>
+              <a:rPr lang="en-GB" dirty="0">
+                <a:latin typeface="Candara" panose="020E0502030303020204" pitchFamily="34" charset="0"/>
+              </a:rPr>
+              <a:t>Exposure</a:t>
+            </a:r>
+          </a:p>
+          <a:p>
+            <a:pPr marL="457200" indent="-457200">
+              <a:buFontTx/>
+              <a:buAutoNum type="arabicPeriod"/>
+            </a:pPr>
+            <a:r>
+              <a:rPr lang="en-GB" dirty="0">
+                <a:latin typeface="Candara" panose="020E0502030303020204" pitchFamily="34" charset="0"/>
+              </a:rPr>
+              <a:t>Limits / analogues</a:t>
+            </a:r>
+          </a:p>
+          <a:p>
+            <a:pPr marL="457200" indent="-457200">
+              <a:buFontTx/>
+              <a:buAutoNum type="arabicPeriod"/>
+            </a:pPr>
+            <a:r>
+              <a:rPr lang="en-GB" dirty="0">
+                <a:latin typeface="Candara" panose="020E0502030303020204" pitchFamily="34" charset="0"/>
+              </a:rPr>
+              <a:t>Adaptive capacity</a:t>
+            </a:r>
+            <a:endParaRPr lang="en-US" dirty="0">
+              <a:latin typeface="Candara" panose="020E0502030303020204" pitchFamily="34" charset="0"/>
+            </a:endParaRPr>
+          </a:p>
+        </p:txBody>
+      </p:sp>
+    </p:spTree>
+  </p:cSld>
+  <p:clrMapOvr>
+    <a:masterClrMapping/>
+  </p:clrMapOvr>
+</p:sld>
+</file>
+
+<file path=ppt/slides/slide37.xml><?xml version="1.0" encoding="utf-8"?>
+<p:sld xmlns:a="http://schemas.openxmlformats.org/drawingml/2006/main" xmlns:r="http://schemas.openxmlformats.org/officeDocument/2006/relationships" xmlns:p="http://schemas.openxmlformats.org/presentationml/2006/main">
+  <p:cSld>
+    <p:spTree>
+      <p:nvGrpSpPr>
+        <p:cNvPr id="1" name=""/>
+        <p:cNvGrpSpPr/>
+        <p:nvPr/>
+      </p:nvGrpSpPr>
+      <p:grpSpPr>
+        <a:xfrm>
+          <a:off x="0" y="0"/>
+          <a:ext cx="0" cy="0"/>
+          <a:chOff x="0" y="0"/>
+          <a:chExt cx="0" cy="0"/>
+        </a:xfrm>
+      </p:grpSpPr>
+      <p:pic>
+        <p:nvPicPr>
+          <p:cNvPr id="2" name="Picture 1"/>
+          <p:cNvPicPr>
+            <a:picLocks noChangeAspect="1"/>
+          </p:cNvPicPr>
+          <p:nvPr/>
+        </p:nvPicPr>
+        <p:blipFill>
+          <a:blip r:embed="rId2"/>
+          <a:stretch>
+            <a:fillRect/>
+          </a:stretch>
+        </p:blipFill>
+        <p:spPr>
+          <a:xfrm>
+            <a:off x="0" y="0"/>
+            <a:ext cx="9148813" cy="5963115"/>
+          </a:xfrm>
+          <a:prstGeom prst="rect">
+            <a:avLst/>
+          </a:prstGeom>
+        </p:spPr>
+      </p:pic>
+      <p:sp>
+        <p:nvSpPr>
+          <p:cNvPr id="3" name="Text Box 4"/>
+          <p:cNvSpPr txBox="1">
+            <a:spLocks noChangeArrowheads="1"/>
+          </p:cNvSpPr>
+          <p:nvPr/>
+        </p:nvSpPr>
+        <p:spPr bwMode="auto">
+          <a:xfrm>
+            <a:off x="5948362" y="31750"/>
+            <a:ext cx="2967479" cy="1200329"/>
+          </a:xfrm>
+          <a:prstGeom prst="rect">
+            <a:avLst/>
+          </a:prstGeom>
+          <a:noFill/>
+          <a:ln w="9525">
+            <a:noFill/>
+            <a:miter lim="800000"/>
+            <a:headEnd/>
+            <a:tailEnd/>
+          </a:ln>
+        </p:spPr>
+        <p:txBody>
+          <a:bodyPr wrap="none">
+            <a:spAutoFit/>
+          </a:bodyPr>
+          <a:lstStyle/>
+          <a:p>
+            <a:pPr marL="457200" indent="-457200">
+              <a:buFontTx/>
+              <a:buAutoNum type="arabicPeriod"/>
+            </a:pPr>
+            <a:r>
+              <a:rPr lang="en-GB" dirty="0">
+                <a:latin typeface="Candara" panose="020E0502030303020204" pitchFamily="34" charset="0"/>
+              </a:rPr>
+              <a:t>Exposure</a:t>
+            </a:r>
+          </a:p>
+          <a:p>
+            <a:pPr marL="457200" indent="-457200">
+              <a:buFontTx/>
+              <a:buAutoNum type="arabicPeriod"/>
+            </a:pPr>
+            <a:r>
+              <a:rPr lang="en-GB" dirty="0">
+                <a:latin typeface="Candara" panose="020E0502030303020204" pitchFamily="34" charset="0"/>
+              </a:rPr>
+              <a:t>Limits / analogues</a:t>
+            </a:r>
+          </a:p>
+          <a:p>
+            <a:pPr marL="457200" indent="-457200">
+              <a:buFontTx/>
+              <a:buAutoNum type="arabicPeriod"/>
+            </a:pPr>
+            <a:r>
+              <a:rPr lang="en-GB" dirty="0">
+                <a:latin typeface="Candara" panose="020E0502030303020204" pitchFamily="34" charset="0"/>
+              </a:rPr>
+              <a:t>Adaptive capacity</a:t>
+            </a:r>
+            <a:endParaRPr lang="en-US" dirty="0">
+              <a:latin typeface="Candara" panose="020E0502030303020204" pitchFamily="34" charset="0"/>
+            </a:endParaRPr>
+          </a:p>
+        </p:txBody>
+      </p:sp>
+    </p:spTree>
+    <p:extLst>
+      <p:ext uri="{BB962C8B-B14F-4D97-AF65-F5344CB8AC3E}">
+        <p14:creationId xmlns:p14="http://schemas.microsoft.com/office/powerpoint/2010/main" val="2635011723"/>
+      </p:ext>
+    </p:extLst>
+  </p:cSld>
+  <p:clrMapOvr>
+    <a:masterClrMapping/>
+  </p:clrMapOvr>
+</p:sld>
+</file>
+
+<file path=ppt/slides/slide38.xml><?xml version="1.0" encoding="utf-8"?>
+<p:sld xmlns:a="http://schemas.openxmlformats.org/drawingml/2006/main" xmlns:r="http://schemas.openxmlformats.org/officeDocument/2006/relationships" xmlns:p="http://schemas.openxmlformats.org/presentationml/2006/main">
+  <p:cSld>
+    <p:spTree>
+      <p:nvGrpSpPr>
+        <p:cNvPr id="1" name=""/>
+        <p:cNvGrpSpPr/>
+        <p:nvPr/>
+      </p:nvGrpSpPr>
+      <p:grpSpPr>
+        <a:xfrm>
+          <a:off x="0" y="0"/>
+          <a:ext cx="0" cy="0"/>
+          <a:chOff x="0" y="0"/>
+          <a:chExt cx="0" cy="0"/>
+        </a:xfrm>
+      </p:grpSpPr>
+      <p:pic>
+        <p:nvPicPr>
+          <p:cNvPr id="2" name="Picture 1"/>
+          <p:cNvPicPr>
+            <a:picLocks noChangeAspect="1"/>
+          </p:cNvPicPr>
+          <p:nvPr/>
+        </p:nvPicPr>
+        <p:blipFill>
+          <a:blip r:embed="rId3"/>
+          <a:stretch>
+            <a:fillRect/>
+          </a:stretch>
+        </p:blipFill>
+        <p:spPr>
+          <a:xfrm>
+            <a:off x="-11229" y="0"/>
+            <a:ext cx="9155229" cy="5967297"/>
+          </a:xfrm>
+          <a:prstGeom prst="rect">
+            <a:avLst/>
+          </a:prstGeom>
+        </p:spPr>
+      </p:pic>
+      <p:sp>
+        <p:nvSpPr>
+          <p:cNvPr id="13316" name="Text Box 4"/>
+          <p:cNvSpPr txBox="1">
+            <a:spLocks noChangeArrowheads="1"/>
+          </p:cNvSpPr>
+          <p:nvPr/>
+        </p:nvSpPr>
+        <p:spPr bwMode="auto">
+          <a:xfrm>
+            <a:off x="990600" y="76200"/>
+            <a:ext cx="2967479" cy="1200329"/>
+          </a:xfrm>
+          <a:prstGeom prst="rect">
+            <a:avLst/>
+          </a:prstGeom>
+          <a:noFill/>
+          <a:ln w="9525">
+            <a:noFill/>
+            <a:miter lim="800000"/>
+            <a:headEnd/>
+            <a:tailEnd/>
+          </a:ln>
+        </p:spPr>
+        <p:txBody>
+          <a:bodyPr wrap="none">
+            <a:spAutoFit/>
+          </a:bodyPr>
+          <a:lstStyle/>
+          <a:p>
+            <a:pPr marL="457200" indent="-457200">
+              <a:buFontTx/>
+              <a:buAutoNum type="arabicPeriod"/>
+            </a:pPr>
+            <a:r>
+              <a:rPr lang="en-GB" dirty="0">
+                <a:latin typeface="Candara" panose="020E0502030303020204" pitchFamily="34" charset="0"/>
+              </a:rPr>
+              <a:t>Exposure</a:t>
+            </a:r>
+          </a:p>
+          <a:p>
+            <a:pPr marL="457200" indent="-457200">
+              <a:buFontTx/>
+              <a:buAutoNum type="arabicPeriod"/>
+            </a:pPr>
+            <a:r>
+              <a:rPr lang="en-GB" dirty="0">
+                <a:latin typeface="Candara" panose="020E0502030303020204" pitchFamily="34" charset="0"/>
+              </a:rPr>
+              <a:t>Limits / analogues</a:t>
+            </a:r>
+          </a:p>
+          <a:p>
+            <a:pPr marL="457200" indent="-457200">
+              <a:buFontTx/>
+              <a:buAutoNum type="arabicPeriod"/>
+            </a:pPr>
+            <a:r>
+              <a:rPr lang="en-GB" dirty="0">
+                <a:latin typeface="Candara" panose="020E0502030303020204" pitchFamily="34" charset="0"/>
+              </a:rPr>
+              <a:t>Adaptive capacity</a:t>
+            </a:r>
+            <a:endParaRPr lang="en-US" dirty="0">
+              <a:latin typeface="Candara" panose="020E0502030303020204" pitchFamily="34" charset="0"/>
+            </a:endParaRPr>
+          </a:p>
+        </p:txBody>
+      </p:sp>
+    </p:spTree>
+    <p:extLst>
+      <p:ext uri="{BB962C8B-B14F-4D97-AF65-F5344CB8AC3E}">
+        <p14:creationId xmlns:p14="http://schemas.microsoft.com/office/powerpoint/2010/main" val="980959457"/>
+      </p:ext>
+    </p:extLst>
+  </p:cSld>
+  <p:clrMapOvr>
+    <a:masterClrMapping/>
+  </p:clrMapOvr>
+</p:sld>
+</file>
+
+<file path=ppt/slides/slide39.xml><?xml version="1.0" encoding="utf-8"?>
+<p:sld xmlns:a="http://schemas.openxmlformats.org/drawingml/2006/main" xmlns:r="http://schemas.openxmlformats.org/officeDocument/2006/relationships" xmlns:p="http://schemas.openxmlformats.org/presentationml/2006/main" showMasterPhAnim="0">
+  <p:cSld>
+    <p:spTree>
+      <p:nvGrpSpPr>
+        <p:cNvPr id="1" name=""/>
+        <p:cNvGrpSpPr/>
+        <p:nvPr/>
+      </p:nvGrpSpPr>
+      <p:grpSpPr>
+        <a:xfrm>
+          <a:off x="0" y="0"/>
+          <a:ext cx="0" cy="0"/>
+          <a:chOff x="0" y="0"/>
+          <a:chExt cx="0" cy="0"/>
+        </a:xfrm>
+      </p:grpSpPr>
+      <p:sp>
+        <p:nvSpPr>
+          <p:cNvPr id="14338" name="Rectangle 4"/>
+          <p:cNvSpPr>
+            <a:spLocks noGrp="1" noChangeArrowheads="1"/>
+          </p:cNvSpPr>
+          <p:nvPr>
+            <p:ph type="title"/>
+          </p:nvPr>
+        </p:nvSpPr>
+        <p:spPr>
+          <a:xfrm>
+            <a:off x="685800" y="76200"/>
+            <a:ext cx="7772400" cy="1143000"/>
+          </a:xfrm>
+        </p:spPr>
+        <p:txBody>
+          <a:bodyPr/>
+          <a:lstStyle/>
+          <a:p>
+            <a:pPr eaLnBrk="1" hangingPunct="1"/>
+            <a:r>
+              <a:rPr lang="en-GB" sz="3600" dirty="0">
+                <a:latin typeface="Candara" panose="020E0502030303020204" pitchFamily="34" charset="0"/>
+              </a:rPr>
+              <a:t>Adaptive Capacity</a:t>
+            </a:r>
+          </a:p>
+        </p:txBody>
+      </p:sp>
+      <p:sp>
+        <p:nvSpPr>
+          <p:cNvPr id="305157" name="Rectangle 5"/>
+          <p:cNvSpPr>
+            <a:spLocks noGrp="1" noChangeArrowheads="1"/>
+          </p:cNvSpPr>
+          <p:nvPr>
+            <p:ph type="body" idx="1"/>
+          </p:nvPr>
+        </p:nvSpPr>
+        <p:spPr>
+          <a:xfrm>
+            <a:off x="685800" y="1066800"/>
+            <a:ext cx="7772400" cy="5410200"/>
+          </a:xfrm>
+        </p:spPr>
+        <p:txBody>
+          <a:bodyPr/>
+          <a:lstStyle/>
+          <a:p>
+            <a:pPr eaLnBrk="1" hangingPunct="1">
+              <a:lnSpc>
+                <a:spcPct val="90000"/>
+              </a:lnSpc>
+            </a:pPr>
+            <a:r>
+              <a:rPr lang="en-GB" sz="2800" dirty="0">
+                <a:latin typeface="Candara" panose="020E0502030303020204" pitchFamily="34" charset="0"/>
+              </a:rPr>
+              <a:t>Adaptive capacity is the ability to adapt</a:t>
+            </a:r>
+          </a:p>
+          <a:p>
+            <a:pPr eaLnBrk="1" hangingPunct="1">
+              <a:lnSpc>
+                <a:spcPct val="90000"/>
+              </a:lnSpc>
+            </a:pPr>
+            <a:r>
+              <a:rPr lang="en-GB" sz="2800" dirty="0">
+                <a:latin typeface="Candara" panose="020E0502030303020204" pitchFamily="34" charset="0"/>
+              </a:rPr>
+              <a:t>Adaptive capacity depends on</a:t>
+            </a:r>
+          </a:p>
+          <a:p>
+            <a:pPr lvl="1" eaLnBrk="1" hangingPunct="1">
+              <a:lnSpc>
+                <a:spcPct val="90000"/>
+              </a:lnSpc>
+            </a:pPr>
+            <a:r>
+              <a:rPr lang="en-GB" dirty="0">
+                <a:latin typeface="Candara" panose="020E0502030303020204" pitchFamily="34" charset="0"/>
+              </a:rPr>
+              <a:t>Available technological options</a:t>
+            </a:r>
+          </a:p>
+          <a:p>
+            <a:pPr lvl="1" eaLnBrk="1" hangingPunct="1">
+              <a:lnSpc>
+                <a:spcPct val="90000"/>
+              </a:lnSpc>
+            </a:pPr>
+            <a:r>
+              <a:rPr lang="en-GB" dirty="0">
+                <a:latin typeface="Candara" panose="020E0502030303020204" pitchFamily="34" charset="0"/>
+              </a:rPr>
+              <a:t>Available resources &amp; their distribution</a:t>
+            </a:r>
+          </a:p>
+          <a:p>
+            <a:pPr lvl="1" eaLnBrk="1" hangingPunct="1">
+              <a:lnSpc>
+                <a:spcPct val="90000"/>
+              </a:lnSpc>
+            </a:pPr>
+            <a:r>
+              <a:rPr lang="en-GB" dirty="0">
+                <a:latin typeface="Candara" panose="020E0502030303020204" pitchFamily="34" charset="0"/>
+              </a:rPr>
+              <a:t>Ability and will to use those resources to protect people</a:t>
+            </a:r>
+            <a:endParaRPr lang="en-GB" sz="2800" dirty="0">
+              <a:latin typeface="Candara" panose="020E0502030303020204" pitchFamily="34" charset="0"/>
+            </a:endParaRPr>
+          </a:p>
+        </p:txBody>
+      </p:sp>
+    </p:spTree>
+  </p:cSld>
+  <p:clrMapOvr>
+    <a:masterClrMapping/>
+  </p:clrMapOvr>
   <p:timing>
     <p:tnLst>
       <p:par>
-        <p:cTn id="1" dur="indefinite" restart="never" nodeType="tmRoot"/>
+        <p:cTn id="1" dur="indefinite" restart="never" nodeType="tmRoot">
+          <p:childTnLst>
+            <p:seq concurrent="1" nextAc="seek">
+              <p:cTn id="2" dur="indefinite" nodeType="mainSeq">
+                <p:childTnLst>
+                  <p:par>
+                    <p:cTn id="3" fill="hold">
+                      <p:stCondLst>
+                        <p:cond delay="indefinite"/>
+                      </p:stCondLst>
+                      <p:childTnLst>
+                        <p:par>
+                          <p:cTn id="4" fill="hold">
+                            <p:stCondLst>
+                              <p:cond delay="0"/>
+                            </p:stCondLst>
+                            <p:childTnLst>
+                              <p:par>
+                                <p:cTn id="5" presetID="1" presetClass="entr" presetSubtype="0" fill="hold" grpId="0" nodeType="clickEffect">
+                                  <p:stCondLst>
+                                    <p:cond delay="0"/>
+                                  </p:stCondLst>
+                                  <p:childTnLst>
+                                    <p:set>
+                                      <p:cBhvr>
+                                        <p:cTn id="6" dur="1" fill="hold">
+                                          <p:stCondLst>
+                                            <p:cond delay="499"/>
+                                          </p:stCondLst>
+                                        </p:cTn>
+                                        <p:tgtEl>
+                                          <p:spTgt spid="305157">
+                                            <p:txEl>
+                                              <p:pRg st="0" end="0"/>
+                                            </p:txEl>
+                                          </p:spTgt>
+                                        </p:tgtEl>
+                                        <p:attrNameLst>
+                                          <p:attrName>style.visibility</p:attrName>
+                                        </p:attrNameLst>
+                                      </p:cBhvr>
+                                      <p:to>
+                                        <p:strVal val="visible"/>
+                                      </p:to>
+                                    </p:set>
+                                  </p:childTnLst>
+                                </p:cTn>
+                              </p:par>
+                            </p:childTnLst>
+                          </p:cTn>
+                        </p:par>
+                      </p:childTnLst>
+                    </p:cTn>
+                  </p:par>
+                  <p:par>
+                    <p:cTn id="7" fill="hold">
+                      <p:stCondLst>
+                        <p:cond delay="indefinite"/>
+                      </p:stCondLst>
+                      <p:childTnLst>
+                        <p:par>
+                          <p:cTn id="8" fill="hold">
+                            <p:stCondLst>
+                              <p:cond delay="0"/>
+                            </p:stCondLst>
+                            <p:childTnLst>
+                              <p:par>
+                                <p:cTn id="9" presetID="1" presetClass="entr" presetSubtype="0" fill="hold" grpId="0" nodeType="clickEffect">
+                                  <p:stCondLst>
+                                    <p:cond delay="0"/>
+                                  </p:stCondLst>
+                                  <p:childTnLst>
+                                    <p:set>
+                                      <p:cBhvr>
+                                        <p:cTn id="10" dur="1" fill="hold">
+                                          <p:stCondLst>
+                                            <p:cond delay="499"/>
+                                          </p:stCondLst>
+                                        </p:cTn>
+                                        <p:tgtEl>
+                                          <p:spTgt spid="305157">
+                                            <p:txEl>
+                                              <p:pRg st="1" end="1"/>
+                                            </p:txEl>
+                                          </p:spTgt>
+                                        </p:tgtEl>
+                                        <p:attrNameLst>
+                                          <p:attrName>style.visibility</p:attrName>
+                                        </p:attrNameLst>
+                                      </p:cBhvr>
+                                      <p:to>
+                                        <p:strVal val="visible"/>
+                                      </p:to>
+                                    </p:set>
+                                  </p:childTnLst>
+                                </p:cTn>
+                              </p:par>
+                              <p:par>
+                                <p:cTn id="11" presetID="1" presetClass="entr" presetSubtype="0" fill="hold" grpId="0" nodeType="withEffect">
+                                  <p:stCondLst>
+                                    <p:cond delay="0"/>
+                                  </p:stCondLst>
+                                  <p:childTnLst>
+                                    <p:set>
+                                      <p:cBhvr>
+                                        <p:cTn id="12" dur="1" fill="hold">
+                                          <p:stCondLst>
+                                            <p:cond delay="499"/>
+                                          </p:stCondLst>
+                                        </p:cTn>
+                                        <p:tgtEl>
+                                          <p:spTgt spid="305157">
+                                            <p:txEl>
+                                              <p:pRg st="2" end="2"/>
+                                            </p:txEl>
+                                          </p:spTgt>
+                                        </p:tgtEl>
+                                        <p:attrNameLst>
+                                          <p:attrName>style.visibility</p:attrName>
+                                        </p:attrNameLst>
+                                      </p:cBhvr>
+                                      <p:to>
+                                        <p:strVal val="visible"/>
+                                      </p:to>
+                                    </p:set>
+                                  </p:childTnLst>
+                                </p:cTn>
+                              </p:par>
+                              <p:par>
+                                <p:cTn id="13" presetID="1" presetClass="entr" presetSubtype="0" fill="hold" grpId="0" nodeType="withEffect">
+                                  <p:stCondLst>
+                                    <p:cond delay="0"/>
+                                  </p:stCondLst>
+                                  <p:childTnLst>
+                                    <p:set>
+                                      <p:cBhvr>
+                                        <p:cTn id="14" dur="1" fill="hold">
+                                          <p:stCondLst>
+                                            <p:cond delay="499"/>
+                                          </p:stCondLst>
+                                        </p:cTn>
+                                        <p:tgtEl>
+                                          <p:spTgt spid="305157">
+                                            <p:txEl>
+                                              <p:pRg st="3" end="3"/>
+                                            </p:txEl>
+                                          </p:spTgt>
+                                        </p:tgtEl>
+                                        <p:attrNameLst>
+                                          <p:attrName>style.visibility</p:attrName>
+                                        </p:attrNameLst>
+                                      </p:cBhvr>
+                                      <p:to>
+                                        <p:strVal val="visible"/>
+                                      </p:to>
+                                    </p:set>
+                                  </p:childTnLst>
+                                </p:cTn>
+                              </p:par>
+                              <p:par>
+                                <p:cTn id="15" presetID="1" presetClass="entr" presetSubtype="0" fill="hold" grpId="0" nodeType="withEffect">
+                                  <p:stCondLst>
+                                    <p:cond delay="0"/>
+                                  </p:stCondLst>
+                                  <p:childTnLst>
+                                    <p:set>
+                                      <p:cBhvr>
+                                        <p:cTn id="16" dur="1" fill="hold">
+                                          <p:stCondLst>
+                                            <p:cond delay="499"/>
+                                          </p:stCondLst>
+                                        </p:cTn>
+                                        <p:tgtEl>
+                                          <p:spTgt spid="305157">
+                                            <p:txEl>
+                                              <p:pRg st="4" end="4"/>
+                                            </p:txEl>
+                                          </p:spTgt>
+                                        </p:tgtEl>
+                                        <p:attrNameLst>
+                                          <p:attrName>style.visibility</p:attrName>
+                                        </p:attrNameLst>
+                                      </p:cBhvr>
+                                      <p:to>
+                                        <p:strVal val="visible"/>
+                                      </p:to>
+                                    </p:set>
+                                  </p:childTnLst>
+                                </p:cTn>
+                              </p:par>
+                            </p:childTnLst>
+                          </p:cTn>
+                        </p:par>
+                      </p:childTnLst>
+                    </p:cTn>
+                  </p:par>
+                </p:childTnLst>
+              </p:cTn>
+              <p:prevCondLst>
+                <p:cond evt="onPrev" delay="0">
+                  <p:tgtEl>
+                    <p:sldTgt/>
+                  </p:tgtEl>
+                </p:cond>
+              </p:prevCondLst>
+              <p:nextCondLst>
+                <p:cond evt="onNext" delay="0">
+                  <p:tgtEl>
+                    <p:sldTgt/>
+                  </p:tgtEl>
+                </p:cond>
+              </p:nextCondLst>
+            </p:seq>
+          </p:childTnLst>
+        </p:cTn>
       </p:par>
     </p:tnLst>
+    <p:bldLst>
+      <p:bldP spid="305157" grpId="0" build="p" autoUpdateAnimBg="0"/>
+    </p:bldLst>
   </p:timing>
 </p:sld>
 </file>
 
-<file path=ppt/slides/slide3.xml><?xml version="1.0" encoding="utf-8"?>
+<file path=ppt/slides/slide4.xml><?xml version="1.0" encoding="utf-8"?>
 <p:sld xmlns:a="http://schemas.openxmlformats.org/drawingml/2006/main" xmlns:r="http://schemas.openxmlformats.org/officeDocument/2006/relationships" xmlns:p="http://schemas.openxmlformats.org/presentationml/2006/main">
   <p:cSld>
     <p:spTree>
@@ -9656,17 +13166,958 @@
     <a:masterClrMapping/>
   </p:clrMapOvr>
   <p:transition/>
-  <p:timing>
-    <p:tnLst>
-      <p:par>
-        <p:cTn id="1" dur="indefinite" restart="never" nodeType="tmRoot"/>
-      </p:par>
-    </p:tnLst>
-  </p:timing>
 </p:sld>
 </file>
 
-<file path=ppt/slides/slide4.xml><?xml version="1.0" encoding="utf-8"?>
+<file path=ppt/slides/slide40.xml><?xml version="1.0" encoding="utf-8"?>
+<p:sld xmlns:a="http://schemas.openxmlformats.org/drawingml/2006/main" xmlns:r="http://schemas.openxmlformats.org/officeDocument/2006/relationships" xmlns:p="http://schemas.openxmlformats.org/presentationml/2006/main">
+  <p:cSld>
+    <p:spTree>
+      <p:nvGrpSpPr>
+        <p:cNvPr id="1" name=""/>
+        <p:cNvGrpSpPr/>
+        <p:nvPr/>
+      </p:nvGrpSpPr>
+      <p:grpSpPr>
+        <a:xfrm>
+          <a:off x="0" y="0"/>
+          <a:ext cx="0" cy="0"/>
+          <a:chOff x="0" y="0"/>
+          <a:chExt cx="0" cy="0"/>
+        </a:xfrm>
+      </p:grpSpPr>
+      <p:pic>
+        <p:nvPicPr>
+          <p:cNvPr id="2" name="Picture 1">
+            <a:extLst>
+              <a:ext uri="{FF2B5EF4-FFF2-40B4-BE49-F238E27FC236}">
+                <a16:creationId xmlns:a16="http://schemas.microsoft.com/office/drawing/2014/main" id="{1405A4A0-7B47-46B9-9F84-0C76FA5730B2}"/>
+              </a:ext>
+            </a:extLst>
+          </p:cNvPr>
+          <p:cNvPicPr>
+            <a:picLocks noChangeAspect="1"/>
+          </p:cNvPicPr>
+          <p:nvPr/>
+        </p:nvPicPr>
+        <p:blipFill>
+          <a:blip r:embed="rId2"/>
+          <a:stretch>
+            <a:fillRect/>
+          </a:stretch>
+        </p:blipFill>
+        <p:spPr>
+          <a:xfrm>
+            <a:off x="0" y="0"/>
+            <a:ext cx="9144000" cy="5972142"/>
+          </a:xfrm>
+          <a:prstGeom prst="rect">
+            <a:avLst/>
+          </a:prstGeom>
+        </p:spPr>
+      </p:pic>
+    </p:spTree>
+  </p:cSld>
+  <p:clrMapOvr>
+    <a:masterClrMapping/>
+  </p:clrMapOvr>
+</p:sld>
+</file>
+
+<file path=ppt/slides/slide41.xml><?xml version="1.0" encoding="utf-8"?>
+<p:sld xmlns:a="http://schemas.openxmlformats.org/drawingml/2006/main" xmlns:r="http://schemas.openxmlformats.org/officeDocument/2006/relationships" xmlns:p="http://schemas.openxmlformats.org/presentationml/2006/main">
+  <p:cSld>
+    <p:spTree>
+      <p:nvGrpSpPr>
+        <p:cNvPr id="1" name=""/>
+        <p:cNvGrpSpPr/>
+        <p:nvPr/>
+      </p:nvGrpSpPr>
+      <p:grpSpPr>
+        <a:xfrm>
+          <a:off x="0" y="0"/>
+          <a:ext cx="0" cy="0"/>
+          <a:chOff x="0" y="0"/>
+          <a:chExt cx="0" cy="0"/>
+        </a:xfrm>
+      </p:grpSpPr>
+      <p:pic>
+        <p:nvPicPr>
+          <p:cNvPr id="2" name="Picture 1" descr="Dijk1916.jpg"/>
+          <p:cNvPicPr>
+            <a:picLocks noChangeAspect="1"/>
+          </p:cNvPicPr>
+          <p:nvPr/>
+        </p:nvPicPr>
+        <p:blipFill>
+          <a:blip r:embed="rId2" cstate="print"/>
+          <a:stretch>
+            <a:fillRect/>
+          </a:stretch>
+        </p:blipFill>
+        <p:spPr>
+          <a:xfrm>
+            <a:off x="76200" y="76200"/>
+            <a:ext cx="2842462" cy="2133600"/>
+          </a:xfrm>
+          <a:prstGeom prst="rect">
+            <a:avLst/>
+          </a:prstGeom>
+        </p:spPr>
+      </p:pic>
+      <p:pic>
+        <p:nvPicPr>
+          <p:cNvPr id="3" name="Picture 2" descr="Dijk1916b.jpg"/>
+          <p:cNvPicPr>
+            <a:picLocks noChangeAspect="1"/>
+          </p:cNvPicPr>
+          <p:nvPr/>
+        </p:nvPicPr>
+        <p:blipFill>
+          <a:blip r:embed="rId3" cstate="print"/>
+          <a:stretch>
+            <a:fillRect/>
+          </a:stretch>
+        </p:blipFill>
+        <p:spPr>
+          <a:xfrm>
+            <a:off x="3124200" y="76200"/>
+            <a:ext cx="2895600" cy="2173487"/>
+          </a:xfrm>
+          <a:prstGeom prst="rect">
+            <a:avLst/>
+          </a:prstGeom>
+        </p:spPr>
+      </p:pic>
+      <p:pic>
+        <p:nvPicPr>
+          <p:cNvPr id="4" name="Picture 3" descr="Dijk196c.jpg"/>
+          <p:cNvPicPr>
+            <a:picLocks noChangeAspect="1"/>
+          </p:cNvPicPr>
+          <p:nvPr/>
+        </p:nvPicPr>
+        <p:blipFill>
+          <a:blip r:embed="rId4" cstate="print"/>
+          <a:stretch>
+            <a:fillRect/>
+          </a:stretch>
+        </p:blipFill>
+        <p:spPr>
+          <a:xfrm>
+            <a:off x="6172200" y="76200"/>
+            <a:ext cx="2895600" cy="2173487"/>
+          </a:xfrm>
+          <a:prstGeom prst="rect">
+            <a:avLst/>
+          </a:prstGeom>
+        </p:spPr>
+      </p:pic>
+      <p:pic>
+        <p:nvPicPr>
+          <p:cNvPr id="5" name="Picture 4" descr="Dijk1930.jpg"/>
+          <p:cNvPicPr>
+            <a:picLocks noChangeAspect="1"/>
+          </p:cNvPicPr>
+          <p:nvPr/>
+        </p:nvPicPr>
+        <p:blipFill>
+          <a:blip r:embed="rId5" cstate="print"/>
+          <a:stretch>
+            <a:fillRect/>
+          </a:stretch>
+        </p:blipFill>
+        <p:spPr>
+          <a:xfrm>
+            <a:off x="1752600" y="2362200"/>
+            <a:ext cx="2819400" cy="2095406"/>
+          </a:xfrm>
+          <a:prstGeom prst="rect">
+            <a:avLst/>
+          </a:prstGeom>
+        </p:spPr>
+      </p:pic>
+      <p:pic>
+        <p:nvPicPr>
+          <p:cNvPr id="6" name="Picture 5" descr="Dijk1930b.jpg"/>
+          <p:cNvPicPr>
+            <a:picLocks noChangeAspect="1"/>
+          </p:cNvPicPr>
+          <p:nvPr/>
+        </p:nvPicPr>
+        <p:blipFill>
+          <a:blip r:embed="rId6" cstate="print"/>
+          <a:stretch>
+            <a:fillRect/>
+          </a:stretch>
+        </p:blipFill>
+        <p:spPr>
+          <a:xfrm>
+            <a:off x="304800" y="4572000"/>
+            <a:ext cx="2819400" cy="2116290"/>
+          </a:xfrm>
+          <a:prstGeom prst="rect">
+            <a:avLst/>
+          </a:prstGeom>
+        </p:spPr>
+      </p:pic>
+      <p:pic>
+        <p:nvPicPr>
+          <p:cNvPr id="7" name="Picture 6" descr="Dijk1930c.jpg"/>
+          <p:cNvPicPr>
+            <a:picLocks noChangeAspect="1"/>
+          </p:cNvPicPr>
+          <p:nvPr/>
+        </p:nvPicPr>
+        <p:blipFill>
+          <a:blip r:embed="rId7" cstate="print"/>
+          <a:stretch>
+            <a:fillRect/>
+          </a:stretch>
+        </p:blipFill>
+        <p:spPr>
+          <a:xfrm>
+            <a:off x="6019800" y="2362200"/>
+            <a:ext cx="2926080" cy="2196366"/>
+          </a:xfrm>
+          <a:prstGeom prst="rect">
+            <a:avLst/>
+          </a:prstGeom>
+        </p:spPr>
+      </p:pic>
+      <p:pic>
+        <p:nvPicPr>
+          <p:cNvPr id="9" name="Picture 8" descr="Dijk1930d.jpg"/>
+          <p:cNvPicPr>
+            <a:picLocks noChangeAspect="1"/>
+          </p:cNvPicPr>
+          <p:nvPr/>
+        </p:nvPicPr>
+        <p:blipFill>
+          <a:blip r:embed="rId8" cstate="print"/>
+          <a:stretch>
+            <a:fillRect/>
+          </a:stretch>
+        </p:blipFill>
+        <p:spPr>
+          <a:xfrm>
+            <a:off x="3733800" y="4698097"/>
+            <a:ext cx="2775987" cy="2083703"/>
+          </a:xfrm>
+          <a:prstGeom prst="rect">
+            <a:avLst/>
+          </a:prstGeom>
+        </p:spPr>
+      </p:pic>
+    </p:spTree>
+  </p:cSld>
+  <p:clrMapOvr>
+    <a:masterClrMapping/>
+  </p:clrMapOvr>
+</p:sld>
+</file>
+
+<file path=ppt/slides/slide42.xml><?xml version="1.0" encoding="utf-8"?>
+<p:sld xmlns:a="http://schemas.openxmlformats.org/drawingml/2006/main" xmlns:r="http://schemas.openxmlformats.org/officeDocument/2006/relationships" xmlns:p="http://schemas.openxmlformats.org/presentationml/2006/main">
+  <p:cSld>
+    <p:spTree>
+      <p:nvGrpSpPr>
+        <p:cNvPr id="1" name=""/>
+        <p:cNvGrpSpPr/>
+        <p:nvPr/>
+      </p:nvGrpSpPr>
+      <p:grpSpPr>
+        <a:xfrm>
+          <a:off x="0" y="0"/>
+          <a:ext cx="0" cy="0"/>
+          <a:chOff x="0" y="0"/>
+          <a:chExt cx="0" cy="0"/>
+        </a:xfrm>
+      </p:grpSpPr>
+      <p:pic>
+        <p:nvPicPr>
+          <p:cNvPr id="3" name="Picture 2" descr="dike2000c.jpg"/>
+          <p:cNvPicPr>
+            <a:picLocks noChangeAspect="1"/>
+          </p:cNvPicPr>
+          <p:nvPr/>
+        </p:nvPicPr>
+        <p:blipFill>
+          <a:blip r:embed="rId2" cstate="print"/>
+          <a:stretch>
+            <a:fillRect/>
+          </a:stretch>
+        </p:blipFill>
+        <p:spPr>
+          <a:xfrm>
+            <a:off x="76200" y="152400"/>
+            <a:ext cx="4953000" cy="3268980"/>
+          </a:xfrm>
+          <a:prstGeom prst="rect">
+            <a:avLst/>
+          </a:prstGeom>
+        </p:spPr>
+      </p:pic>
+      <p:pic>
+        <p:nvPicPr>
+          <p:cNvPr id="5" name="Picture 4" descr="Dike2000b.jpg"/>
+          <p:cNvPicPr>
+            <a:picLocks noChangeAspect="1"/>
+          </p:cNvPicPr>
+          <p:nvPr/>
+        </p:nvPicPr>
+        <p:blipFill>
+          <a:blip r:embed="rId3" cstate="print"/>
+          <a:stretch>
+            <a:fillRect/>
+          </a:stretch>
+        </p:blipFill>
+        <p:spPr>
+          <a:xfrm>
+            <a:off x="76200" y="3581400"/>
+            <a:ext cx="4800600" cy="3200400"/>
+          </a:xfrm>
+          <a:prstGeom prst="rect">
+            <a:avLst/>
+          </a:prstGeom>
+        </p:spPr>
+      </p:pic>
+      <p:pic>
+        <p:nvPicPr>
+          <p:cNvPr id="7" name="Picture 6" descr="Dike2000.jpg"/>
+          <p:cNvPicPr>
+            <a:picLocks noChangeAspect="1"/>
+          </p:cNvPicPr>
+          <p:nvPr/>
+        </p:nvPicPr>
+        <p:blipFill>
+          <a:blip r:embed="rId4" cstate="print"/>
+          <a:stretch>
+            <a:fillRect/>
+          </a:stretch>
+        </p:blipFill>
+        <p:spPr>
+          <a:xfrm>
+            <a:off x="5638800" y="152400"/>
+            <a:ext cx="3409604" cy="5257800"/>
+          </a:xfrm>
+          <a:prstGeom prst="rect">
+            <a:avLst/>
+          </a:prstGeom>
+        </p:spPr>
+      </p:pic>
+      <p:pic>
+        <p:nvPicPr>
+          <p:cNvPr id="2" name="Picture 1" descr="Dike2000d.png"/>
+          <p:cNvPicPr>
+            <a:picLocks noChangeAspect="1"/>
+          </p:cNvPicPr>
+          <p:nvPr/>
+        </p:nvPicPr>
+        <p:blipFill>
+          <a:blip r:embed="rId5" cstate="print"/>
+          <a:stretch>
+            <a:fillRect/>
+          </a:stretch>
+        </p:blipFill>
+        <p:spPr>
+          <a:xfrm>
+            <a:off x="5867400" y="4419600"/>
+            <a:ext cx="3200400" cy="2396279"/>
+          </a:xfrm>
+          <a:prstGeom prst="rect">
+            <a:avLst/>
+          </a:prstGeom>
+        </p:spPr>
+      </p:pic>
+      <p:pic>
+        <p:nvPicPr>
+          <p:cNvPr id="6" name="Picture 5" descr="bangladesh-scooping-garbage-out-of-canal-with-bulldozer-scoop.jpg"/>
+          <p:cNvPicPr>
+            <a:picLocks noChangeAspect="1"/>
+          </p:cNvPicPr>
+          <p:nvPr/>
+        </p:nvPicPr>
+        <p:blipFill>
+          <a:blip r:embed="rId6" cstate="print"/>
+          <a:stretch>
+            <a:fillRect/>
+          </a:stretch>
+        </p:blipFill>
+        <p:spPr>
+          <a:xfrm>
+            <a:off x="3048000" y="2895600"/>
+            <a:ext cx="3413760" cy="2133600"/>
+          </a:xfrm>
+          <a:prstGeom prst="rect">
+            <a:avLst/>
+          </a:prstGeom>
+        </p:spPr>
+      </p:pic>
+    </p:spTree>
+  </p:cSld>
+  <p:clrMapOvr>
+    <a:masterClrMapping/>
+  </p:clrMapOvr>
+</p:sld>
+</file>
+
+<file path=ppt/slides/slide43.xml><?xml version="1.0" encoding="utf-8"?>
+<p:sld xmlns:a="http://schemas.openxmlformats.org/drawingml/2006/main" xmlns:r="http://schemas.openxmlformats.org/officeDocument/2006/relationships" xmlns:p="http://schemas.openxmlformats.org/presentationml/2006/main" showMasterPhAnim="0">
+  <p:cSld>
+    <p:spTree>
+      <p:nvGrpSpPr>
+        <p:cNvPr id="1" name=""/>
+        <p:cNvGrpSpPr/>
+        <p:nvPr/>
+      </p:nvGrpSpPr>
+      <p:grpSpPr>
+        <a:xfrm>
+          <a:off x="0" y="0"/>
+          <a:ext cx="0" cy="0"/>
+          <a:chOff x="0" y="0"/>
+          <a:chExt cx="0" cy="0"/>
+        </a:xfrm>
+      </p:grpSpPr>
+      <p:sp>
+        <p:nvSpPr>
+          <p:cNvPr id="1016835" name="Rectangle 3"/>
+          <p:cNvSpPr>
+            <a:spLocks noGrp="1" noChangeArrowheads="1"/>
+          </p:cNvSpPr>
+          <p:nvPr>
+            <p:ph type="title"/>
+          </p:nvPr>
+        </p:nvSpPr>
+        <p:spPr>
+          <a:xfrm>
+            <a:off x="685800" y="76200"/>
+            <a:ext cx="7772400" cy="1066800"/>
+          </a:xfrm>
+        </p:spPr>
+        <p:txBody>
+          <a:bodyPr/>
+          <a:lstStyle/>
+          <a:p>
+            <a:r>
+              <a:rPr lang="de-DE" sz="3600" dirty="0">
+                <a:solidFill>
+                  <a:schemeClr val="tx1"/>
+                </a:solidFill>
+                <a:latin typeface="Candara" panose="020E0502030303020204" pitchFamily="34" charset="0"/>
+              </a:rPr>
+              <a:t>Bangladesh</a:t>
+            </a:r>
+            <a:endParaRPr lang="en-GB" sz="3600" dirty="0">
+              <a:solidFill>
+                <a:schemeClr val="tx1"/>
+              </a:solidFill>
+              <a:latin typeface="Candara" panose="020E0502030303020204" pitchFamily="34" charset="0"/>
+            </a:endParaRPr>
+          </a:p>
+        </p:txBody>
+      </p:sp>
+      <p:sp>
+        <p:nvSpPr>
+          <p:cNvPr id="1016836" name="Rectangle 4"/>
+          <p:cNvSpPr>
+            <a:spLocks noGrp="1" noChangeArrowheads="1"/>
+          </p:cNvSpPr>
+          <p:nvPr>
+            <p:ph type="body" idx="1"/>
+          </p:nvPr>
+        </p:nvSpPr>
+        <p:spPr>
+          <a:xfrm>
+            <a:off x="685800" y="1066800"/>
+            <a:ext cx="7772400" cy="5105400"/>
+          </a:xfrm>
+        </p:spPr>
+        <p:txBody>
+          <a:bodyPr/>
+          <a:lstStyle/>
+          <a:p>
+            <a:pPr>
+              <a:lnSpc>
+                <a:spcPct val="90000"/>
+              </a:lnSpc>
+            </a:pPr>
+            <a:r>
+              <a:rPr lang="en-GB" sz="2800" dirty="0">
+                <a:latin typeface="Candara" panose="020E0502030303020204" pitchFamily="34" charset="0"/>
+              </a:rPr>
+              <a:t>Economically, Bangladesh is not far behind the Netherlands when it started its flood action plan</a:t>
+            </a:r>
+          </a:p>
+          <a:p>
+            <a:pPr>
+              <a:lnSpc>
+                <a:spcPct val="90000"/>
+              </a:lnSpc>
+            </a:pPr>
+            <a:r>
+              <a:rPr lang="en-GB" sz="2800" dirty="0">
+                <a:latin typeface="Candara" panose="020E0502030303020204" pitchFamily="34" charset="0"/>
+              </a:rPr>
+              <a:t>Technically, Bangladesh is far ahead</a:t>
+            </a:r>
+          </a:p>
+          <a:p>
+            <a:pPr>
+              <a:lnSpc>
+                <a:spcPct val="90000"/>
+              </a:lnSpc>
+            </a:pPr>
+            <a:endParaRPr lang="en-GB" sz="2800" dirty="0">
+              <a:latin typeface="Candara" panose="020E0502030303020204" pitchFamily="34" charset="0"/>
+            </a:endParaRPr>
+          </a:p>
+          <a:p>
+            <a:pPr>
+              <a:lnSpc>
+                <a:spcPct val="90000"/>
+              </a:lnSpc>
+            </a:pPr>
+            <a:r>
+              <a:rPr lang="en-GB" sz="2800" dirty="0">
+                <a:latin typeface="Candara" panose="020E0502030303020204" pitchFamily="34" charset="0"/>
+              </a:rPr>
+              <a:t>But</a:t>
+            </a:r>
+          </a:p>
+          <a:p>
+            <a:pPr lvl="1">
+              <a:lnSpc>
+                <a:spcPct val="90000"/>
+              </a:lnSpc>
+            </a:pPr>
+            <a:r>
+              <a:rPr lang="en-GB" sz="2400" dirty="0">
+                <a:latin typeface="Candara" panose="020E0502030303020204" pitchFamily="34" charset="0"/>
+              </a:rPr>
+              <a:t>Corruption is terrible</a:t>
+            </a:r>
+          </a:p>
+          <a:p>
+            <a:pPr lvl="1">
+              <a:lnSpc>
+                <a:spcPct val="90000"/>
+              </a:lnSpc>
+            </a:pPr>
+            <a:r>
+              <a:rPr lang="en-GB" sz="2400" dirty="0">
+                <a:latin typeface="Candara" panose="020E0502030303020204" pitchFamily="34" charset="0"/>
+              </a:rPr>
+              <a:t>Politics is antagonistic</a:t>
+            </a:r>
+          </a:p>
+          <a:p>
+            <a:pPr lvl="1">
+              <a:lnSpc>
+                <a:spcPct val="90000"/>
+              </a:lnSpc>
+            </a:pPr>
+            <a:r>
+              <a:rPr lang="en-GB" sz="2400" dirty="0">
+                <a:latin typeface="Candara" panose="020E0502030303020204" pitchFamily="34" charset="0"/>
+              </a:rPr>
+              <a:t>Poor do not carry much weight in decision making</a:t>
+            </a:r>
+          </a:p>
+          <a:p>
+            <a:pPr lvl="1">
+              <a:lnSpc>
+                <a:spcPct val="90000"/>
+              </a:lnSpc>
+            </a:pPr>
+            <a:r>
+              <a:rPr lang="en-GB" sz="2400" dirty="0">
+                <a:latin typeface="Candara" panose="020E0502030303020204" pitchFamily="34" charset="0"/>
+              </a:rPr>
+              <a:t>May think floods are a punishment by Allah rather than due to mismanagement by government</a:t>
+            </a:r>
+            <a:endParaRPr lang="en-GB" dirty="0">
+              <a:latin typeface="Candara" panose="020E0502030303020204" pitchFamily="34" charset="0"/>
+            </a:endParaRPr>
+          </a:p>
+          <a:p>
+            <a:pPr marL="0" indent="0">
+              <a:lnSpc>
+                <a:spcPct val="90000"/>
+              </a:lnSpc>
+              <a:buNone/>
+            </a:pPr>
+            <a:endParaRPr lang="en-GB" sz="2800" dirty="0">
+              <a:latin typeface="Comic Sans MS" pitchFamily="66" charset="0"/>
+            </a:endParaRPr>
+          </a:p>
+        </p:txBody>
+      </p:sp>
+      <p:sp>
+        <p:nvSpPr>
+          <p:cNvPr id="1016838" name="Rectangle 6"/>
+          <p:cNvSpPr>
+            <a:spLocks noChangeArrowheads="1"/>
+          </p:cNvSpPr>
+          <p:nvPr/>
+        </p:nvSpPr>
+        <p:spPr bwMode="auto">
+          <a:xfrm>
+            <a:off x="0" y="0"/>
+            <a:ext cx="9144000" cy="0"/>
+          </a:xfrm>
+          <a:prstGeom prst="rect">
+            <a:avLst/>
+          </a:prstGeom>
+          <a:noFill/>
+          <a:ln w="9525">
+            <a:noFill/>
+            <a:miter lim="800000"/>
+            <a:headEnd/>
+            <a:tailEnd/>
+          </a:ln>
+          <a:effectLst/>
+        </p:spPr>
+        <p:txBody>
+          <a:bodyPr wrap="none" anchor="ctr">
+            <a:spAutoFit/>
+          </a:bodyPr>
+          <a:lstStyle/>
+          <a:p>
+            <a:endParaRPr lang="en-US"/>
+          </a:p>
+        </p:txBody>
+      </p:sp>
+    </p:spTree>
+    <p:extLst>
+      <p:ext uri="{BB962C8B-B14F-4D97-AF65-F5344CB8AC3E}">
+        <p14:creationId xmlns:p14="http://schemas.microsoft.com/office/powerpoint/2010/main" val="3420161585"/>
+      </p:ext>
+    </p:extLst>
+  </p:cSld>
+  <p:clrMapOvr>
+    <a:masterClrMapping/>
+  </p:clrMapOvr>
+</p:sld>
+</file>
+
+<file path=ppt/slides/slide44.xml><?xml version="1.0" encoding="utf-8"?>
+<p:sld xmlns:a="http://schemas.openxmlformats.org/drawingml/2006/main" xmlns:r="http://schemas.openxmlformats.org/officeDocument/2006/relationships" xmlns:p="http://schemas.openxmlformats.org/presentationml/2006/main">
+  <p:cSld>
+    <p:spTree>
+      <p:nvGrpSpPr>
+        <p:cNvPr id="1" name=""/>
+        <p:cNvGrpSpPr/>
+        <p:nvPr/>
+      </p:nvGrpSpPr>
+      <p:grpSpPr>
+        <a:xfrm>
+          <a:off x="0" y="0"/>
+          <a:ext cx="0" cy="0"/>
+          <a:chOff x="0" y="0"/>
+          <a:chExt cx="0" cy="0"/>
+        </a:xfrm>
+      </p:grpSpPr>
+      <p:pic>
+        <p:nvPicPr>
+          <p:cNvPr id="4" name="Picture 3" descr="inpost-2-poverty-floods-map2.png"/>
+          <p:cNvPicPr>
+            <a:picLocks noChangeAspect="1"/>
+          </p:cNvPicPr>
+          <p:nvPr/>
+        </p:nvPicPr>
+        <p:blipFill>
+          <a:blip r:embed="rId2" cstate="print"/>
+          <a:stretch>
+            <a:fillRect/>
+          </a:stretch>
+        </p:blipFill>
+        <p:spPr>
+          <a:xfrm>
+            <a:off x="0" y="0"/>
+            <a:ext cx="9144000" cy="6605022"/>
+          </a:xfrm>
+          <a:prstGeom prst="rect">
+            <a:avLst/>
+          </a:prstGeom>
+        </p:spPr>
+      </p:pic>
+    </p:spTree>
+  </p:cSld>
+  <p:clrMapOvr>
+    <a:masterClrMapping/>
+  </p:clrMapOvr>
+</p:sld>
+</file>
+
+<file path=ppt/slides/slide45.xml><?xml version="1.0" encoding="utf-8"?>
+<p:sld xmlns:a="http://schemas.openxmlformats.org/drawingml/2006/main" xmlns:r="http://schemas.openxmlformats.org/officeDocument/2006/relationships" xmlns:p="http://schemas.openxmlformats.org/presentationml/2006/main" showMasterPhAnim="0">
+  <p:cSld>
+    <p:spTree>
+      <p:nvGrpSpPr>
+        <p:cNvPr id="1" name=""/>
+        <p:cNvGrpSpPr/>
+        <p:nvPr/>
+      </p:nvGrpSpPr>
+      <p:grpSpPr>
+        <a:xfrm>
+          <a:off x="0" y="0"/>
+          <a:ext cx="0" cy="0"/>
+          <a:chOff x="0" y="0"/>
+          <a:chExt cx="0" cy="0"/>
+        </a:xfrm>
+      </p:grpSpPr>
+      <p:sp>
+        <p:nvSpPr>
+          <p:cNvPr id="1016835" name="Rectangle 3"/>
+          <p:cNvSpPr>
+            <a:spLocks noGrp="1" noChangeArrowheads="1"/>
+          </p:cNvSpPr>
+          <p:nvPr>
+            <p:ph type="title"/>
+          </p:nvPr>
+        </p:nvSpPr>
+        <p:spPr>
+          <a:xfrm>
+            <a:off x="685800" y="76200"/>
+            <a:ext cx="7772400" cy="1066800"/>
+          </a:xfrm>
+        </p:spPr>
+        <p:txBody>
+          <a:bodyPr/>
+          <a:lstStyle/>
+          <a:p>
+            <a:r>
+              <a:rPr lang="de-DE" sz="3600" dirty="0">
+                <a:solidFill>
+                  <a:schemeClr val="tx1"/>
+                </a:solidFill>
+                <a:latin typeface="Candara" panose="020E0502030303020204" pitchFamily="34" charset="0"/>
+              </a:rPr>
+              <a:t>A brief history of the Netherlands</a:t>
+            </a:r>
+            <a:endParaRPr lang="en-GB" sz="3600" dirty="0">
+              <a:solidFill>
+                <a:schemeClr val="tx1"/>
+              </a:solidFill>
+              <a:latin typeface="Candara" panose="020E0502030303020204" pitchFamily="34" charset="0"/>
+            </a:endParaRPr>
+          </a:p>
+        </p:txBody>
+      </p:sp>
+      <p:sp>
+        <p:nvSpPr>
+          <p:cNvPr id="1016836" name="Rectangle 4"/>
+          <p:cNvSpPr>
+            <a:spLocks noGrp="1" noChangeArrowheads="1"/>
+          </p:cNvSpPr>
+          <p:nvPr>
+            <p:ph type="body" idx="1"/>
+          </p:nvPr>
+        </p:nvSpPr>
+        <p:spPr>
+          <a:xfrm>
+            <a:off x="685800" y="1066800"/>
+            <a:ext cx="7772400" cy="5105400"/>
+          </a:xfrm>
+        </p:spPr>
+        <p:txBody>
+          <a:bodyPr/>
+          <a:lstStyle/>
+          <a:p>
+            <a:pPr>
+              <a:lnSpc>
+                <a:spcPct val="90000"/>
+              </a:lnSpc>
+            </a:pPr>
+            <a:r>
+              <a:rPr lang="en-GB" sz="2800" dirty="0">
+                <a:latin typeface="Candara" panose="020E0502030303020204" pitchFamily="34" charset="0"/>
+              </a:rPr>
+              <a:t>1848 European Spring</a:t>
+            </a:r>
+          </a:p>
+          <a:p>
+            <a:pPr>
+              <a:lnSpc>
+                <a:spcPct val="90000"/>
+              </a:lnSpc>
+            </a:pPr>
+            <a:r>
+              <a:rPr lang="en-GB" sz="2800" dirty="0">
+                <a:latin typeface="Candara" panose="020E0502030303020204" pitchFamily="34" charset="0"/>
+              </a:rPr>
+              <a:t>1849 </a:t>
+            </a:r>
+            <a:r>
+              <a:rPr lang="en-GB" sz="2800" dirty="0" err="1">
+                <a:latin typeface="Candara" panose="020E0502030303020204" pitchFamily="34" charset="0"/>
+              </a:rPr>
+              <a:t>Thorbecke</a:t>
+            </a:r>
+            <a:r>
+              <a:rPr lang="en-GB" sz="2800" dirty="0">
+                <a:latin typeface="Candara" panose="020E0502030303020204" pitchFamily="34" charset="0"/>
+              </a:rPr>
+              <a:t> Constitution</a:t>
+            </a:r>
+          </a:p>
+          <a:p>
+            <a:pPr lvl="1">
+              <a:lnSpc>
+                <a:spcPct val="90000"/>
+              </a:lnSpc>
+            </a:pPr>
+            <a:r>
+              <a:rPr lang="en-GB" sz="2400" dirty="0">
+                <a:latin typeface="Candara" panose="020E0502030303020204" pitchFamily="34" charset="0"/>
+              </a:rPr>
+              <a:t>Central government</a:t>
+            </a:r>
+          </a:p>
+          <a:p>
+            <a:pPr lvl="1">
+              <a:lnSpc>
+                <a:spcPct val="90000"/>
+              </a:lnSpc>
+            </a:pPr>
+            <a:r>
+              <a:rPr lang="en-GB" sz="2400" dirty="0">
+                <a:latin typeface="Candara" panose="020E0502030303020204" pitchFamily="34" charset="0"/>
+              </a:rPr>
+              <a:t>Broadly representative of population</a:t>
+            </a:r>
+          </a:p>
+          <a:p>
+            <a:pPr>
+              <a:lnSpc>
+                <a:spcPct val="90000"/>
+              </a:lnSpc>
+            </a:pPr>
+            <a:r>
+              <a:rPr lang="en-GB" sz="2800" dirty="0">
+                <a:latin typeface="Candara" panose="020E0502030303020204" pitchFamily="34" charset="0"/>
+              </a:rPr>
+              <a:t>1850 Modern dike building starts</a:t>
+            </a:r>
+          </a:p>
+        </p:txBody>
+      </p:sp>
+      <p:sp>
+        <p:nvSpPr>
+          <p:cNvPr id="1016838" name="Rectangle 6"/>
+          <p:cNvSpPr>
+            <a:spLocks noChangeArrowheads="1"/>
+          </p:cNvSpPr>
+          <p:nvPr/>
+        </p:nvSpPr>
+        <p:spPr bwMode="auto">
+          <a:xfrm>
+            <a:off x="0" y="0"/>
+            <a:ext cx="9144000" cy="0"/>
+          </a:xfrm>
+          <a:prstGeom prst="rect">
+            <a:avLst/>
+          </a:prstGeom>
+          <a:noFill/>
+          <a:ln w="9525">
+            <a:noFill/>
+            <a:miter lim="800000"/>
+            <a:headEnd/>
+            <a:tailEnd/>
+          </a:ln>
+          <a:effectLst/>
+        </p:spPr>
+        <p:txBody>
+          <a:bodyPr wrap="none" anchor="ctr">
+            <a:spAutoFit/>
+          </a:bodyPr>
+          <a:lstStyle/>
+          <a:p>
+            <a:endParaRPr lang="en-US"/>
+          </a:p>
+        </p:txBody>
+      </p:sp>
+    </p:spTree>
+    <p:extLst>
+      <p:ext uri="{BB962C8B-B14F-4D97-AF65-F5344CB8AC3E}">
+        <p14:creationId xmlns:p14="http://schemas.microsoft.com/office/powerpoint/2010/main" val="376432104"/>
+      </p:ext>
+    </p:extLst>
+  </p:cSld>
+  <p:clrMapOvr>
+    <a:masterClrMapping/>
+  </p:clrMapOvr>
+</p:sld>
+</file>
+
+<file path=ppt/slides/slide46.xml><?xml version="1.0" encoding="utf-8"?>
+<p:sld xmlns:a="http://schemas.openxmlformats.org/drawingml/2006/main" xmlns:r="http://schemas.openxmlformats.org/officeDocument/2006/relationships" xmlns:p="http://schemas.openxmlformats.org/presentationml/2006/main">
+  <p:cSld>
+    <p:spTree>
+      <p:nvGrpSpPr>
+        <p:cNvPr id="1" name=""/>
+        <p:cNvGrpSpPr/>
+        <p:nvPr/>
+      </p:nvGrpSpPr>
+      <p:grpSpPr>
+        <a:xfrm>
+          <a:off x="0" y="0"/>
+          <a:ext cx="0" cy="0"/>
+          <a:chOff x="0" y="0"/>
+          <a:chExt cx="0" cy="0"/>
+        </a:xfrm>
+      </p:grpSpPr>
+      <p:pic>
+        <p:nvPicPr>
+          <p:cNvPr id="3" name="Picture 2" descr="Chart, map&#10;&#10;Description automatically generated">
+            <a:extLst>
+              <a:ext uri="{FF2B5EF4-FFF2-40B4-BE49-F238E27FC236}">
+                <a16:creationId xmlns:a16="http://schemas.microsoft.com/office/drawing/2014/main" id="{21722C34-4110-47A2-94A6-7FB399F5D8ED}"/>
+              </a:ext>
+            </a:extLst>
+          </p:cNvPr>
+          <p:cNvPicPr>
+            <a:picLocks noChangeAspect="1"/>
+          </p:cNvPicPr>
+          <p:nvPr/>
+        </p:nvPicPr>
+        <p:blipFill>
+          <a:blip r:embed="rId2">
+            <a:extLst>
+              <a:ext uri="{28A0092B-C50C-407E-A947-70E740481C1C}">
+                <a14:useLocalDpi xmlns:a14="http://schemas.microsoft.com/office/drawing/2010/main" val="0"/>
+              </a:ext>
+            </a:extLst>
+          </a:blip>
+          <a:stretch>
+            <a:fillRect/>
+          </a:stretch>
+        </p:blipFill>
+        <p:spPr>
+          <a:xfrm>
+            <a:off x="-914400" y="0"/>
+            <a:ext cx="10972800" cy="5646088"/>
+          </a:xfrm>
+          <a:prstGeom prst="rect">
+            <a:avLst/>
+          </a:prstGeom>
+        </p:spPr>
+      </p:pic>
+    </p:spTree>
+    <p:extLst>
+      <p:ext uri="{BB962C8B-B14F-4D97-AF65-F5344CB8AC3E}">
+        <p14:creationId xmlns:p14="http://schemas.microsoft.com/office/powerpoint/2010/main" val="2244840428"/>
+      </p:ext>
+    </p:extLst>
+  </p:cSld>
+  <p:clrMapOvr>
+    <a:masterClrMapping/>
+  </p:clrMapOvr>
+</p:sld>
+</file>
+
+<file path=ppt/slides/slide5.xml><?xml version="1.0" encoding="utf-8"?>
 <p:sld xmlns:a="http://schemas.openxmlformats.org/drawingml/2006/main" xmlns:r="http://schemas.openxmlformats.org/officeDocument/2006/relationships" xmlns:p="http://schemas.openxmlformats.org/presentationml/2006/main">
   <p:cSld>
     <p:spTree>
@@ -9712,17 +14163,10 @@
   <p:clrMapOvr>
     <a:masterClrMapping/>
   </p:clrMapOvr>
-  <p:timing>
-    <p:tnLst>
-      <p:par>
-        <p:cTn id="1" dur="indefinite" restart="never" nodeType="tmRoot"/>
-      </p:par>
-    </p:tnLst>
-  </p:timing>
 </p:sld>
 </file>
 
-<file path=ppt/slides/slide5.xml><?xml version="1.0" encoding="utf-8"?>
+<file path=ppt/slides/slide6.xml><?xml version="1.0" encoding="utf-8"?>
 <p:sld xmlns:a="http://schemas.openxmlformats.org/drawingml/2006/main" xmlns:r="http://schemas.openxmlformats.org/officeDocument/2006/relationships" xmlns:p="http://schemas.openxmlformats.org/presentationml/2006/main" showMasterPhAnim="0">
   <p:cSld>
     <p:spTree>
@@ -9947,7 +14391,7 @@
           <p:cNvPr id="4" name="Picture 3">
             <a:extLst>
               <a:ext uri="{FF2B5EF4-FFF2-40B4-BE49-F238E27FC236}">
-                <a16:creationId xmlns:a16="http://schemas.microsoft.com/office/drawing/2014/main" xmlns="" id="{A8E12ED2-7C36-49D0-8324-E23190006FE1}"/>
+                <a16:creationId xmlns:a16="http://schemas.microsoft.com/office/drawing/2014/main" id="{A8E12ED2-7C36-49D0-8324-E23190006FE1}"/>
               </a:ext>
             </a:extLst>
           </p:cNvPr>
@@ -10370,7 +14814,7 @@
 </p:sld>
 </file>
 
-<file path=ppt/slides/slide6.xml><?xml version="1.0" encoding="utf-8"?>
+<file path=ppt/slides/slide7.xml><?xml version="1.0" encoding="utf-8"?>
 <p:sld xmlns:a="http://schemas.openxmlformats.org/drawingml/2006/main" xmlns:r="http://schemas.openxmlformats.org/officeDocument/2006/relationships" xmlns:p="http://schemas.openxmlformats.org/presentationml/2006/main">
   <p:cSld>
     <p:spTree>
@@ -10555,17 +14999,10 @@
   <p:clrMapOvr>
     <a:masterClrMapping/>
   </p:clrMapOvr>
-  <p:timing>
-    <p:tnLst>
-      <p:par>
-        <p:cTn id="1" dur="indefinite" restart="never" nodeType="tmRoot"/>
-      </p:par>
-    </p:tnLst>
-  </p:timing>
 </p:sld>
 </file>
 
-<file path=ppt/slides/slide7.xml><?xml version="1.0" encoding="utf-8"?>
+<file path=ppt/slides/slide8.xml><?xml version="1.0" encoding="utf-8"?>
 <p:sld xmlns:a="http://schemas.openxmlformats.org/drawingml/2006/main" xmlns:r="http://schemas.openxmlformats.org/officeDocument/2006/relationships" xmlns:p="http://schemas.openxmlformats.org/presentationml/2006/main">
   <p:cSld>
     <p:spTree>
@@ -11067,17 +15504,10 @@
   <p:clrMapOvr>
     <a:masterClrMapping/>
   </p:clrMapOvr>
-  <p:timing>
-    <p:tnLst>
-      <p:par>
-        <p:cTn id="1" dur="indefinite" restart="never" nodeType="tmRoot"/>
-      </p:par>
-    </p:tnLst>
-  </p:timing>
 </p:sld>
 </file>
 
-<file path=ppt/slides/slide8.xml><?xml version="1.0" encoding="utf-8"?>
+<file path=ppt/slides/slide9.xml><?xml version="1.0" encoding="utf-8"?>
 <p:sld xmlns:a="http://schemas.openxmlformats.org/drawingml/2006/main" xmlns:r="http://schemas.openxmlformats.org/officeDocument/2006/relationships" xmlns:p="http://schemas.openxmlformats.org/presentationml/2006/main">
   <p:cSld>
     <p:spTree>
@@ -11137,203 +15567,6 @@
   <p:clrMapOvr>
     <a:masterClrMapping/>
   </p:clrMapOvr>
-  <p:timing>
-    <p:tnLst>
-      <p:par>
-        <p:cTn id="1" dur="indefinite" restart="never" nodeType="tmRoot"/>
-      </p:par>
-    </p:tnLst>
-  </p:timing>
-</p:sld>
-</file>
-
-<file path=ppt/slides/slide9.xml><?xml version="1.0" encoding="utf-8"?>
-<p:sld xmlns:a="http://schemas.openxmlformats.org/drawingml/2006/main" xmlns:r="http://schemas.openxmlformats.org/officeDocument/2006/relationships" xmlns:p="http://schemas.openxmlformats.org/presentationml/2006/main">
-  <p:cSld>
-    <p:spTree>
-      <p:nvGrpSpPr>
-        <p:cNvPr id="1" name=""/>
-        <p:cNvGrpSpPr/>
-        <p:nvPr/>
-      </p:nvGrpSpPr>
-      <p:grpSpPr>
-        <a:xfrm>
-          <a:off x="0" y="0"/>
-          <a:ext cx="0" cy="0"/>
-          <a:chOff x="0" y="0"/>
-          <a:chExt cx="0" cy="0"/>
-        </a:xfrm>
-      </p:grpSpPr>
-      <p:sp>
-        <p:nvSpPr>
-          <p:cNvPr id="36866" name="Rectangle 2"/>
-          <p:cNvSpPr>
-            <a:spLocks noGrp="1" noChangeArrowheads="1"/>
-          </p:cNvSpPr>
-          <p:nvPr>
-            <p:ph type="title"/>
-          </p:nvPr>
-        </p:nvSpPr>
-        <p:spPr>
-          <a:xfrm>
-            <a:off x="685800" y="0"/>
-            <a:ext cx="7772400" cy="1143000"/>
-          </a:xfrm>
-        </p:spPr>
-        <p:txBody>
-          <a:bodyPr/>
-          <a:lstStyle/>
-          <a:p>
-            <a:r>
-              <a:rPr lang="de-DE" sz="3600" dirty="0">
-                <a:latin typeface="Candara" panose="020E0502030303020204" pitchFamily="34" charset="0"/>
-              </a:rPr>
-              <a:t>WTP and WTAC -2</a:t>
-            </a:r>
-            <a:endParaRPr lang="en-GB" sz="3600" dirty="0">
-              <a:latin typeface="Candara" panose="020E0502030303020204" pitchFamily="34" charset="0"/>
-            </a:endParaRPr>
-          </a:p>
-        </p:txBody>
-      </p:sp>
-      <p:sp>
-        <p:nvSpPr>
-          <p:cNvPr id="36867" name="Rectangle 3"/>
-          <p:cNvSpPr>
-            <a:spLocks noGrp="1" noChangeArrowheads="1"/>
-          </p:cNvSpPr>
-          <p:nvPr>
-            <p:ph type="body" idx="1"/>
-          </p:nvPr>
-        </p:nvSpPr>
-        <p:spPr>
-          <a:xfrm>
-            <a:off x="685800" y="1143000"/>
-            <a:ext cx="7772400" cy="4114800"/>
-          </a:xfrm>
-        </p:spPr>
-        <p:txBody>
-          <a:bodyPr/>
-          <a:lstStyle/>
-          <a:p>
-            <a:pPr eaLnBrk="1" hangingPunct="1">
-              <a:lnSpc>
-                <a:spcPct val="90000"/>
-              </a:lnSpc>
-            </a:pPr>
-            <a:r>
-              <a:rPr lang="de-DE" sz="2800" dirty="0">
-                <a:latin typeface="Candara" panose="020E0502030303020204" pitchFamily="34" charset="0"/>
-              </a:rPr>
-              <a:t>Willingness to pay and willingness to accept </a:t>
-            </a:r>
-            <a:r>
-              <a:rPr lang="en-GB" sz="2800" dirty="0" smtClean="0">
-                <a:latin typeface="Candara" panose="020E0502030303020204" pitchFamily="34" charset="0"/>
-              </a:rPr>
-              <a:t>compensation are different, because</a:t>
-            </a:r>
-          </a:p>
-          <a:p>
-            <a:pPr lvl="1">
-              <a:lnSpc>
-                <a:spcPct val="90000"/>
-              </a:lnSpc>
-            </a:pPr>
-            <a:r>
-              <a:rPr lang="en-GB" dirty="0" smtClean="0">
-                <a:latin typeface="Candara" panose="020E0502030303020204" pitchFamily="34" charset="0"/>
-              </a:rPr>
-              <a:t>the budget constraint is different</a:t>
-            </a:r>
-          </a:p>
-          <a:p>
-            <a:pPr lvl="1">
-              <a:lnSpc>
-                <a:spcPct val="90000"/>
-              </a:lnSpc>
-            </a:pPr>
-            <a:r>
-              <a:rPr lang="en-GB" dirty="0" smtClean="0">
-                <a:latin typeface="Candara" panose="020E0502030303020204" pitchFamily="34" charset="0"/>
-              </a:rPr>
-              <a:t>voluntary and involuntary risks are different</a:t>
-            </a:r>
-          </a:p>
-          <a:p>
-            <a:pPr lvl="1">
-              <a:lnSpc>
-                <a:spcPct val="90000"/>
-              </a:lnSpc>
-            </a:pPr>
-            <a:r>
-              <a:rPr lang="en-GB" dirty="0" smtClean="0">
-                <a:latin typeface="Candara" panose="020E0502030303020204" pitchFamily="34" charset="0"/>
-              </a:rPr>
-              <a:t>people attach value to the status quo</a:t>
-            </a:r>
-          </a:p>
-          <a:p>
-            <a:pPr>
-              <a:lnSpc>
-                <a:spcPct val="90000"/>
-              </a:lnSpc>
-            </a:pPr>
-            <a:r>
-              <a:rPr lang="en-GB" sz="2800" dirty="0" smtClean="0">
-                <a:latin typeface="Candara" panose="020E0502030303020204" pitchFamily="34" charset="0"/>
-              </a:rPr>
-              <a:t>Relevant for climate because</a:t>
-            </a:r>
-          </a:p>
-          <a:p>
-            <a:pPr lvl="1">
-              <a:lnSpc>
-                <a:spcPct val="90000"/>
-              </a:lnSpc>
-            </a:pPr>
-            <a:r>
-              <a:rPr lang="en-GB" dirty="0" smtClean="0">
-                <a:latin typeface="Candara" panose="020E0502030303020204" pitchFamily="34" charset="0"/>
-              </a:rPr>
-              <a:t>willingness to pay for a better climate for our children and grandchildren</a:t>
-            </a:r>
-          </a:p>
-          <a:p>
-            <a:pPr lvl="1">
-              <a:lnSpc>
-                <a:spcPct val="90000"/>
-              </a:lnSpc>
-            </a:pPr>
-            <a:r>
-              <a:rPr lang="en-GB" dirty="0" smtClean="0">
-                <a:latin typeface="Candara" panose="020E0502030303020204" pitchFamily="34" charset="0"/>
-              </a:rPr>
-              <a:t>Our children’s and grandchildren’s willingness to accept compensation for us imposing a worse climate on them</a:t>
-            </a:r>
-            <a:endParaRPr lang="en-GB" dirty="0">
-              <a:latin typeface="Candara" panose="020E0502030303020204" pitchFamily="34" charset="0"/>
-            </a:endParaRPr>
-          </a:p>
-        </p:txBody>
-      </p:sp>
-    </p:spTree>
-    <p:extLst>
-      <p:ext uri="{BB962C8B-B14F-4D97-AF65-F5344CB8AC3E}">
-        <p14:creationId xmlns:p14="http://schemas.microsoft.com/office/powerpoint/2010/main" val="2039204260"/>
-      </p:ext>
-    </p:extLst>
-  </p:cSld>
-  <p:clrMapOvr>
-    <a:masterClrMapping/>
-  </p:clrMapOvr>
-  <p:timing>
-    <p:tnLst>
-      <p:par>
-        <p:cTn id="1" dur="indefinite" restart="never" nodeType="tmRoot"/>
-      </p:par>
-    </p:tnLst>
-  </p:timing>
 </p:sld>
 </file>
 
